--- a/docs/Project 2.pptx
+++ b/docs/Project 2.pptx
@@ -138,6 +138,11 @@
       </a:defRPr>
     </a:lvl9pPr>
   </p:defaultTextStyle>
+  <p:extLst>
+    <p:ext uri="{EFAFB233-063F-42B5-8137-9DF3F51BA10A}">
+      <p15:sldGuideLst xmlns:p15="http://schemas.microsoft.com/office/powerpoint/2012/main"/>
+    </p:ext>
+  </p:extLst>
 </p:presentation>
 </file>
 
@@ -437,7 +442,7 @@
           <a:lstStyle/>
           <a:p>
             <a:fld id="{13819667-73FA-4DCC-ACE7-017D1607E0A5}" type="slidenum">
-              <a:t>‹Nº›</a:t>
+              <a:t>‹nº›</a:t>
             </a:fld>
             <a:endParaRPr/>
           </a:p>
@@ -638,7 +643,7 @@
           <a:lstStyle/>
           <a:p>
             <a:fld id="{D818F83D-48DB-4443-B796-B67442B19CB0}" type="slidenum">
-              <a:t>‹Nº›</a:t>
+              <a:t>‹nº›</a:t>
             </a:fld>
             <a:endParaRPr/>
           </a:p>
@@ -915,7 +920,7 @@
           <a:lstStyle/>
           <a:p>
             <a:fld id="{940A4005-B728-4248-9869-C22112F7C323}" type="slidenum">
-              <a:t>‹Nº›</a:t>
+              <a:t>‹nº›</a:t>
             </a:fld>
             <a:endParaRPr/>
           </a:p>
@@ -1268,7 +1273,7 @@
           <a:lstStyle/>
           <a:p>
             <a:fld id="{F23D5EE1-A1EE-4257-AC6D-5C0033F445A2}" type="slidenum">
-              <a:t>‹Nº›</a:t>
+              <a:t>‹nº›</a:t>
             </a:fld>
             <a:endParaRPr/>
           </a:p>
@@ -1355,7 +1360,7 @@
           <a:lstStyle/>
           <a:p>
             <a:fld id="{F24D6697-F7D7-4700-865C-685BEE52A026}" type="slidenum">
-              <a:t>‹Nº›</a:t>
+              <a:t>‹nº›</a:t>
             </a:fld>
             <a:endParaRPr/>
           </a:p>
@@ -1518,7 +1523,7 @@
           <a:lstStyle/>
           <a:p>
             <a:fld id="{9E6B0CEC-7AE5-4244-BA7E-7B499A7DF27B}" type="slidenum">
-              <a:t>‹Nº›</a:t>
+              <a:t>‹nº›</a:t>
             </a:fld>
             <a:endParaRPr/>
           </a:p>
@@ -1681,7 +1686,7 @@
           <a:lstStyle/>
           <a:p>
             <a:fld id="{34561AD7-474B-4E0E-8A59-4CEDB25C8206}" type="slidenum">
-              <a:t>‹Nº›</a:t>
+              <a:t>‹nº›</a:t>
             </a:fld>
             <a:endParaRPr/>
           </a:p>
@@ -1882,7 +1887,7 @@
           <a:lstStyle/>
           <a:p>
             <a:fld id="{AD4B8BBA-7C99-477E-B52A-8967B6C32620}" type="slidenum">
-              <a:t>‹Nº›</a:t>
+              <a:t>‹nº›</a:t>
             </a:fld>
             <a:endParaRPr/>
           </a:p>
@@ -2007,7 +2012,7 @@
           <a:lstStyle/>
           <a:p>
             <a:fld id="{00469443-A687-48BE-AFFD-D8978B4DBE94}" type="slidenum">
-              <a:t>‹Nº›</a:t>
+              <a:t>‹nº›</a:t>
             </a:fld>
             <a:endParaRPr/>
           </a:p>
@@ -2132,7 +2137,7 @@
           <a:lstStyle/>
           <a:p>
             <a:fld id="{062AE306-6AC7-4BAE-8F3C-8763DF7FFBE2}" type="slidenum">
-              <a:t>‹Nº›</a:t>
+              <a:t>‹nº›</a:t>
             </a:fld>
             <a:endParaRPr/>
           </a:p>
@@ -2371,7 +2376,7 @@
           <a:lstStyle/>
           <a:p>
             <a:fld id="{D8A49CF3-5C75-43C3-B38B-8FED71B2B1F8}" type="slidenum">
-              <a:t>‹Nº›</a:t>
+              <a:t>‹nº›</a:t>
             </a:fld>
             <a:endParaRPr/>
           </a:p>
@@ -2534,7 +2539,7 @@
           <a:lstStyle/>
           <a:p>
             <a:fld id="{3B643EBB-E9AB-4957-B905-4FAB0C1717EA}" type="slidenum">
-              <a:t>‹Nº›</a:t>
+              <a:t>‹nº›</a:t>
             </a:fld>
             <a:endParaRPr/>
           </a:p>
@@ -2773,7 +2778,7 @@
           <a:lstStyle/>
           <a:p>
             <a:fld id="{610AE240-1CA5-4150-9505-C6295B54C15E}" type="slidenum">
-              <a:t>‹Nº›</a:t>
+              <a:t>‹nº›</a:t>
             </a:fld>
             <a:endParaRPr/>
           </a:p>
@@ -3012,7 +3017,7 @@
           <a:lstStyle/>
           <a:p>
             <a:fld id="{7FD7635E-B18F-4BE9-9796-51D8EB6D271F}" type="slidenum">
-              <a:t>‹Nº›</a:t>
+              <a:t>‹nº›</a:t>
             </a:fld>
             <a:endParaRPr/>
           </a:p>
@@ -3213,7 +3218,7 @@
           <a:lstStyle/>
           <a:p>
             <a:fld id="{9A2FB7B4-85E1-4DA8-863C-5957258718E0}" type="slidenum">
-              <a:t>‹Nº›</a:t>
+              <a:t>‹nº›</a:t>
             </a:fld>
             <a:endParaRPr/>
           </a:p>
@@ -3490,7 +3495,7 @@
           <a:lstStyle/>
           <a:p>
             <a:fld id="{BBD58939-D8CE-432C-AF3E-79A2DEEA21AE}" type="slidenum">
-              <a:t>‹Nº›</a:t>
+              <a:t>‹nº›</a:t>
             </a:fld>
             <a:endParaRPr/>
           </a:p>
@@ -3843,7 +3848,7 @@
           <a:lstStyle/>
           <a:p>
             <a:fld id="{D48A27A4-F03C-435B-AF53-385584B639EC}" type="slidenum">
-              <a:t>‹Nº›</a:t>
+              <a:t>‹nº›</a:t>
             </a:fld>
             <a:endParaRPr/>
           </a:p>
@@ -3930,7 +3935,7 @@
           <a:lstStyle/>
           <a:p>
             <a:fld id="{4ECA95BA-F900-46F4-BAA8-A77591B9D2B0}" type="slidenum">
-              <a:t>‹Nº›</a:t>
+              <a:t>‹nº›</a:t>
             </a:fld>
             <a:endParaRPr/>
           </a:p>
@@ -4093,7 +4098,7 @@
           <a:lstStyle/>
           <a:p>
             <a:fld id="{9E116479-27EB-45F7-865A-A668C144732D}" type="slidenum">
-              <a:t>‹Nº›</a:t>
+              <a:t>‹nº›</a:t>
             </a:fld>
             <a:endParaRPr/>
           </a:p>
@@ -4256,7 +4261,7 @@
           <a:lstStyle/>
           <a:p>
             <a:fld id="{A8592223-21C6-4AD8-BCD5-36952F744B2A}" type="slidenum">
-              <a:t>‹Nº›</a:t>
+              <a:t>‹nº›</a:t>
             </a:fld>
             <a:endParaRPr/>
           </a:p>
@@ -4457,7 +4462,7 @@
           <a:lstStyle/>
           <a:p>
             <a:fld id="{8496B4EC-174A-458A-97D6-A47488653ED1}" type="slidenum">
-              <a:t>‹Nº›</a:t>
+              <a:t>‹nº›</a:t>
             </a:fld>
             <a:endParaRPr/>
           </a:p>
@@ -4582,7 +4587,7 @@
           <a:lstStyle/>
           <a:p>
             <a:fld id="{F994D31C-FCCD-4E70-B770-07DE63DBC03F}" type="slidenum">
-              <a:t>‹Nº›</a:t>
+              <a:t>‹nº›</a:t>
             </a:fld>
             <a:endParaRPr/>
           </a:p>
@@ -4745,7 +4750,7 @@
           <a:lstStyle/>
           <a:p>
             <a:fld id="{3C2DCC9B-A40C-4CF1-8A94-7F629696170D}" type="slidenum">
-              <a:t>‹Nº›</a:t>
+              <a:t>‹nº›</a:t>
             </a:fld>
             <a:endParaRPr/>
           </a:p>
@@ -4870,7 +4875,7 @@
           <a:lstStyle/>
           <a:p>
             <a:fld id="{13801A21-EE39-4676-B7E7-77B284C8C0ED}" type="slidenum">
-              <a:t>‹Nº›</a:t>
+              <a:t>‹nº›</a:t>
             </a:fld>
             <a:endParaRPr/>
           </a:p>
@@ -5109,7 +5114,7 @@
           <a:lstStyle/>
           <a:p>
             <a:fld id="{0A3E4499-B9E7-46D1-87CF-5090D4350A10}" type="slidenum">
-              <a:t>‹Nº›</a:t>
+              <a:t>‹nº›</a:t>
             </a:fld>
             <a:endParaRPr/>
           </a:p>
@@ -5348,7 +5353,7 @@
           <a:lstStyle/>
           <a:p>
             <a:fld id="{7AA84703-84C9-4A52-ACFE-C90488A078EC}" type="slidenum">
-              <a:t>‹Nº›</a:t>
+              <a:t>‹nº›</a:t>
             </a:fld>
             <a:endParaRPr/>
           </a:p>
@@ -5587,7 +5592,7 @@
           <a:lstStyle/>
           <a:p>
             <a:fld id="{7829D494-3BD1-4EFE-B673-6108AE75611A}" type="slidenum">
-              <a:t>‹Nº›</a:t>
+              <a:t>‹nº›</a:t>
             </a:fld>
             <a:endParaRPr/>
           </a:p>
@@ -5788,7 +5793,7 @@
           <a:lstStyle/>
           <a:p>
             <a:fld id="{88CB1AEE-744B-428E-B664-23C764AA173B}" type="slidenum">
-              <a:t>‹Nº›</a:t>
+              <a:t>‹nº›</a:t>
             </a:fld>
             <a:endParaRPr/>
           </a:p>
@@ -6065,7 +6070,7 @@
           <a:lstStyle/>
           <a:p>
             <a:fld id="{C90103D2-64AD-4976-811A-F4E2FBA0CAF0}" type="slidenum">
-              <a:t>‹Nº›</a:t>
+              <a:t>‹nº›</a:t>
             </a:fld>
             <a:endParaRPr/>
           </a:p>
@@ -6418,7 +6423,7 @@
           <a:lstStyle/>
           <a:p>
             <a:fld id="{C39B0329-7781-477B-8A7F-11AB84BF8123}" type="slidenum">
-              <a:t>‹Nº›</a:t>
+              <a:t>‹nº›</a:t>
             </a:fld>
             <a:endParaRPr/>
           </a:p>
@@ -6505,7 +6510,7 @@
           <a:lstStyle/>
           <a:p>
             <a:fld id="{00D06969-D601-40F9-A8FA-43A8237754C2}" type="slidenum">
-              <a:t>‹Nº›</a:t>
+              <a:t>‹nº›</a:t>
             </a:fld>
             <a:endParaRPr/>
           </a:p>
@@ -6668,7 +6673,7 @@
           <a:lstStyle/>
           <a:p>
             <a:fld id="{32C64F13-9CE9-4793-9C1E-9B3B8A992CC6}" type="slidenum">
-              <a:t>‹Nº›</a:t>
+              <a:t>‹nº›</a:t>
             </a:fld>
             <a:endParaRPr/>
           </a:p>
@@ -6831,7 +6836,7 @@
           <a:lstStyle/>
           <a:p>
             <a:fld id="{3D578B60-088B-49C1-B43D-958CDB02B412}" type="slidenum">
-              <a:t>‹Nº›</a:t>
+              <a:t>‹nº›</a:t>
             </a:fld>
             <a:endParaRPr/>
           </a:p>
@@ -7032,7 +7037,7 @@
           <a:lstStyle/>
           <a:p>
             <a:fld id="{28587699-F7AC-4D70-AF5D-063478271863}" type="slidenum">
-              <a:t>‹Nº›</a:t>
+              <a:t>‹nº›</a:t>
             </a:fld>
             <a:endParaRPr/>
           </a:p>
@@ -7233,7 +7238,7 @@
           <a:lstStyle/>
           <a:p>
             <a:fld id="{2D0FEE7C-193F-4B0B-AE25-7AECE984C734}" type="slidenum">
-              <a:t>‹Nº›</a:t>
+              <a:t>‹nº›</a:t>
             </a:fld>
             <a:endParaRPr/>
           </a:p>
@@ -7358,7 +7363,7 @@
           <a:lstStyle/>
           <a:p>
             <a:fld id="{8B14B378-6024-44CA-9E12-289B53B0D5F7}" type="slidenum">
-              <a:t>‹Nº›</a:t>
+              <a:t>‹nº›</a:t>
             </a:fld>
             <a:endParaRPr/>
           </a:p>
@@ -7483,7 +7488,7 @@
           <a:lstStyle/>
           <a:p>
             <a:fld id="{BFE4622C-EB79-4BCC-BE39-9AC4C0E122FE}" type="slidenum">
-              <a:t>‹Nº›</a:t>
+              <a:t>‹nº›</a:t>
             </a:fld>
             <a:endParaRPr/>
           </a:p>
@@ -7722,7 +7727,7 @@
           <a:lstStyle/>
           <a:p>
             <a:fld id="{4B3070EA-BB60-4FA3-B484-63B6395605C5}" type="slidenum">
-              <a:t>‹Nº›</a:t>
+              <a:t>‹nº›</a:t>
             </a:fld>
             <a:endParaRPr/>
           </a:p>
@@ -7961,7 +7966,7 @@
           <a:lstStyle/>
           <a:p>
             <a:fld id="{6A477EE7-7B79-476D-ACB0-D377484E4DBC}" type="slidenum">
-              <a:t>‹Nº›</a:t>
+              <a:t>‹nº›</a:t>
             </a:fld>
             <a:endParaRPr/>
           </a:p>
@@ -8200,7 +8205,7 @@
           <a:lstStyle/>
           <a:p>
             <a:fld id="{A471D493-C6D5-4A81-B7A1-9E34BFBB4411}" type="slidenum">
-              <a:t>‹Nº›</a:t>
+              <a:t>‹nº›</a:t>
             </a:fld>
             <a:endParaRPr/>
           </a:p>
@@ -8401,7 +8406,7 @@
           <a:lstStyle/>
           <a:p>
             <a:fld id="{538093FB-82B6-44C8-8C85-2206C0DED645}" type="slidenum">
-              <a:t>‹Nº›</a:t>
+              <a:t>‹nº›</a:t>
             </a:fld>
             <a:endParaRPr/>
           </a:p>
@@ -8678,7 +8683,7 @@
           <a:lstStyle/>
           <a:p>
             <a:fld id="{A84E47BC-124C-4FDB-A575-8E126BEBE1BF}" type="slidenum">
-              <a:t>‹Nº›</a:t>
+              <a:t>‹nº›</a:t>
             </a:fld>
             <a:endParaRPr/>
           </a:p>
@@ -9031,7 +9036,7 @@
           <a:lstStyle/>
           <a:p>
             <a:fld id="{B5ED2DCB-A123-4EEE-BC82-DAB9125B47DD}" type="slidenum">
-              <a:t>‹Nº›</a:t>
+              <a:t>‹nº›</a:t>
             </a:fld>
             <a:endParaRPr/>
           </a:p>
@@ -9118,7 +9123,7 @@
           <a:lstStyle/>
           <a:p>
             <a:fld id="{864D4BCF-A088-473A-BAB4-D104E2B3A2EF}" type="slidenum">
-              <a:t>‹Nº›</a:t>
+              <a:t>‹nº›</a:t>
             </a:fld>
             <a:endParaRPr/>
           </a:p>
@@ -9243,7 +9248,7 @@
           <a:lstStyle/>
           <a:p>
             <a:fld id="{25E87F5A-E707-40A9-911B-C5682F1B355B}" type="slidenum">
-              <a:t>‹Nº›</a:t>
+              <a:t>‹nº›</a:t>
             </a:fld>
             <a:endParaRPr/>
           </a:p>
@@ -9406,7 +9411,7 @@
           <a:lstStyle/>
           <a:p>
             <a:fld id="{A2C8DAFE-C38B-4B63-8AE5-23C2D53B60F2}" type="slidenum">
-              <a:t>‹Nº›</a:t>
+              <a:t>‹nº›</a:t>
             </a:fld>
             <a:endParaRPr/>
           </a:p>
@@ -9569,7 +9574,7 @@
           <a:lstStyle/>
           <a:p>
             <a:fld id="{8A3D8A26-4A38-45D0-A27D-6475C57C5561}" type="slidenum">
-              <a:t>‹Nº›</a:t>
+              <a:t>‹nº›</a:t>
             </a:fld>
             <a:endParaRPr/>
           </a:p>
@@ -9770,7 +9775,7 @@
           <a:lstStyle/>
           <a:p>
             <a:fld id="{F0DF9090-79E0-4EB6-BCEE-10ED67558C60}" type="slidenum">
-              <a:t>‹Nº›</a:t>
+              <a:t>‹nº›</a:t>
             </a:fld>
             <a:endParaRPr/>
           </a:p>
@@ -9895,7 +9900,7 @@
           <a:lstStyle/>
           <a:p>
             <a:fld id="{BB1B074F-A72D-4C97-B78A-330237B0B2FC}" type="slidenum">
-              <a:t>‹Nº›</a:t>
+              <a:t>‹nº›</a:t>
             </a:fld>
             <a:endParaRPr/>
           </a:p>
@@ -10020,7 +10025,7 @@
           <a:lstStyle/>
           <a:p>
             <a:fld id="{6429602B-17F5-4A64-AE85-98512E6825D9}" type="slidenum">
-              <a:t>‹Nº›</a:t>
+              <a:t>‹nº›</a:t>
             </a:fld>
             <a:endParaRPr/>
           </a:p>
@@ -10259,7 +10264,7 @@
           <a:lstStyle/>
           <a:p>
             <a:fld id="{E8FEA69A-7679-4EEC-AD39-8865A8578E0C}" type="slidenum">
-              <a:t>‹Nº›</a:t>
+              <a:t>‹nº›</a:t>
             </a:fld>
             <a:endParaRPr/>
           </a:p>
@@ -10498,7 +10503,7 @@
           <a:lstStyle/>
           <a:p>
             <a:fld id="{0A08F811-F0E7-4737-BCF9-0488C6C258D0}" type="slidenum">
-              <a:t>‹Nº›</a:t>
+              <a:t>‹nº›</a:t>
             </a:fld>
             <a:endParaRPr/>
           </a:p>
@@ -10737,7 +10742,7 @@
           <a:lstStyle/>
           <a:p>
             <a:fld id="{43E4AFFD-6EA7-4D42-8749-E747F609CD51}" type="slidenum">
-              <a:t>‹Nº›</a:t>
+              <a:t>‹nº›</a:t>
             </a:fld>
             <a:endParaRPr/>
           </a:p>
@@ -10938,7 +10943,7 @@
           <a:lstStyle/>
           <a:p>
             <a:fld id="{C74E7DC2-5DD4-4B73-8F9E-09AA4E00BBC8}" type="slidenum">
-              <a:t>‹Nº›</a:t>
+              <a:t>‹nº›</a:t>
             </a:fld>
             <a:endParaRPr/>
           </a:p>
@@ -11215,7 +11220,7 @@
           <a:lstStyle/>
           <a:p>
             <a:fld id="{DE99CB20-40B4-44D6-A133-AAC0DEF3D505}" type="slidenum">
-              <a:t>‹Nº›</a:t>
+              <a:t>‹nº›</a:t>
             </a:fld>
             <a:endParaRPr/>
           </a:p>
@@ -11340,7 +11345,7 @@
           <a:lstStyle/>
           <a:p>
             <a:fld id="{97756ABE-7495-4FA8-AD71-850DC68125AA}" type="slidenum">
-              <a:t>‹Nº›</a:t>
+              <a:t>‹nº›</a:t>
             </a:fld>
             <a:endParaRPr/>
           </a:p>
@@ -11693,7 +11698,7 @@
           <a:lstStyle/>
           <a:p>
             <a:fld id="{2BC367E5-3514-4BF7-A5F4-21031CE0C8BE}" type="slidenum">
-              <a:t>‹Nº›</a:t>
+              <a:t>‹nº›</a:t>
             </a:fld>
             <a:endParaRPr/>
           </a:p>
@@ -11780,7 +11785,7 @@
           <a:lstStyle/>
           <a:p>
             <a:fld id="{6A173E88-70D8-4CC1-AFC4-285BCE86AB58}" type="slidenum">
-              <a:t>‹Nº›</a:t>
+              <a:t>‹nº›</a:t>
             </a:fld>
             <a:endParaRPr/>
           </a:p>
@@ -11943,7 +11948,7 @@
           <a:lstStyle/>
           <a:p>
             <a:fld id="{CE1696CD-FDC1-40F7-8ACC-C1E7E071FF64}" type="slidenum">
-              <a:t>‹Nº›</a:t>
+              <a:t>‹nº›</a:t>
             </a:fld>
             <a:endParaRPr/>
           </a:p>
@@ -12106,7 +12111,7 @@
           <a:lstStyle/>
           <a:p>
             <a:fld id="{D6D2A8ED-2C94-4B3F-87A0-0C14A1A06B4F}" type="slidenum">
-              <a:t>‹Nº›</a:t>
+              <a:t>‹nº›</a:t>
             </a:fld>
             <a:endParaRPr/>
           </a:p>
@@ -12307,7 +12312,7 @@
           <a:lstStyle/>
           <a:p>
             <a:fld id="{DAE9056E-AF24-4035-AE46-E3D89BC0FC62}" type="slidenum">
-              <a:t>‹Nº›</a:t>
+              <a:t>‹nº›</a:t>
             </a:fld>
             <a:endParaRPr/>
           </a:p>
@@ -12432,7 +12437,7 @@
           <a:lstStyle/>
           <a:p>
             <a:fld id="{E1518ECD-6E82-4A1D-9990-E887DE4BE806}" type="slidenum">
-              <a:t>‹Nº›</a:t>
+              <a:t>‹nº›</a:t>
             </a:fld>
             <a:endParaRPr/>
           </a:p>
@@ -12557,7 +12562,7 @@
           <a:lstStyle/>
           <a:p>
             <a:fld id="{8210C999-E797-485B-B7AF-26A20CEE6837}" type="slidenum">
-              <a:t>‹Nº›</a:t>
+              <a:t>‹nº›</a:t>
             </a:fld>
             <a:endParaRPr/>
           </a:p>
@@ -12796,7 +12801,7 @@
           <a:lstStyle/>
           <a:p>
             <a:fld id="{82AFDEB2-1572-4028-8B48-09D0B2C99466}" type="slidenum">
-              <a:t>‹Nº›</a:t>
+              <a:t>‹nº›</a:t>
             </a:fld>
             <a:endParaRPr/>
           </a:p>
@@ -13035,7 +13040,7 @@
           <a:lstStyle/>
           <a:p>
             <a:fld id="{3C300CA6-F5B5-4F96-8228-D89791D91ED6}" type="slidenum">
-              <a:t>‹Nº›</a:t>
+              <a:t>‹nº›</a:t>
             </a:fld>
             <a:endParaRPr/>
           </a:p>
@@ -13274,7 +13279,7 @@
           <a:lstStyle/>
           <a:p>
             <a:fld id="{18F78782-59ED-4F60-AE0A-03FE9F293471}" type="slidenum">
-              <a:t>‹Nº›</a:t>
+              <a:t>‹nº›</a:t>
             </a:fld>
             <a:endParaRPr/>
           </a:p>
@@ -13513,7 +13518,7 @@
           <a:lstStyle/>
           <a:p>
             <a:fld id="{716670F1-8310-46C2-878C-A09BE39CAF9B}" type="slidenum">
-              <a:t>‹Nº›</a:t>
+              <a:t>‹nº›</a:t>
             </a:fld>
             <a:endParaRPr/>
           </a:p>
@@ -13714,7 +13719,7 @@
           <a:lstStyle/>
           <a:p>
             <a:fld id="{D9272616-E26F-4F6F-94FE-F43A4ACEB00C}" type="slidenum">
-              <a:t>‹Nº›</a:t>
+              <a:t>‹nº›</a:t>
             </a:fld>
             <a:endParaRPr/>
           </a:p>
@@ -13991,7 +13996,7 @@
           <a:lstStyle/>
           <a:p>
             <a:fld id="{0B916224-5C15-4540-BAA2-7D6A5677D202}" type="slidenum">
-              <a:t>‹Nº›</a:t>
+              <a:t>‹nº›</a:t>
             </a:fld>
             <a:endParaRPr/>
           </a:p>
@@ -14344,7 +14349,7 @@
           <a:lstStyle/>
           <a:p>
             <a:fld id="{3C146838-5D07-4506-86EE-381F55267039}" type="slidenum">
-              <a:t>‹Nº›</a:t>
+              <a:t>‹nº›</a:t>
             </a:fld>
             <a:endParaRPr/>
           </a:p>
@@ -14431,7 +14436,7 @@
           <a:lstStyle/>
           <a:p>
             <a:fld id="{F13250D8-BA2A-4B27-934E-A7A734F8AE1B}" type="slidenum">
-              <a:t>‹Nº›</a:t>
+              <a:t>‹nº›</a:t>
             </a:fld>
             <a:endParaRPr/>
           </a:p>
@@ -14594,7 +14599,7 @@
           <a:lstStyle/>
           <a:p>
             <a:fld id="{D2BA09A6-12D0-4335-85F9-FA8FC704D951}" type="slidenum">
-              <a:t>‹Nº›</a:t>
+              <a:t>‹nº›</a:t>
             </a:fld>
             <a:endParaRPr/>
           </a:p>
@@ -14757,7 +14762,7 @@
           <a:lstStyle/>
           <a:p>
             <a:fld id="{105E126E-081C-4412-949B-1930F36BFB37}" type="slidenum">
-              <a:t>‹Nº›</a:t>
+              <a:t>‹nº›</a:t>
             </a:fld>
             <a:endParaRPr/>
           </a:p>
@@ -14958,7 +14963,7 @@
           <a:lstStyle/>
           <a:p>
             <a:fld id="{11EA373B-EAFB-458A-8571-5C11BD05C41A}" type="slidenum">
-              <a:t>‹Nº›</a:t>
+              <a:t>‹nº›</a:t>
             </a:fld>
             <a:endParaRPr/>
           </a:p>
@@ -15083,7 +15088,7 @@
           <a:lstStyle/>
           <a:p>
             <a:fld id="{F56E41E2-A028-40A2-BD07-E201EC53FC64}" type="slidenum">
-              <a:t>‹Nº›</a:t>
+              <a:t>‹nº›</a:t>
             </a:fld>
             <a:endParaRPr/>
           </a:p>
@@ -15208,7 +15213,7 @@
           <a:lstStyle/>
           <a:p>
             <a:fld id="{CE091F29-52A1-40EE-833F-666043080B15}" type="slidenum">
-              <a:t>‹Nº›</a:t>
+              <a:t>‹nº›</a:t>
             </a:fld>
             <a:endParaRPr/>
           </a:p>
@@ -15447,7 +15452,7 @@
           <a:lstStyle/>
           <a:p>
             <a:fld id="{60AC1918-DCDC-49E3-888B-7E025144169A}" type="slidenum">
-              <a:t>‹Nº›</a:t>
+              <a:t>‹nº›</a:t>
             </a:fld>
             <a:endParaRPr/>
           </a:p>
@@ -15686,7 +15691,7 @@
           <a:lstStyle/>
           <a:p>
             <a:fld id="{309A7ED6-E0CE-4C81-9805-0624D9A60AE9}" type="slidenum">
-              <a:t>‹Nº›</a:t>
+              <a:t>‹nº›</a:t>
             </a:fld>
             <a:endParaRPr/>
           </a:p>
@@ -15925,7 +15930,7 @@
           <a:lstStyle/>
           <a:p>
             <a:fld id="{43B3D199-04A5-4125-8834-F3793A7A1253}" type="slidenum">
-              <a:t>‹Nº›</a:t>
+              <a:t>‹nº›</a:t>
             </a:fld>
             <a:endParaRPr/>
           </a:p>
@@ -16164,7 +16169,7 @@
           <a:lstStyle/>
           <a:p>
             <a:fld id="{EA1EE2A0-868E-43BE-919B-362170AA8E6A}" type="slidenum">
-              <a:t>‹Nº›</a:t>
+              <a:t>‹nº›</a:t>
             </a:fld>
             <a:endParaRPr/>
           </a:p>
@@ -16365,7 +16370,7 @@
           <a:lstStyle/>
           <a:p>
             <a:fld id="{D878EEAD-2CE8-44CD-AC91-7667B6FF7E6E}" type="slidenum">
-              <a:t>‹Nº›</a:t>
+              <a:t>‹nº›</a:t>
             </a:fld>
             <a:endParaRPr/>
           </a:p>
@@ -16642,7 +16647,7 @@
           <a:lstStyle/>
           <a:p>
             <a:fld id="{960A5BA0-B138-4C0E-BF13-BD215C96DA26}" type="slidenum">
-              <a:t>‹Nº›</a:t>
+              <a:t>‹nº›</a:t>
             </a:fld>
             <a:endParaRPr/>
           </a:p>
@@ -16995,7 +17000,7 @@
           <a:lstStyle/>
           <a:p>
             <a:fld id="{19BAA0A2-D339-4534-8B03-58E00B219863}" type="slidenum">
-              <a:t>‹Nº›</a:t>
+              <a:t>‹nº›</a:t>
             </a:fld>
             <a:endParaRPr/>
           </a:p>
@@ -17234,7 +17239,7 @@
           <a:lstStyle/>
           <a:p>
             <a:fld id="{335F5091-10C5-4F40-ADDA-93067FFD08CC}" type="slidenum">
-              <a:t>‹Nº›</a:t>
+              <a:t>‹nº›</a:t>
             </a:fld>
             <a:endParaRPr/>
           </a:p>
@@ -18631,7 +18636,7 @@
                 </a:solidFill>
                 <a:latin typeface="Trebuchet MS"/>
               </a:rPr>
-              <a:t>‹Nº›</a:t>
+              <a:t>‹nº›</a:t>
             </a:fld>
             <a:endParaRPr lang="en-US" sz="900" b="0" strike="noStrike" spc="-1">
               <a:latin typeface="Times New Roman"/>
@@ -20112,7 +20117,7 @@
                 </a:solidFill>
                 <a:latin typeface="Trebuchet MS"/>
               </a:rPr>
-              <a:t>‹Nº›</a:t>
+              <a:t>‹nº›</a:t>
             </a:fld>
             <a:endParaRPr lang="en-US" sz="900" b="0" strike="noStrike" spc="-1">
               <a:latin typeface="Times New Roman"/>
@@ -21409,7 +21414,7 @@
                 </a:solidFill>
                 <a:latin typeface="Trebuchet MS"/>
               </a:rPr>
-              <a:t>‹Nº›</a:t>
+              <a:t>‹nº›</a:t>
             </a:fld>
             <a:endParaRPr lang="en-US" sz="900" b="0" strike="noStrike" spc="-1">
               <a:latin typeface="Times New Roman"/>
@@ -22706,7 +22711,7 @@
                 </a:solidFill>
                 <a:latin typeface="Trebuchet MS"/>
               </a:rPr>
-              <a:t>‹Nº›</a:t>
+              <a:t>‹nº›</a:t>
             </a:fld>
             <a:endParaRPr lang="en-US" sz="900" b="0" strike="noStrike" spc="-1">
               <a:latin typeface="Times New Roman"/>
@@ -24003,7 +24008,7 @@
                 </a:solidFill>
                 <a:latin typeface="Trebuchet MS"/>
               </a:rPr>
-              <a:t>‹Nº›</a:t>
+              <a:t>‹nº›</a:t>
             </a:fld>
             <a:endParaRPr lang="en-US" sz="900" b="0" strike="noStrike" spc="-1">
               <a:latin typeface="Times New Roman"/>
@@ -25300,7 +25305,7 @@
                 </a:solidFill>
                 <a:latin typeface="Trebuchet MS"/>
               </a:rPr>
-              <a:t>‹Nº›</a:t>
+              <a:t>‹nº›</a:t>
             </a:fld>
             <a:endParaRPr lang="en-US" sz="900" b="0" strike="noStrike" spc="-1">
               <a:latin typeface="Times New Roman"/>
@@ -26597,7 +26602,7 @@
                 </a:solidFill>
                 <a:latin typeface="Trebuchet MS"/>
               </a:rPr>
-              <a:t>‹Nº›</a:t>
+              <a:t>‹nº›</a:t>
             </a:fld>
             <a:endParaRPr lang="en-US" sz="900" b="0" strike="noStrike" spc="-1">
               <a:latin typeface="Times New Roman"/>
@@ -43996,14 +44001,14 @@
           <p:nvPr>
             <p:extLst>
               <p:ext uri="{D42A27DB-BD31-4B8C-83A1-F6EECF244321}">
-                <p14:modId xmlns:p14="http://schemas.microsoft.com/office/powerpoint/2010/main" val="3580473458"/>
+                <p14:modId xmlns:p14="http://schemas.microsoft.com/office/powerpoint/2010/main" val="4290101343"/>
               </p:ext>
             </p:extLst>
           </p:nvPr>
         </p:nvGraphicFramePr>
         <p:xfrm>
           <a:off x="677160" y="1005104"/>
-          <a:ext cx="8596080" cy="1752480"/>
+          <a:ext cx="8596080" cy="1381680"/>
         </p:xfrm>
         <a:graphic>
           <a:graphicData uri="http://schemas.openxmlformats.org/drawingml/2006/table">
@@ -44485,79 +44490,11 @@
                           </a:solidFill>
                           <a:latin typeface="Trebuchet MS"/>
                         </a:rPr>
-                        <a:t>Triangular approximation</a:t>
+                        <a:t>Sweep</a:t>
                       </a:r>
                       <a:endParaRPr lang="en-US" sz="1800" b="0" strike="noStrike" spc="-1" dirty="0">
                         <a:latin typeface="Arial"/>
                       </a:endParaRPr>
-                    </a:p>
-                  </a:txBody>
-                  <a:tcPr>
-                    <a:lnL w="12240">
-                      <a:solidFill>
-                        <a:srgbClr val="FFFFFF"/>
-                      </a:solidFill>
-                    </a:lnL>
-                    <a:lnR w="12240">
-                      <a:solidFill>
-                        <a:srgbClr val="FFFFFF"/>
-                      </a:solidFill>
-                    </a:lnR>
-                    <a:lnT w="12240">
-                      <a:solidFill>
-                        <a:srgbClr val="FFFFFF"/>
-                      </a:solidFill>
-                    </a:lnT>
-                    <a:lnB w="12240">
-                      <a:solidFill>
-                        <a:srgbClr val="FFFFFF"/>
-                      </a:solidFill>
-                    </a:lnB>
-                    <a:solidFill>
-                      <a:srgbClr val="E7EBF4"/>
-                    </a:solidFill>
-                  </a:tcPr>
-                </a:tc>
-                <a:tc>
-                  <a:txBody>
-                    <a:bodyPr/>
-                    <a:lstStyle/>
-                    <a:p>
-                      <a:endParaRPr lang="es-CO"/>
-                    </a:p>
-                  </a:txBody>
-                  <a:tcPr>
-                    <a:lnL w="12240">
-                      <a:solidFill>
-                        <a:srgbClr val="FFFFFF"/>
-                      </a:solidFill>
-                    </a:lnL>
-                    <a:lnR w="12240">
-                      <a:solidFill>
-                        <a:srgbClr val="FFFFFF"/>
-                      </a:solidFill>
-                    </a:lnR>
-                    <a:lnT w="12240">
-                      <a:solidFill>
-                        <a:srgbClr val="FFFFFF"/>
-                      </a:solidFill>
-                    </a:lnT>
-                    <a:lnB w="12240">
-                      <a:solidFill>
-                        <a:srgbClr val="FFFFFF"/>
-                      </a:solidFill>
-                    </a:lnB>
-                    <a:solidFill>
-                      <a:srgbClr val="E7EBF4"/>
-                    </a:solidFill>
-                  </a:tcPr>
-                </a:tc>
-                <a:tc>
-                  <a:txBody>
-                    <a:bodyPr/>
-                    <a:lstStyle/>
-                    <a:p>
-                      <a:endParaRPr lang="es-CO"/>
                     </a:p>
                   </a:txBody>
                   <a:tcPr>
@@ -44575,40 +44512,6 @@
                       <a:headEnd type="none" w="med" len="med"/>
                       <a:tailEnd type="none" w="med" len="med"/>
                     </a:lnR>
-                    <a:lnT w="12240">
-                      <a:solidFill>
-                        <a:srgbClr val="FFFFFF"/>
-                      </a:solidFill>
-                    </a:lnT>
-                    <a:lnB w="12240">
-                      <a:solidFill>
-                        <a:srgbClr val="FFFFFF"/>
-                      </a:solidFill>
-                    </a:lnB>
-                    <a:solidFill>
-                      <a:srgbClr val="E7EBF4"/>
-                    </a:solidFill>
-                  </a:tcPr>
-                </a:tc>
-                <a:tc>
-                  <a:txBody>
-                    <a:bodyPr/>
-                    <a:lstStyle/>
-                    <a:p>
-                      <a:endParaRPr lang="es-CO" dirty="0"/>
-                    </a:p>
-                  </a:txBody>
-                  <a:tcPr>
-                    <a:lnL w="12240">
-                      <a:solidFill>
-                        <a:srgbClr val="FFFFFF"/>
-                      </a:solidFill>
-                    </a:lnL>
-                    <a:lnR w="12240">
-                      <a:solidFill>
-                        <a:srgbClr val="FFFFFF"/>
-                      </a:solidFill>
-                    </a:lnR>
                     <a:lnT w="12240" cap="flat" cmpd="sng" algn="ctr">
                       <a:solidFill>
                         <a:srgbClr val="FFFFFF"/>
@@ -44617,68 +44520,6 @@
                       <a:round/>
                       <a:headEnd type="none" w="med" len="med"/>
                       <a:tailEnd type="none" w="med" len="med"/>
-                    </a:lnT>
-                    <a:lnB w="12240" cap="flat" cmpd="sng" algn="ctr">
-                      <a:solidFill>
-                        <a:srgbClr val="FFFFFF"/>
-                      </a:solidFill>
-                      <a:prstDash val="solid"/>
-                      <a:round/>
-                      <a:headEnd type="none" w="med" len="med"/>
-                      <a:tailEnd type="none" w="med" len="med"/>
-                    </a:lnB>
-                    <a:solidFill>
-                      <a:srgbClr val="E7EBF4"/>
-                    </a:solidFill>
-                  </a:tcPr>
-                </a:tc>
-                <a:extLst>
-                  <a:ext uri="{0D108BD9-81ED-4DB2-BD59-A6C34878D82A}">
-                    <a16:rowId xmlns:a16="http://schemas.microsoft.com/office/drawing/2014/main" val="10002"/>
-                  </a:ext>
-                </a:extLst>
-              </a:tr>
-              <a:tr h="370800">
-                <a:tc>
-                  <a:txBody>
-                    <a:bodyPr/>
-                    <a:lstStyle/>
-                    <a:p>
-                      <a:pPr>
-                        <a:lnSpc>
-                          <a:spcPct val="100000"/>
-                        </a:lnSpc>
-                        <a:buNone/>
-                      </a:pPr>
-                      <a:r>
-                        <a:rPr lang="en-US" sz="1800" b="0" strike="noStrike" spc="-1" dirty="0">
-                          <a:solidFill>
-                            <a:srgbClr val="000000"/>
-                          </a:solidFill>
-                          <a:latin typeface="Trebuchet MS"/>
-                        </a:rPr>
-                        <a:t>Sweep</a:t>
-                      </a:r>
-                      <a:endParaRPr lang="en-US" sz="1800" b="0" strike="noStrike" spc="-1" dirty="0">
-                        <a:latin typeface="Arial"/>
-                      </a:endParaRPr>
-                    </a:p>
-                  </a:txBody>
-                  <a:tcPr>
-                    <a:lnL w="12240">
-                      <a:solidFill>
-                        <a:srgbClr val="FFFFFF"/>
-                      </a:solidFill>
-                    </a:lnL>
-                    <a:lnR w="12240">
-                      <a:solidFill>
-                        <a:srgbClr val="FFFFFF"/>
-                      </a:solidFill>
-                    </a:lnR>
-                    <a:lnT w="12240">
-                      <a:solidFill>
-                        <a:srgbClr val="FFFFFF"/>
-                      </a:solidFill>
                     </a:lnT>
                     <a:lnB w="12240">
                       <a:solidFill>
@@ -44702,20 +44543,32 @@
                     </a:p>
                   </a:txBody>
                   <a:tcPr>
-                    <a:lnL w="12240">
+                    <a:lnL w="12240" cap="flat" cmpd="sng" algn="ctr">
                       <a:solidFill>
                         <a:srgbClr val="FFFFFF"/>
                       </a:solidFill>
+                      <a:prstDash val="solid"/>
+                      <a:round/>
+                      <a:headEnd type="none" w="med" len="med"/>
+                      <a:tailEnd type="none" w="med" len="med"/>
                     </a:lnL>
-                    <a:lnR w="12240">
+                    <a:lnR w="12240" cap="flat" cmpd="sng" algn="ctr">
                       <a:solidFill>
                         <a:srgbClr val="FFFFFF"/>
                       </a:solidFill>
+                      <a:prstDash val="solid"/>
+                      <a:round/>
+                      <a:headEnd type="none" w="med" len="med"/>
+                      <a:tailEnd type="none" w="med" len="med"/>
                     </a:lnR>
-                    <a:lnT w="12240">
+                    <a:lnT w="12240" cap="flat" cmpd="sng" algn="ctr">
                       <a:solidFill>
                         <a:srgbClr val="FFFFFF"/>
                       </a:solidFill>
+                      <a:prstDash val="solid"/>
+                      <a:round/>
+                      <a:headEnd type="none" w="med" len="med"/>
+                      <a:tailEnd type="none" w="med" len="med"/>
                     </a:lnT>
                     <a:lnB w="12240">
                       <a:solidFill>
@@ -44739,10 +44592,14 @@
                     </a:p>
                   </a:txBody>
                   <a:tcPr>
-                    <a:lnL w="12240">
+                    <a:lnL w="12240" cap="flat" cmpd="sng" algn="ctr">
                       <a:solidFill>
                         <a:srgbClr val="FFFFFF"/>
                       </a:solidFill>
+                      <a:prstDash val="solid"/>
+                      <a:round/>
+                      <a:headEnd type="none" w="med" len="med"/>
+                      <a:tailEnd type="none" w="med" len="med"/>
                     </a:lnL>
                     <a:lnR w="12240" cap="flat" cmpd="sng" algn="ctr">
                       <a:solidFill>
@@ -44753,10 +44610,14 @@
                       <a:headEnd type="none" w="med" len="med"/>
                       <a:tailEnd type="none" w="med" len="med"/>
                     </a:lnR>
-                    <a:lnT w="12240">
+                    <a:lnT w="12240" cap="flat" cmpd="sng" algn="ctr">
                       <a:solidFill>
                         <a:srgbClr val="FFFFFF"/>
                       </a:solidFill>
+                      <a:prstDash val="solid"/>
+                      <a:round/>
+                      <a:headEnd type="none" w="med" len="med"/>
+                      <a:tailEnd type="none" w="med" len="med"/>
                     </a:lnT>
                     <a:lnB w="12240">
                       <a:solidFill>
@@ -44801,10 +44662,14 @@
                     </a:p>
                   </a:txBody>
                   <a:tcPr>
-                    <a:lnL w="12240">
+                    <a:lnL w="12240" cap="flat" cmpd="sng" algn="ctr">
                       <a:solidFill>
                         <a:srgbClr val="FFFFFF"/>
                       </a:solidFill>
+                      <a:prstDash val="solid"/>
+                      <a:round/>
+                      <a:headEnd type="none" w="med" len="med"/>
+                      <a:tailEnd type="none" w="med" len="med"/>
                     </a:lnL>
                     <a:lnR w="12240">
                       <a:solidFill>
@@ -44958,14 +44823,14 @@
           <p:nvPr>
             <p:extLst>
               <p:ext uri="{D42A27DB-BD31-4B8C-83A1-F6EECF244321}">
-                <p14:modId xmlns:p14="http://schemas.microsoft.com/office/powerpoint/2010/main" val="3950743528"/>
+                <p14:modId xmlns:p14="http://schemas.microsoft.com/office/powerpoint/2010/main" val="223751637"/>
               </p:ext>
             </p:extLst>
           </p:nvPr>
         </p:nvGraphicFramePr>
         <p:xfrm>
           <a:off x="676800" y="2921179"/>
-          <a:ext cx="8596080" cy="1752480"/>
+          <a:ext cx="8596080" cy="1381680"/>
         </p:xfrm>
         <a:graphic>
           <a:graphicData uri="http://schemas.openxmlformats.org/drawingml/2006/table">
@@ -45447,79 +45312,11 @@
                           </a:solidFill>
                           <a:latin typeface="Trebuchet MS"/>
                         </a:rPr>
-                        <a:t>Triangular approximation</a:t>
+                        <a:t>Sweep</a:t>
                       </a:r>
                       <a:endParaRPr lang="en-US" sz="1800" b="0" strike="noStrike" spc="-1" dirty="0">
                         <a:latin typeface="Arial"/>
                       </a:endParaRPr>
-                    </a:p>
-                  </a:txBody>
-                  <a:tcPr>
-                    <a:lnL w="12240">
-                      <a:solidFill>
-                        <a:srgbClr val="FFFFFF"/>
-                      </a:solidFill>
-                    </a:lnL>
-                    <a:lnR w="12240">
-                      <a:solidFill>
-                        <a:srgbClr val="FFFFFF"/>
-                      </a:solidFill>
-                    </a:lnR>
-                    <a:lnT w="12240">
-                      <a:solidFill>
-                        <a:srgbClr val="FFFFFF"/>
-                      </a:solidFill>
-                    </a:lnT>
-                    <a:lnB w="12240">
-                      <a:solidFill>
-                        <a:srgbClr val="FFFFFF"/>
-                      </a:solidFill>
-                    </a:lnB>
-                    <a:solidFill>
-                      <a:srgbClr val="E7EBF4"/>
-                    </a:solidFill>
-                  </a:tcPr>
-                </a:tc>
-                <a:tc>
-                  <a:txBody>
-                    <a:bodyPr/>
-                    <a:lstStyle/>
-                    <a:p>
-                      <a:endParaRPr lang="es-CO"/>
-                    </a:p>
-                  </a:txBody>
-                  <a:tcPr>
-                    <a:lnL w="12240">
-                      <a:solidFill>
-                        <a:srgbClr val="FFFFFF"/>
-                      </a:solidFill>
-                    </a:lnL>
-                    <a:lnR w="12240">
-                      <a:solidFill>
-                        <a:srgbClr val="FFFFFF"/>
-                      </a:solidFill>
-                    </a:lnR>
-                    <a:lnT w="12240">
-                      <a:solidFill>
-                        <a:srgbClr val="FFFFFF"/>
-                      </a:solidFill>
-                    </a:lnT>
-                    <a:lnB w="12240">
-                      <a:solidFill>
-                        <a:srgbClr val="FFFFFF"/>
-                      </a:solidFill>
-                    </a:lnB>
-                    <a:solidFill>
-                      <a:srgbClr val="E7EBF4"/>
-                    </a:solidFill>
-                  </a:tcPr>
-                </a:tc>
-                <a:tc>
-                  <a:txBody>
-                    <a:bodyPr/>
-                    <a:lstStyle/>
-                    <a:p>
-                      <a:endParaRPr lang="es-CO"/>
                     </a:p>
                   </a:txBody>
                   <a:tcPr>
@@ -45537,40 +45334,6 @@
                       <a:headEnd type="none" w="med" len="med"/>
                       <a:tailEnd type="none" w="med" len="med"/>
                     </a:lnR>
-                    <a:lnT w="12240">
-                      <a:solidFill>
-                        <a:srgbClr val="FFFFFF"/>
-                      </a:solidFill>
-                    </a:lnT>
-                    <a:lnB w="12240">
-                      <a:solidFill>
-                        <a:srgbClr val="FFFFFF"/>
-                      </a:solidFill>
-                    </a:lnB>
-                    <a:solidFill>
-                      <a:srgbClr val="E7EBF4"/>
-                    </a:solidFill>
-                  </a:tcPr>
-                </a:tc>
-                <a:tc>
-                  <a:txBody>
-                    <a:bodyPr/>
-                    <a:lstStyle/>
-                    <a:p>
-                      <a:endParaRPr lang="es-CO" dirty="0"/>
-                    </a:p>
-                  </a:txBody>
-                  <a:tcPr>
-                    <a:lnL w="12240">
-                      <a:solidFill>
-                        <a:srgbClr val="FFFFFF"/>
-                      </a:solidFill>
-                    </a:lnL>
-                    <a:lnR w="12240">
-                      <a:solidFill>
-                        <a:srgbClr val="FFFFFF"/>
-                      </a:solidFill>
-                    </a:lnR>
                     <a:lnT w="12240" cap="flat" cmpd="sng" algn="ctr">
                       <a:solidFill>
                         <a:srgbClr val="FFFFFF"/>
@@ -45579,68 +45342,6 @@
                       <a:round/>
                       <a:headEnd type="none" w="med" len="med"/>
                       <a:tailEnd type="none" w="med" len="med"/>
-                    </a:lnT>
-                    <a:lnB w="12240" cap="flat" cmpd="sng" algn="ctr">
-                      <a:solidFill>
-                        <a:srgbClr val="FFFFFF"/>
-                      </a:solidFill>
-                      <a:prstDash val="solid"/>
-                      <a:round/>
-                      <a:headEnd type="none" w="med" len="med"/>
-                      <a:tailEnd type="none" w="med" len="med"/>
-                    </a:lnB>
-                    <a:solidFill>
-                      <a:srgbClr val="E7EBF4"/>
-                    </a:solidFill>
-                  </a:tcPr>
-                </a:tc>
-                <a:extLst>
-                  <a:ext uri="{0D108BD9-81ED-4DB2-BD59-A6C34878D82A}">
-                    <a16:rowId xmlns:a16="http://schemas.microsoft.com/office/drawing/2014/main" val="10002"/>
-                  </a:ext>
-                </a:extLst>
-              </a:tr>
-              <a:tr h="370800">
-                <a:tc>
-                  <a:txBody>
-                    <a:bodyPr/>
-                    <a:lstStyle/>
-                    <a:p>
-                      <a:pPr>
-                        <a:lnSpc>
-                          <a:spcPct val="100000"/>
-                        </a:lnSpc>
-                        <a:buNone/>
-                      </a:pPr>
-                      <a:r>
-                        <a:rPr lang="en-US" sz="1800" b="0" strike="noStrike" spc="-1" dirty="0">
-                          <a:solidFill>
-                            <a:srgbClr val="000000"/>
-                          </a:solidFill>
-                          <a:latin typeface="Trebuchet MS"/>
-                        </a:rPr>
-                        <a:t>Sweep</a:t>
-                      </a:r>
-                      <a:endParaRPr lang="en-US" sz="1800" b="0" strike="noStrike" spc="-1" dirty="0">
-                        <a:latin typeface="Arial"/>
-                      </a:endParaRPr>
-                    </a:p>
-                  </a:txBody>
-                  <a:tcPr>
-                    <a:lnL w="12240">
-                      <a:solidFill>
-                        <a:srgbClr val="FFFFFF"/>
-                      </a:solidFill>
-                    </a:lnL>
-                    <a:lnR w="12240">
-                      <a:solidFill>
-                        <a:srgbClr val="FFFFFF"/>
-                      </a:solidFill>
-                    </a:lnR>
-                    <a:lnT w="12240">
-                      <a:solidFill>
-                        <a:srgbClr val="FFFFFF"/>
-                      </a:solidFill>
                     </a:lnT>
                     <a:lnB w="12240">
                       <a:solidFill>
@@ -45664,20 +45365,32 @@
                     </a:p>
                   </a:txBody>
                   <a:tcPr>
-                    <a:lnL w="12240">
+                    <a:lnL w="12240" cap="flat" cmpd="sng" algn="ctr">
                       <a:solidFill>
                         <a:srgbClr val="FFFFFF"/>
                       </a:solidFill>
+                      <a:prstDash val="solid"/>
+                      <a:round/>
+                      <a:headEnd type="none" w="med" len="med"/>
+                      <a:tailEnd type="none" w="med" len="med"/>
                     </a:lnL>
-                    <a:lnR w="12240">
+                    <a:lnR w="12240" cap="flat" cmpd="sng" algn="ctr">
                       <a:solidFill>
                         <a:srgbClr val="FFFFFF"/>
                       </a:solidFill>
+                      <a:prstDash val="solid"/>
+                      <a:round/>
+                      <a:headEnd type="none" w="med" len="med"/>
+                      <a:tailEnd type="none" w="med" len="med"/>
                     </a:lnR>
-                    <a:lnT w="12240">
+                    <a:lnT w="12240" cap="flat" cmpd="sng" algn="ctr">
                       <a:solidFill>
                         <a:srgbClr val="FFFFFF"/>
                       </a:solidFill>
+                      <a:prstDash val="solid"/>
+                      <a:round/>
+                      <a:headEnd type="none" w="med" len="med"/>
+                      <a:tailEnd type="none" w="med" len="med"/>
                     </a:lnT>
                     <a:lnB w="12240">
                       <a:solidFill>
@@ -45701,10 +45414,14 @@
                     </a:p>
                   </a:txBody>
                   <a:tcPr>
-                    <a:lnL w="12240">
+                    <a:lnL w="12240" cap="flat" cmpd="sng" algn="ctr">
                       <a:solidFill>
                         <a:srgbClr val="FFFFFF"/>
                       </a:solidFill>
+                      <a:prstDash val="solid"/>
+                      <a:round/>
+                      <a:headEnd type="none" w="med" len="med"/>
+                      <a:tailEnd type="none" w="med" len="med"/>
                     </a:lnL>
                     <a:lnR w="12240" cap="flat" cmpd="sng" algn="ctr">
                       <a:solidFill>
@@ -45715,10 +45432,14 @@
                       <a:headEnd type="none" w="med" len="med"/>
                       <a:tailEnd type="none" w="med" len="med"/>
                     </a:lnR>
-                    <a:lnT w="12240">
+                    <a:lnT w="12240" cap="flat" cmpd="sng" algn="ctr">
                       <a:solidFill>
                         <a:srgbClr val="FFFFFF"/>
                       </a:solidFill>
+                      <a:prstDash val="solid"/>
+                      <a:round/>
+                      <a:headEnd type="none" w="med" len="med"/>
+                      <a:tailEnd type="none" w="med" len="med"/>
                     </a:lnT>
                     <a:lnB w="12240">
                       <a:solidFill>
@@ -45763,10 +45484,14 @@
                     </a:p>
                   </a:txBody>
                   <a:tcPr>
-                    <a:lnL w="12240">
+                    <a:lnL w="12240" cap="flat" cmpd="sng" algn="ctr">
                       <a:solidFill>
                         <a:srgbClr val="FFFFFF"/>
                       </a:solidFill>
+                      <a:prstDash val="solid"/>
+                      <a:round/>
+                      <a:headEnd type="none" w="med" len="med"/>
+                      <a:tailEnd type="none" w="med" len="med"/>
                     </a:lnL>
                     <a:lnR w="12240">
                       <a:solidFill>
@@ -45815,14 +45540,14 @@
           <p:nvPr>
             <p:extLst>
               <p:ext uri="{D42A27DB-BD31-4B8C-83A1-F6EECF244321}">
-                <p14:modId xmlns:p14="http://schemas.microsoft.com/office/powerpoint/2010/main" val="2457514840"/>
+                <p14:modId xmlns:p14="http://schemas.microsoft.com/office/powerpoint/2010/main" val="2826640816"/>
               </p:ext>
             </p:extLst>
           </p:nvPr>
         </p:nvGraphicFramePr>
         <p:xfrm>
           <a:off x="676800" y="4837254"/>
-          <a:ext cx="8596080" cy="1752480"/>
+          <a:ext cx="8596080" cy="1381680"/>
         </p:xfrm>
         <a:graphic>
           <a:graphicData uri="http://schemas.openxmlformats.org/drawingml/2006/table">
@@ -46304,79 +46029,11 @@
                           </a:solidFill>
                           <a:latin typeface="Trebuchet MS"/>
                         </a:rPr>
-                        <a:t>Triangular approximation</a:t>
+                        <a:t>Sweep</a:t>
                       </a:r>
                       <a:endParaRPr lang="en-US" sz="1800" b="0" strike="noStrike" spc="-1" dirty="0">
                         <a:latin typeface="Arial"/>
                       </a:endParaRPr>
-                    </a:p>
-                  </a:txBody>
-                  <a:tcPr>
-                    <a:lnL w="12240">
-                      <a:solidFill>
-                        <a:srgbClr val="FFFFFF"/>
-                      </a:solidFill>
-                    </a:lnL>
-                    <a:lnR w="12240">
-                      <a:solidFill>
-                        <a:srgbClr val="FFFFFF"/>
-                      </a:solidFill>
-                    </a:lnR>
-                    <a:lnT w="12240">
-                      <a:solidFill>
-                        <a:srgbClr val="FFFFFF"/>
-                      </a:solidFill>
-                    </a:lnT>
-                    <a:lnB w="12240">
-                      <a:solidFill>
-                        <a:srgbClr val="FFFFFF"/>
-                      </a:solidFill>
-                    </a:lnB>
-                    <a:solidFill>
-                      <a:srgbClr val="E7EBF4"/>
-                    </a:solidFill>
-                  </a:tcPr>
-                </a:tc>
-                <a:tc>
-                  <a:txBody>
-                    <a:bodyPr/>
-                    <a:lstStyle/>
-                    <a:p>
-                      <a:endParaRPr lang="es-CO"/>
-                    </a:p>
-                  </a:txBody>
-                  <a:tcPr>
-                    <a:lnL w="12240">
-                      <a:solidFill>
-                        <a:srgbClr val="FFFFFF"/>
-                      </a:solidFill>
-                    </a:lnL>
-                    <a:lnR w="12240">
-                      <a:solidFill>
-                        <a:srgbClr val="FFFFFF"/>
-                      </a:solidFill>
-                    </a:lnR>
-                    <a:lnT w="12240">
-                      <a:solidFill>
-                        <a:srgbClr val="FFFFFF"/>
-                      </a:solidFill>
-                    </a:lnT>
-                    <a:lnB w="12240">
-                      <a:solidFill>
-                        <a:srgbClr val="FFFFFF"/>
-                      </a:solidFill>
-                    </a:lnB>
-                    <a:solidFill>
-                      <a:srgbClr val="E7EBF4"/>
-                    </a:solidFill>
-                  </a:tcPr>
-                </a:tc>
-                <a:tc>
-                  <a:txBody>
-                    <a:bodyPr/>
-                    <a:lstStyle/>
-                    <a:p>
-                      <a:endParaRPr lang="es-CO"/>
                     </a:p>
                   </a:txBody>
                   <a:tcPr>
@@ -46394,40 +46051,6 @@
                       <a:headEnd type="none" w="med" len="med"/>
                       <a:tailEnd type="none" w="med" len="med"/>
                     </a:lnR>
-                    <a:lnT w="12240">
-                      <a:solidFill>
-                        <a:srgbClr val="FFFFFF"/>
-                      </a:solidFill>
-                    </a:lnT>
-                    <a:lnB w="12240">
-                      <a:solidFill>
-                        <a:srgbClr val="FFFFFF"/>
-                      </a:solidFill>
-                    </a:lnB>
-                    <a:solidFill>
-                      <a:srgbClr val="E7EBF4"/>
-                    </a:solidFill>
-                  </a:tcPr>
-                </a:tc>
-                <a:tc>
-                  <a:txBody>
-                    <a:bodyPr/>
-                    <a:lstStyle/>
-                    <a:p>
-                      <a:endParaRPr lang="es-CO" dirty="0"/>
-                    </a:p>
-                  </a:txBody>
-                  <a:tcPr>
-                    <a:lnL w="12240">
-                      <a:solidFill>
-                        <a:srgbClr val="FFFFFF"/>
-                      </a:solidFill>
-                    </a:lnL>
-                    <a:lnR w="12240">
-                      <a:solidFill>
-                        <a:srgbClr val="FFFFFF"/>
-                      </a:solidFill>
-                    </a:lnR>
                     <a:lnT w="12240" cap="flat" cmpd="sng" algn="ctr">
                       <a:solidFill>
                         <a:srgbClr val="FFFFFF"/>
@@ -46436,68 +46059,6 @@
                       <a:round/>
                       <a:headEnd type="none" w="med" len="med"/>
                       <a:tailEnd type="none" w="med" len="med"/>
-                    </a:lnT>
-                    <a:lnB w="12240" cap="flat" cmpd="sng" algn="ctr">
-                      <a:solidFill>
-                        <a:srgbClr val="FFFFFF"/>
-                      </a:solidFill>
-                      <a:prstDash val="solid"/>
-                      <a:round/>
-                      <a:headEnd type="none" w="med" len="med"/>
-                      <a:tailEnd type="none" w="med" len="med"/>
-                    </a:lnB>
-                    <a:solidFill>
-                      <a:srgbClr val="E7EBF4"/>
-                    </a:solidFill>
-                  </a:tcPr>
-                </a:tc>
-                <a:extLst>
-                  <a:ext uri="{0D108BD9-81ED-4DB2-BD59-A6C34878D82A}">
-                    <a16:rowId xmlns:a16="http://schemas.microsoft.com/office/drawing/2014/main" val="10002"/>
-                  </a:ext>
-                </a:extLst>
-              </a:tr>
-              <a:tr h="370800">
-                <a:tc>
-                  <a:txBody>
-                    <a:bodyPr/>
-                    <a:lstStyle/>
-                    <a:p>
-                      <a:pPr>
-                        <a:lnSpc>
-                          <a:spcPct val="100000"/>
-                        </a:lnSpc>
-                        <a:buNone/>
-                      </a:pPr>
-                      <a:r>
-                        <a:rPr lang="en-US" sz="1800" b="0" strike="noStrike" spc="-1" dirty="0">
-                          <a:solidFill>
-                            <a:srgbClr val="000000"/>
-                          </a:solidFill>
-                          <a:latin typeface="Trebuchet MS"/>
-                        </a:rPr>
-                        <a:t>Sweep</a:t>
-                      </a:r>
-                      <a:endParaRPr lang="en-US" sz="1800" b="0" strike="noStrike" spc="-1" dirty="0">
-                        <a:latin typeface="Arial"/>
-                      </a:endParaRPr>
-                    </a:p>
-                  </a:txBody>
-                  <a:tcPr>
-                    <a:lnL w="12240">
-                      <a:solidFill>
-                        <a:srgbClr val="FFFFFF"/>
-                      </a:solidFill>
-                    </a:lnL>
-                    <a:lnR w="12240">
-                      <a:solidFill>
-                        <a:srgbClr val="FFFFFF"/>
-                      </a:solidFill>
-                    </a:lnR>
-                    <a:lnT w="12240">
-                      <a:solidFill>
-                        <a:srgbClr val="FFFFFF"/>
-                      </a:solidFill>
                     </a:lnT>
                     <a:lnB w="12240">
                       <a:solidFill>
@@ -46521,20 +46082,32 @@
                     </a:p>
                   </a:txBody>
                   <a:tcPr>
-                    <a:lnL w="12240">
+                    <a:lnL w="12240" cap="flat" cmpd="sng" algn="ctr">
                       <a:solidFill>
                         <a:srgbClr val="FFFFFF"/>
                       </a:solidFill>
+                      <a:prstDash val="solid"/>
+                      <a:round/>
+                      <a:headEnd type="none" w="med" len="med"/>
+                      <a:tailEnd type="none" w="med" len="med"/>
                     </a:lnL>
-                    <a:lnR w="12240">
+                    <a:lnR w="12240" cap="flat" cmpd="sng" algn="ctr">
                       <a:solidFill>
                         <a:srgbClr val="FFFFFF"/>
                       </a:solidFill>
+                      <a:prstDash val="solid"/>
+                      <a:round/>
+                      <a:headEnd type="none" w="med" len="med"/>
+                      <a:tailEnd type="none" w="med" len="med"/>
                     </a:lnR>
-                    <a:lnT w="12240">
+                    <a:lnT w="12240" cap="flat" cmpd="sng" algn="ctr">
                       <a:solidFill>
                         <a:srgbClr val="FFFFFF"/>
                       </a:solidFill>
+                      <a:prstDash val="solid"/>
+                      <a:round/>
+                      <a:headEnd type="none" w="med" len="med"/>
+                      <a:tailEnd type="none" w="med" len="med"/>
                     </a:lnT>
                     <a:lnB w="12240">
                       <a:solidFill>
@@ -46558,10 +46131,14 @@
                     </a:p>
                   </a:txBody>
                   <a:tcPr>
-                    <a:lnL w="12240">
+                    <a:lnL w="12240" cap="flat" cmpd="sng" algn="ctr">
                       <a:solidFill>
                         <a:srgbClr val="FFFFFF"/>
                       </a:solidFill>
+                      <a:prstDash val="solid"/>
+                      <a:round/>
+                      <a:headEnd type="none" w="med" len="med"/>
+                      <a:tailEnd type="none" w="med" len="med"/>
                     </a:lnL>
                     <a:lnR w="12240" cap="flat" cmpd="sng" algn="ctr">
                       <a:solidFill>
@@ -46572,10 +46149,14 @@
                       <a:headEnd type="none" w="med" len="med"/>
                       <a:tailEnd type="none" w="med" len="med"/>
                     </a:lnR>
-                    <a:lnT w="12240">
+                    <a:lnT w="12240" cap="flat" cmpd="sng" algn="ctr">
                       <a:solidFill>
                         <a:srgbClr val="FFFFFF"/>
                       </a:solidFill>
+                      <a:prstDash val="solid"/>
+                      <a:round/>
+                      <a:headEnd type="none" w="med" len="med"/>
+                      <a:tailEnd type="none" w="med" len="med"/>
                     </a:lnT>
                     <a:lnB w="12240">
                       <a:solidFill>
@@ -46620,10 +46201,14 @@
                     </a:p>
                   </a:txBody>
                   <a:tcPr>
-                    <a:lnL w="12240">
+                    <a:lnL w="12240" cap="flat" cmpd="sng" algn="ctr">
                       <a:solidFill>
                         <a:srgbClr val="FFFFFF"/>
                       </a:solidFill>
+                      <a:prstDash val="solid"/>
+                      <a:round/>
+                      <a:headEnd type="none" w="med" len="med"/>
+                      <a:tailEnd type="none" w="med" len="med"/>
                     </a:lnL>
                     <a:lnR w="12240">
                       <a:solidFill>

--- a/docs/Project 2.pptx
+++ b/docs/Project 2.pptx
@@ -21,25 +21,26 @@
     <p:sldId id="263" r:id="rId15"/>
     <p:sldId id="264" r:id="rId16"/>
     <p:sldId id="265" r:id="rId17"/>
-    <p:sldId id="266" r:id="rId18"/>
-    <p:sldId id="286" r:id="rId19"/>
-    <p:sldId id="267" r:id="rId20"/>
-    <p:sldId id="268" r:id="rId21"/>
-    <p:sldId id="269" r:id="rId22"/>
-    <p:sldId id="270" r:id="rId23"/>
-    <p:sldId id="271" r:id="rId24"/>
-    <p:sldId id="272" r:id="rId25"/>
-    <p:sldId id="273" r:id="rId26"/>
-    <p:sldId id="274" r:id="rId27"/>
-    <p:sldId id="275" r:id="rId28"/>
-    <p:sldId id="276" r:id="rId29"/>
-    <p:sldId id="277" r:id="rId30"/>
-    <p:sldId id="278" r:id="rId31"/>
-    <p:sldId id="279" r:id="rId32"/>
-    <p:sldId id="280" r:id="rId33"/>
-    <p:sldId id="281" r:id="rId34"/>
-    <p:sldId id="282" r:id="rId35"/>
-    <p:sldId id="283" r:id="rId36"/>
+    <p:sldId id="288" r:id="rId18"/>
+    <p:sldId id="266" r:id="rId19"/>
+    <p:sldId id="286" r:id="rId20"/>
+    <p:sldId id="267" r:id="rId21"/>
+    <p:sldId id="268" r:id="rId22"/>
+    <p:sldId id="269" r:id="rId23"/>
+    <p:sldId id="270" r:id="rId24"/>
+    <p:sldId id="271" r:id="rId25"/>
+    <p:sldId id="272" r:id="rId26"/>
+    <p:sldId id="273" r:id="rId27"/>
+    <p:sldId id="274" r:id="rId28"/>
+    <p:sldId id="275" r:id="rId29"/>
+    <p:sldId id="276" r:id="rId30"/>
+    <p:sldId id="277" r:id="rId31"/>
+    <p:sldId id="278" r:id="rId32"/>
+    <p:sldId id="279" r:id="rId33"/>
+    <p:sldId id="280" r:id="rId34"/>
+    <p:sldId id="281" r:id="rId35"/>
+    <p:sldId id="282" r:id="rId36"/>
+    <p:sldId id="283" r:id="rId37"/>
   </p:sldIdLst>
   <p:sldSz cx="12192000" cy="6858000"/>
   <p:notesSz cx="7559675" cy="10691813"/>
@@ -27207,7 +27208,85 @@
           </a:bodyPr>
           <a:lstStyle/>
           <a:p>
-            <a:endParaRPr lang="en-US" sz="1800" b="0" strike="noStrike" spc="-1">
+            <a:r>
+              <a:rPr lang="en-US" sz="1800" b="0" strike="noStrike" spc="-1" dirty="0">
+                <a:solidFill>
+                  <a:srgbClr val="404040"/>
+                </a:solidFill>
+                <a:latin typeface="Trebuchet MS"/>
+              </a:rPr>
+              <a:t>This algorithm works by: </a:t>
+            </a:r>
+          </a:p>
+          <a:p>
+            <a:r>
+              <a:rPr lang="en-US" sz="1800" spc="-1" dirty="0">
+                <a:solidFill>
+                  <a:srgbClr val="404040"/>
+                </a:solidFill>
+                <a:latin typeface="Trebuchet MS"/>
+              </a:rPr>
+              <a:t>Firstly, creating a MST of the entire graph using Prim’s algorithm, considering the root the node with id=0.</a:t>
+            </a:r>
+          </a:p>
+          <a:p>
+            <a:r>
+              <a:rPr lang="en-US" sz="1800" spc="-1" dirty="0">
+                <a:solidFill>
+                  <a:srgbClr val="404040"/>
+                </a:solidFill>
+                <a:latin typeface="Trebuchet MS"/>
+              </a:rPr>
+              <a:t>Secondly, running a DFS search to give us a vector with the nodes in pre-order of the MST.</a:t>
+            </a:r>
+          </a:p>
+          <a:p>
+            <a:r>
+              <a:rPr lang="en-US" sz="1800" spc="-1" dirty="0">
+                <a:solidFill>
+                  <a:srgbClr val="404040"/>
+                </a:solidFill>
+                <a:latin typeface="Trebuchet MS"/>
+              </a:rPr>
+              <a:t>Lastly, calculating the distances between the consecutive nodes in the vector, using and adding to the final result.</a:t>
+            </a:r>
+          </a:p>
+          <a:p>
+            <a:r>
+              <a:rPr lang="en-US" sz="1800" spc="-1" dirty="0">
+                <a:solidFill>
+                  <a:srgbClr val="404040"/>
+                </a:solidFill>
+                <a:latin typeface="Trebuchet MS"/>
+              </a:rPr>
+              <a:t>NOTE: this algorithm should only be used in graphs that respect the triangular inequality, this is, </a:t>
+            </a:r>
+            <a:r>
+              <a:rPr lang="de-DE" sz="1800" spc="-1" dirty="0">
+                <a:solidFill>
+                  <a:srgbClr val="404040"/>
+                </a:solidFill>
+                <a:latin typeface="Trebuchet MS"/>
+              </a:rPr>
+              <a:t>c(t,v) £ c(t,u) + c(u,v) for every edge (t,v), (t,u) and (u,v) in E.</a:t>
+            </a:r>
+            <a:endParaRPr lang="en-US" sz="1800" spc="-1" dirty="0">
+              <a:solidFill>
+                <a:srgbClr val="404040"/>
+              </a:solidFill>
+              <a:latin typeface="Trebuchet MS"/>
+            </a:endParaRPr>
+          </a:p>
+          <a:p>
+            <a:endParaRPr lang="en-US" sz="1800" b="0" strike="noStrike" spc="-1" dirty="0">
+              <a:solidFill>
+                <a:srgbClr val="404040"/>
+              </a:solidFill>
+              <a:latin typeface="Trebuchet MS"/>
+            </a:endParaRPr>
+          </a:p>
+          <a:p>
+            <a:endParaRPr lang="en-US" sz="1800" b="0" strike="noStrike" spc="-1" dirty="0">
               <a:solidFill>
                 <a:srgbClr val="404040"/>
               </a:solidFill>
@@ -27243,7 +27322,7 @@
       </p:grpSpPr>
       <p:sp>
         <p:nvSpPr>
-          <p:cNvPr id="410" name="PlaceHolder 1"/>
+          <p:cNvPr id="408" name="PlaceHolder 1"/>
           <p:cNvSpPr>
             <a:spLocks noGrp="1"/>
           </p:cNvSpPr>
@@ -27277,15 +27356,15 @@
               <a:buNone/>
             </a:pPr>
             <a:r>
-              <a:rPr lang="en-US" sz="3600" b="0" strike="noStrike" spc="-1">
+              <a:rPr lang="en-US" sz="3600" spc="-1" dirty="0">
                 <a:solidFill>
                   <a:srgbClr val="0F6FC6"/>
                 </a:solidFill>
                 <a:latin typeface="Trebuchet MS"/>
               </a:rPr>
-              <a:t>New heuristic: Sweep method</a:t>
+              <a:t>Prim’s Algorithm</a:t>
             </a:r>
-            <a:endParaRPr lang="en-US" sz="3600" b="0" strike="noStrike" spc="-1">
+            <a:endParaRPr lang="en-US" sz="3600" b="0" strike="noStrike" spc="-1" dirty="0">
               <a:solidFill>
                 <a:srgbClr val="000000"/>
               </a:solidFill>
@@ -27296,817 +27375,667 @@
       </p:sp>
       <p:sp>
         <p:nvSpPr>
-          <p:cNvPr id="411" name="Elipse 3"/>
-          <p:cNvSpPr/>
-          <p:nvPr/>
-        </p:nvSpPr>
-        <p:spPr>
-          <a:xfrm>
-            <a:off x="9944280" y="4457880"/>
-            <a:ext cx="609120" cy="609120"/>
-          </a:xfrm>
-          <a:prstGeom prst="ellipse">
-            <a:avLst/>
-          </a:prstGeom>
-          <a:solidFill>
-            <a:srgbClr val="0F6FC6"/>
-          </a:solidFill>
-          <a:ln cap="rnd">
-            <a:solidFill>
-              <a:srgbClr val="0B5292"/>
-            </a:solidFill>
-            <a:round/>
-          </a:ln>
-        </p:spPr>
-        <p:style>
-          <a:lnRef idx="2">
-            <a:schemeClr val="accent1">
-              <a:shade val="50000"/>
-            </a:schemeClr>
-          </a:lnRef>
-          <a:fillRef idx="1">
-            <a:schemeClr val="accent1"/>
-          </a:fillRef>
-          <a:effectRef idx="0">
-            <a:schemeClr val="accent1"/>
-          </a:effectRef>
-          <a:fontRef idx="minor"/>
-        </p:style>
-        <p:txBody>
-          <a:bodyPr lIns="90000" tIns="45000" rIns="90000" bIns="45000" anchor="ctr">
+          <p:cNvPr id="409" name="PlaceHolder 2"/>
+          <p:cNvSpPr>
+            <a:spLocks noGrp="1"/>
+          </p:cNvSpPr>
+          <p:nvPr>
+            <p:ph/>
+          </p:nvPr>
+        </p:nvSpPr>
+        <p:spPr>
+          <a:xfrm>
+            <a:off x="677160" y="2160720"/>
+            <a:ext cx="8596440" cy="3880440"/>
+          </a:xfrm>
+          <a:prstGeom prst="rect">
+            <a:avLst/>
+          </a:prstGeom>
+          <a:noFill/>
+          <a:ln w="0">
+            <a:noFill/>
+          </a:ln>
+        </p:spPr>
+        <p:txBody>
+          <a:bodyPr anchor="t">
             <a:noAutofit/>
           </a:bodyPr>
           <a:lstStyle/>
           <a:p>
-            <a:pPr algn="ctr">
-              <a:lnSpc>
-                <a:spcPct val="100000"/>
-              </a:lnSpc>
-              <a:buNone/>
-            </a:pPr>
             <a:r>
-              <a:rPr lang="en-US" sz="1800" b="0" strike="noStrike" spc="-1">
+              <a:rPr lang="pt-PT" sz="1800" b="0" strike="noStrike" spc="-1" dirty="0" err="1">
                 <a:solidFill>
-                  <a:srgbClr val="FFFFFF"/>
+                  <a:srgbClr val="404040"/>
                 </a:solidFill>
                 <a:latin typeface="Trebuchet MS"/>
               </a:rPr>
-              <a:t>5</a:t>
+              <a:t>Even</a:t>
             </a:r>
-            <a:endParaRPr lang="en-US" sz="1800" b="0" strike="noStrike" spc="-1">
-              <a:latin typeface="Arial"/>
-            </a:endParaRPr>
-          </a:p>
-        </p:txBody>
-      </p:sp>
-      <p:sp>
-        <p:nvSpPr>
-          <p:cNvPr id="412" name="Elipse 4"/>
-          <p:cNvSpPr/>
-          <p:nvPr/>
-        </p:nvSpPr>
-        <p:spPr>
-          <a:xfrm>
-            <a:off x="6734160" y="5067360"/>
-            <a:ext cx="609120" cy="609120"/>
-          </a:xfrm>
-          <a:prstGeom prst="ellipse">
-            <a:avLst/>
-          </a:prstGeom>
-          <a:solidFill>
-            <a:srgbClr val="0F6FC6"/>
-          </a:solidFill>
-          <a:ln cap="rnd">
-            <a:solidFill>
-              <a:srgbClr val="0B5292"/>
-            </a:solidFill>
-            <a:round/>
-          </a:ln>
-        </p:spPr>
-        <p:style>
-          <a:lnRef idx="2">
-            <a:schemeClr val="accent1">
-              <a:shade val="50000"/>
-            </a:schemeClr>
-          </a:lnRef>
-          <a:fillRef idx="1">
-            <a:schemeClr val="accent1"/>
-          </a:fillRef>
-          <a:effectRef idx="0">
-            <a:schemeClr val="accent1"/>
-          </a:effectRef>
-          <a:fontRef idx="minor"/>
-        </p:style>
-        <p:txBody>
-          <a:bodyPr lIns="90000" tIns="45000" rIns="90000" bIns="45000" anchor="ctr">
-            <a:noAutofit/>
-          </a:bodyPr>
-          <a:lstStyle/>
-          <a:p>
-            <a:pPr algn="ctr">
-              <a:lnSpc>
-                <a:spcPct val="100000"/>
-              </a:lnSpc>
-              <a:buNone/>
-            </a:pPr>
             <a:r>
-              <a:rPr lang="en-US" sz="1800" b="0" strike="noStrike" spc="-1">
+              <a:rPr lang="pt-PT" sz="1800" b="0" strike="noStrike" spc="-1" dirty="0">
                 <a:solidFill>
-                  <a:srgbClr val="FFFFFF"/>
+                  <a:srgbClr val="404040"/>
                 </a:solidFill>
                 <a:latin typeface="Trebuchet MS"/>
               </a:rPr>
-              <a:t>4</a:t>
+              <a:t> </a:t>
             </a:r>
-            <a:endParaRPr lang="en-US" sz="1800" b="0" strike="noStrike" spc="-1">
-              <a:latin typeface="Arial"/>
-            </a:endParaRPr>
-          </a:p>
-        </p:txBody>
-      </p:sp>
-      <p:sp>
-        <p:nvSpPr>
-          <p:cNvPr id="413" name="Elipse 5"/>
-          <p:cNvSpPr/>
-          <p:nvPr/>
-        </p:nvSpPr>
-        <p:spPr>
-          <a:xfrm>
-            <a:off x="5842440" y="2448000"/>
-            <a:ext cx="609120" cy="609120"/>
-          </a:xfrm>
-          <a:prstGeom prst="ellipse">
-            <a:avLst/>
-          </a:prstGeom>
-          <a:solidFill>
-            <a:srgbClr val="0F6FC6"/>
-          </a:solidFill>
-          <a:ln cap="rnd">
-            <a:solidFill>
-              <a:srgbClr val="0B5292"/>
-            </a:solidFill>
-            <a:round/>
-          </a:ln>
-        </p:spPr>
-        <p:style>
-          <a:lnRef idx="2">
-            <a:schemeClr val="accent1">
-              <a:shade val="50000"/>
-            </a:schemeClr>
-          </a:lnRef>
-          <a:fillRef idx="1">
-            <a:schemeClr val="accent1"/>
-          </a:fillRef>
-          <a:effectRef idx="0">
-            <a:schemeClr val="accent1"/>
-          </a:effectRef>
-          <a:fontRef idx="minor"/>
-        </p:style>
-        <p:txBody>
-          <a:bodyPr lIns="90000" tIns="45000" rIns="90000" bIns="45000" anchor="ctr">
-            <a:noAutofit/>
-          </a:bodyPr>
-          <a:lstStyle/>
-          <a:p>
-            <a:pPr algn="ctr">
-              <a:lnSpc>
-                <a:spcPct val="100000"/>
-              </a:lnSpc>
-              <a:buNone/>
-            </a:pPr>
             <a:r>
-              <a:rPr lang="en-US" sz="1800" b="0" strike="noStrike" spc="-1">
+              <a:rPr lang="pt-PT" sz="1800" b="0" strike="noStrike" spc="-1" dirty="0" err="1">
                 <a:solidFill>
-                  <a:srgbClr val="FFFFFF"/>
+                  <a:srgbClr val="404040"/>
                 </a:solidFill>
                 <a:latin typeface="Trebuchet MS"/>
               </a:rPr>
-              <a:t>3</a:t>
+              <a:t>if</a:t>
             </a:r>
-            <a:endParaRPr lang="en-US" sz="1800" b="0" strike="noStrike" spc="-1">
-              <a:latin typeface="Arial"/>
-            </a:endParaRPr>
-          </a:p>
-        </p:txBody>
-      </p:sp>
-      <p:sp>
-        <p:nvSpPr>
-          <p:cNvPr id="414" name="Elipse 6"/>
-          <p:cNvSpPr/>
-          <p:nvPr/>
-        </p:nvSpPr>
-        <p:spPr>
-          <a:xfrm>
-            <a:off x="8410680" y="1479600"/>
-            <a:ext cx="609120" cy="609120"/>
-          </a:xfrm>
-          <a:prstGeom prst="ellipse">
-            <a:avLst/>
-          </a:prstGeom>
-          <a:solidFill>
-            <a:srgbClr val="0F6FC6"/>
-          </a:solidFill>
-          <a:ln cap="rnd">
-            <a:solidFill>
-              <a:srgbClr val="0B5292"/>
-            </a:solidFill>
-            <a:round/>
-          </a:ln>
-        </p:spPr>
-        <p:style>
-          <a:lnRef idx="2">
-            <a:schemeClr val="accent1">
-              <a:shade val="50000"/>
-            </a:schemeClr>
-          </a:lnRef>
-          <a:fillRef idx="1">
-            <a:schemeClr val="accent1"/>
-          </a:fillRef>
-          <a:effectRef idx="0">
-            <a:schemeClr val="accent1"/>
-          </a:effectRef>
-          <a:fontRef idx="minor"/>
-        </p:style>
-        <p:txBody>
-          <a:bodyPr lIns="90000" tIns="45000" rIns="90000" bIns="45000" anchor="ctr">
-            <a:noAutofit/>
-          </a:bodyPr>
-          <a:lstStyle/>
-          <a:p>
-            <a:pPr algn="ctr">
-              <a:lnSpc>
-                <a:spcPct val="100000"/>
-              </a:lnSpc>
-              <a:buNone/>
-            </a:pPr>
             <a:r>
-              <a:rPr lang="en-US" sz="1800" b="0" strike="noStrike" spc="-1">
+              <a:rPr lang="pt-PT" sz="1800" b="0" strike="noStrike" spc="-1" dirty="0">
                 <a:solidFill>
-                  <a:srgbClr val="FFFFFF"/>
+                  <a:srgbClr val="404040"/>
                 </a:solidFill>
                 <a:latin typeface="Trebuchet MS"/>
               </a:rPr>
-              <a:t>2</a:t>
+              <a:t> </a:t>
             </a:r>
-            <a:endParaRPr lang="en-US" sz="1800" b="0" strike="noStrike" spc="-1">
-              <a:latin typeface="Arial"/>
-            </a:endParaRPr>
-          </a:p>
-        </p:txBody>
-      </p:sp>
-      <p:sp>
-        <p:nvSpPr>
-          <p:cNvPr id="415" name="Elipse 7"/>
-          <p:cNvSpPr/>
-          <p:nvPr/>
-        </p:nvSpPr>
-        <p:spPr>
-          <a:xfrm>
-            <a:off x="10553760" y="2752560"/>
-            <a:ext cx="609120" cy="609120"/>
-          </a:xfrm>
-          <a:prstGeom prst="ellipse">
-            <a:avLst/>
-          </a:prstGeom>
-          <a:solidFill>
-            <a:srgbClr val="0F6FC6"/>
-          </a:solidFill>
-          <a:ln cap="rnd">
-            <a:solidFill>
-              <a:srgbClr val="0B5292"/>
-            </a:solidFill>
-            <a:round/>
-          </a:ln>
-        </p:spPr>
-        <p:style>
-          <a:lnRef idx="2">
-            <a:schemeClr val="accent1">
-              <a:shade val="50000"/>
-            </a:schemeClr>
-          </a:lnRef>
-          <a:fillRef idx="1">
-            <a:schemeClr val="accent1"/>
-          </a:fillRef>
-          <a:effectRef idx="0">
-            <a:schemeClr val="accent1"/>
-          </a:effectRef>
-          <a:fontRef idx="minor"/>
-        </p:style>
-        <p:txBody>
-          <a:bodyPr lIns="90000" tIns="45000" rIns="90000" bIns="45000" anchor="ctr">
-            <a:noAutofit/>
-          </a:bodyPr>
-          <a:lstStyle/>
-          <a:p>
-            <a:pPr algn="ctr">
-              <a:lnSpc>
-                <a:spcPct val="100000"/>
-              </a:lnSpc>
-              <a:buNone/>
-            </a:pPr>
             <a:r>
-              <a:rPr lang="en-US" sz="1800" b="0" strike="noStrike" spc="-1">
+              <a:rPr lang="pt-PT" sz="1800" b="0" strike="noStrike" spc="-1" dirty="0" err="1">
                 <a:solidFill>
-                  <a:srgbClr val="FFFFFF"/>
+                  <a:srgbClr val="404040"/>
                 </a:solidFill>
                 <a:latin typeface="Trebuchet MS"/>
               </a:rPr>
-              <a:t>1</a:t>
+              <a:t>Prim’s</a:t>
             </a:r>
-            <a:endParaRPr lang="en-US" sz="1800" b="0" strike="noStrike" spc="-1">
-              <a:latin typeface="Arial"/>
-            </a:endParaRPr>
-          </a:p>
-        </p:txBody>
-      </p:sp>
-      <p:sp>
-        <p:nvSpPr>
-          <p:cNvPr id="416" name="Elipse 8"/>
-          <p:cNvSpPr/>
-          <p:nvPr/>
-        </p:nvSpPr>
-        <p:spPr>
-          <a:xfrm>
-            <a:off x="8410680" y="3257640"/>
-            <a:ext cx="609120" cy="609120"/>
-          </a:xfrm>
-          <a:prstGeom prst="ellipse">
-            <a:avLst/>
-          </a:prstGeom>
-          <a:solidFill>
-            <a:srgbClr val="0F6FC6"/>
-          </a:solidFill>
-          <a:ln cap="rnd">
-            <a:solidFill>
-              <a:srgbClr val="0B5292"/>
-            </a:solidFill>
-            <a:round/>
-          </a:ln>
-        </p:spPr>
-        <p:style>
-          <a:lnRef idx="2">
-            <a:schemeClr val="accent1">
-              <a:shade val="50000"/>
-            </a:schemeClr>
-          </a:lnRef>
-          <a:fillRef idx="1">
-            <a:schemeClr val="accent1"/>
-          </a:fillRef>
-          <a:effectRef idx="0">
-            <a:schemeClr val="accent1"/>
-          </a:effectRef>
-          <a:fontRef idx="minor"/>
-        </p:style>
-        <p:txBody>
-          <a:bodyPr lIns="90000" tIns="45000" rIns="90000" bIns="45000" anchor="ctr">
-            <a:noAutofit/>
-          </a:bodyPr>
-          <a:lstStyle/>
-          <a:p>
-            <a:pPr algn="ctr">
-              <a:lnSpc>
-                <a:spcPct val="100000"/>
-              </a:lnSpc>
-              <a:buNone/>
-            </a:pPr>
             <a:r>
-              <a:rPr lang="en-US" sz="1800" b="0" strike="noStrike" spc="-1">
+              <a:rPr lang="pt-PT" sz="1800" b="0" strike="noStrike" spc="-1" dirty="0">
                 <a:solidFill>
-                  <a:srgbClr val="FFFFFF"/>
+                  <a:srgbClr val="404040"/>
                 </a:solidFill>
                 <a:latin typeface="Trebuchet MS"/>
               </a:rPr>
-              <a:t>0</a:t>
+              <a:t> </a:t>
             </a:r>
-            <a:endParaRPr lang="en-US" sz="1800" b="0" strike="noStrike" spc="-1">
-              <a:latin typeface="Arial"/>
-            </a:endParaRPr>
-          </a:p>
-        </p:txBody>
-      </p:sp>
-      <p:sp>
-        <p:nvSpPr>
-          <p:cNvPr id="417" name="Conector recto 10"/>
-          <p:cNvSpPr/>
-          <p:nvPr/>
-        </p:nvSpPr>
-        <p:spPr>
-          <a:xfrm>
-            <a:off x="8715240" y="2089080"/>
-            <a:ext cx="360" cy="1168200"/>
-          </a:xfrm>
-          <a:prstGeom prst="line">
-            <a:avLst/>
-          </a:prstGeom>
-          <a:ln w="31750" cap="rnd">
-            <a:solidFill>
-              <a:srgbClr val="0BD0D9"/>
-            </a:solidFill>
-            <a:round/>
-          </a:ln>
-        </p:spPr>
-        <p:style>
-          <a:lnRef idx="1">
-            <a:schemeClr val="accent1"/>
-          </a:lnRef>
-          <a:fillRef idx="0">
-            <a:schemeClr val="accent1"/>
-          </a:fillRef>
-          <a:effectRef idx="0">
-            <a:schemeClr val="accent1"/>
-          </a:effectRef>
-          <a:fontRef idx="minor"/>
-        </p:style>
-      </p:sp>
-      <p:sp>
-        <p:nvSpPr>
-          <p:cNvPr id="418" name="Conector recto 11"/>
-          <p:cNvSpPr/>
-          <p:nvPr/>
-        </p:nvSpPr>
-        <p:spPr>
-          <a:xfrm flipH="1">
-            <a:off x="9020160" y="3272760"/>
-            <a:ext cx="1622520" cy="289440"/>
-          </a:xfrm>
-          <a:prstGeom prst="line">
-            <a:avLst/>
-          </a:prstGeom>
-          <a:ln w="31750" cap="rnd">
-            <a:solidFill>
-              <a:srgbClr val="0BD0D9"/>
-            </a:solidFill>
-            <a:round/>
-          </a:ln>
-        </p:spPr>
-        <p:style>
-          <a:lnRef idx="1">
-            <a:schemeClr val="accent1"/>
-          </a:lnRef>
-          <a:fillRef idx="0">
-            <a:schemeClr val="accent1"/>
-          </a:fillRef>
-          <a:effectRef idx="0">
-            <a:schemeClr val="accent1"/>
-          </a:effectRef>
-          <a:fontRef idx="minor"/>
-        </p:style>
-      </p:sp>
-      <p:sp>
-        <p:nvSpPr>
-          <p:cNvPr id="419" name="Conector recto 16"/>
-          <p:cNvSpPr/>
-          <p:nvPr/>
-        </p:nvSpPr>
-        <p:spPr>
-          <a:xfrm>
-            <a:off x="6362640" y="2968200"/>
-            <a:ext cx="3581280" cy="1794240"/>
-          </a:xfrm>
-          <a:prstGeom prst="line">
-            <a:avLst/>
-          </a:prstGeom>
-          <a:ln w="31750" cap="rnd">
-            <a:solidFill>
-              <a:srgbClr val="0BD0D9"/>
-            </a:solidFill>
-            <a:round/>
-          </a:ln>
-        </p:spPr>
-        <p:style>
-          <a:lnRef idx="1">
-            <a:schemeClr val="accent1"/>
-          </a:lnRef>
-          <a:fillRef idx="0">
-            <a:schemeClr val="accent1"/>
-          </a:fillRef>
-          <a:effectRef idx="0">
-            <a:schemeClr val="accent1"/>
-          </a:effectRef>
-          <a:fontRef idx="minor"/>
-        </p:style>
-      </p:sp>
-      <p:sp>
-        <p:nvSpPr>
-          <p:cNvPr id="420" name="Conector recto 19"/>
-          <p:cNvSpPr/>
-          <p:nvPr/>
-        </p:nvSpPr>
-        <p:spPr>
-          <a:xfrm flipV="1">
-            <a:off x="7254360" y="3777840"/>
-            <a:ext cx="1245240" cy="1378440"/>
-          </a:xfrm>
-          <a:prstGeom prst="line">
-            <a:avLst/>
-          </a:prstGeom>
-          <a:ln w="31750" cap="rnd">
-            <a:solidFill>
-              <a:srgbClr val="0BD0D9"/>
-            </a:solidFill>
-            <a:round/>
-          </a:ln>
-        </p:spPr>
-        <p:style>
-          <a:lnRef idx="1">
-            <a:schemeClr val="accent1"/>
-          </a:lnRef>
-          <a:fillRef idx="0">
-            <a:schemeClr val="accent1"/>
-          </a:fillRef>
-          <a:effectRef idx="0">
-            <a:schemeClr val="accent1"/>
-          </a:effectRef>
-          <a:fontRef idx="minor"/>
-        </p:style>
-      </p:sp>
-      <p:sp>
-        <p:nvSpPr>
-          <p:cNvPr id="421" name="Conector recto 22"/>
-          <p:cNvSpPr/>
-          <p:nvPr/>
-        </p:nvSpPr>
-        <p:spPr>
-          <a:xfrm flipH="1">
-            <a:off x="7343640" y="4977720"/>
-            <a:ext cx="2689560" cy="394200"/>
-          </a:xfrm>
-          <a:prstGeom prst="line">
-            <a:avLst/>
-          </a:prstGeom>
-          <a:ln w="31750" cap="rnd">
-            <a:solidFill>
-              <a:srgbClr val="0BD0D9"/>
-            </a:solidFill>
-            <a:round/>
-          </a:ln>
-        </p:spPr>
-        <p:style>
-          <a:lnRef idx="1">
-            <a:schemeClr val="accent1"/>
-          </a:lnRef>
-          <a:fillRef idx="0">
-            <a:schemeClr val="accent1"/>
-          </a:fillRef>
-          <a:effectRef idx="0">
-            <a:schemeClr val="accent1"/>
-          </a:effectRef>
-          <a:fontRef idx="minor"/>
-        </p:style>
-      </p:sp>
-      <p:sp>
-        <p:nvSpPr>
-          <p:cNvPr id="422" name="Conector recto 25"/>
-          <p:cNvSpPr/>
-          <p:nvPr/>
-        </p:nvSpPr>
-        <p:spPr>
-          <a:xfrm flipH="1">
-            <a:off x="10464120" y="3362040"/>
-            <a:ext cx="394200" cy="1184760"/>
-          </a:xfrm>
-          <a:prstGeom prst="line">
-            <a:avLst/>
-          </a:prstGeom>
-          <a:ln w="31750" cap="rnd">
-            <a:solidFill>
-              <a:srgbClr val="0BD0D9"/>
-            </a:solidFill>
-            <a:round/>
-          </a:ln>
-        </p:spPr>
-        <p:style>
-          <a:lnRef idx="1">
-            <a:schemeClr val="accent1"/>
-          </a:lnRef>
-          <a:fillRef idx="0">
-            <a:schemeClr val="accent1"/>
-          </a:fillRef>
-          <a:effectRef idx="0">
-            <a:schemeClr val="accent1"/>
-          </a:effectRef>
-          <a:fontRef idx="minor"/>
-        </p:style>
-      </p:sp>
-      <p:sp>
-        <p:nvSpPr>
-          <p:cNvPr id="423" name="Conector recto 28"/>
-          <p:cNvSpPr/>
-          <p:nvPr/>
-        </p:nvSpPr>
-        <p:spPr>
-          <a:xfrm flipH="1" flipV="1">
-            <a:off x="9020160" y="1784160"/>
-            <a:ext cx="1622520" cy="1057680"/>
-          </a:xfrm>
-          <a:prstGeom prst="line">
-            <a:avLst/>
-          </a:prstGeom>
-          <a:ln w="31750" cap="rnd">
-            <a:solidFill>
-              <a:srgbClr val="0BD0D9"/>
-            </a:solidFill>
-            <a:round/>
-          </a:ln>
-        </p:spPr>
-        <p:style>
-          <a:lnRef idx="1">
-            <a:schemeClr val="accent1"/>
-          </a:lnRef>
-          <a:fillRef idx="0">
-            <a:schemeClr val="accent1"/>
-          </a:fillRef>
-          <a:effectRef idx="0">
-            <a:schemeClr val="accent1"/>
-          </a:effectRef>
-          <a:fontRef idx="minor"/>
-        </p:style>
-      </p:sp>
-      <p:sp>
-        <p:nvSpPr>
-          <p:cNvPr id="424" name="Conector recto 31"/>
-          <p:cNvSpPr/>
-          <p:nvPr/>
-        </p:nvSpPr>
-        <p:spPr>
-          <a:xfrm flipH="1">
-            <a:off x="6362640" y="1784160"/>
-            <a:ext cx="2047680" cy="752760"/>
-          </a:xfrm>
-          <a:prstGeom prst="line">
-            <a:avLst/>
-          </a:prstGeom>
-          <a:ln w="31750" cap="rnd">
-            <a:solidFill>
-              <a:srgbClr val="0BD0D9"/>
-            </a:solidFill>
-            <a:round/>
-          </a:ln>
-        </p:spPr>
-        <p:style>
-          <a:lnRef idx="1">
-            <a:schemeClr val="accent1"/>
-          </a:lnRef>
-          <a:fillRef idx="0">
-            <a:schemeClr val="accent1"/>
-          </a:fillRef>
-          <a:effectRef idx="0">
-            <a:schemeClr val="accent1"/>
-          </a:effectRef>
-          <a:fontRef idx="minor"/>
-        </p:style>
-      </p:sp>
-      <p:sp>
-        <p:nvSpPr>
-          <p:cNvPr id="425" name="Conector recto 34"/>
-          <p:cNvSpPr/>
-          <p:nvPr/>
-        </p:nvSpPr>
-        <p:spPr>
-          <a:xfrm>
-            <a:off x="6147000" y="3057480"/>
-            <a:ext cx="676440" cy="2098800"/>
-          </a:xfrm>
-          <a:prstGeom prst="line">
-            <a:avLst/>
-          </a:prstGeom>
-          <a:ln w="31750" cap="rnd">
-            <a:solidFill>
-              <a:srgbClr val="0BD0D9"/>
-            </a:solidFill>
-            <a:round/>
-          </a:ln>
-        </p:spPr>
-        <p:style>
-          <a:lnRef idx="1">
-            <a:schemeClr val="accent1"/>
-          </a:lnRef>
-          <a:fillRef idx="0">
-            <a:schemeClr val="accent1"/>
-          </a:fillRef>
-          <a:effectRef idx="0">
-            <a:schemeClr val="accent1"/>
-          </a:effectRef>
-          <a:fontRef idx="minor"/>
-        </p:style>
-      </p:sp>
-      <p:sp>
-        <p:nvSpPr>
-          <p:cNvPr id="426" name="CuadroTexto 38"/>
-          <p:cNvSpPr/>
-          <p:nvPr/>
-        </p:nvSpPr>
-        <p:spPr>
-          <a:xfrm>
-            <a:off x="800280" y="1619280"/>
-            <a:ext cx="4737240" cy="2284200"/>
-          </a:xfrm>
-          <a:prstGeom prst="rect">
-            <a:avLst/>
-          </a:prstGeom>
-          <a:noFill/>
-          <a:ln w="0">
-            <a:noFill/>
-          </a:ln>
-        </p:spPr>
-        <p:style>
-          <a:lnRef idx="0">
-            <a:scrgbClr r="0" g="0" b="0"/>
-          </a:lnRef>
-          <a:fillRef idx="0">
-            <a:scrgbClr r="0" g="0" b="0"/>
-          </a:fillRef>
-          <a:effectRef idx="0">
-            <a:scrgbClr r="0" g="0" b="0"/>
-          </a:effectRef>
-          <a:fontRef idx="minor"/>
-        </p:style>
-        <p:txBody>
-          <a:bodyPr lIns="90000" tIns="45000" rIns="90000" bIns="45000" anchor="t">
-            <a:spAutoFit/>
-          </a:bodyPr>
-          <a:lstStyle/>
-          <a:p>
-            <a:pPr>
-              <a:lnSpc>
-                <a:spcPct val="100000"/>
-              </a:lnSpc>
-              <a:buNone/>
-            </a:pPr>
             <a:r>
-              <a:rPr lang="en-US" sz="1800" b="0" strike="noStrike" spc="-1">
+              <a:rPr lang="pt-PT" sz="1800" b="0" strike="noStrike" spc="-1" dirty="0" err="1">
                 <a:solidFill>
-                  <a:srgbClr val="000000"/>
+                  <a:srgbClr val="404040"/>
                 </a:solidFill>
                 <a:latin typeface="Trebuchet MS"/>
               </a:rPr>
-              <a:t>This algorithm starts at any vertex and starts looking for the closest vertex to it. The closest vertex is determine using the angle between the two vertex. Once it finds the closest one, it marks itself as visited and repeats the same steps with the closest vertex until all the vertex are visited. </a:t>
+              <a:t>algorithm</a:t>
             </a:r>
-            <a:endParaRPr lang="en-US" sz="1800" b="0" strike="noStrike" spc="-1">
-              <a:latin typeface="Arial"/>
-            </a:endParaRPr>
-          </a:p>
-        </p:txBody>
-      </p:sp>
-      <p:sp>
-        <p:nvSpPr>
-          <p:cNvPr id="427" name="CuadroTexto 39"/>
-          <p:cNvSpPr/>
-          <p:nvPr/>
-        </p:nvSpPr>
-        <p:spPr>
-          <a:xfrm>
-            <a:off x="800280" y="3852360"/>
-            <a:ext cx="4737240" cy="1735560"/>
-          </a:xfrm>
-          <a:prstGeom prst="rect">
-            <a:avLst/>
-          </a:prstGeom>
-          <a:noFill/>
-          <a:ln w="0">
-            <a:noFill/>
-          </a:ln>
-        </p:spPr>
-        <p:style>
-          <a:lnRef idx="0">
-            <a:scrgbClr r="0" g="0" b="0"/>
-          </a:lnRef>
-          <a:fillRef idx="0">
-            <a:scrgbClr r="0" g="0" b="0"/>
-          </a:fillRef>
-          <a:effectRef idx="0">
-            <a:scrgbClr r="0" g="0" b="0"/>
-          </a:effectRef>
-          <a:fontRef idx="minor"/>
-        </p:style>
-        <p:txBody>
-          <a:bodyPr lIns="90000" tIns="45000" rIns="90000" bIns="45000" anchor="t">
-            <a:spAutoFit/>
-          </a:bodyPr>
-          <a:lstStyle/>
-          <a:p>
-            <a:pPr>
-              <a:lnSpc>
-                <a:spcPct val="100000"/>
-              </a:lnSpc>
-              <a:buNone/>
-            </a:pPr>
             <a:r>
-              <a:rPr lang="en-US" sz="1800" b="0" strike="noStrike" spc="-1">
+              <a:rPr lang="pt-PT" sz="1800" b="0" strike="noStrike" spc="-1" dirty="0">
                 <a:solidFill>
-                  <a:srgbClr val="000000"/>
+                  <a:srgbClr val="404040"/>
                 </a:solidFill>
                 <a:latin typeface="Trebuchet MS"/>
               </a:rPr>
-              <a:t>Since the algorithm has to iterate through all possible edges, the time complexity of it is O(E). It uses recursion because it calls the function to use it in the closest vertex until all vertex are visited. </a:t>
+              <a:t> </a:t>
             </a:r>
-            <a:endParaRPr lang="en-US" sz="1800" b="0" strike="noStrike" spc="-1">
-              <a:latin typeface="Arial"/>
+            <a:r>
+              <a:rPr lang="pt-PT" sz="1800" b="0" strike="noStrike" spc="-1" dirty="0" err="1">
+                <a:solidFill>
+                  <a:srgbClr val="404040"/>
+                </a:solidFill>
+                <a:latin typeface="Trebuchet MS"/>
+              </a:rPr>
+              <a:t>doesn</a:t>
+            </a:r>
+            <a:r>
+              <a:rPr lang="pt-PT" sz="1800" spc="-1" dirty="0" err="1">
+                <a:solidFill>
+                  <a:srgbClr val="404040"/>
+                </a:solidFill>
+                <a:latin typeface="Trebuchet MS"/>
+              </a:rPr>
+              <a:t>’t</a:t>
+            </a:r>
+            <a:r>
+              <a:rPr lang="pt-PT" sz="1800" spc="-1" dirty="0">
+                <a:solidFill>
+                  <a:srgbClr val="404040"/>
+                </a:solidFill>
+                <a:latin typeface="Trebuchet MS"/>
+              </a:rPr>
+              <a:t> </a:t>
+            </a:r>
+            <a:r>
+              <a:rPr lang="pt-PT" sz="1800" spc="-1" dirty="0" err="1">
+                <a:solidFill>
+                  <a:srgbClr val="404040"/>
+                </a:solidFill>
+                <a:latin typeface="Trebuchet MS"/>
+              </a:rPr>
+              <a:t>need</a:t>
+            </a:r>
+            <a:r>
+              <a:rPr lang="pt-PT" sz="1800" spc="-1" dirty="0">
+                <a:solidFill>
+                  <a:srgbClr val="404040"/>
+                </a:solidFill>
+                <a:latin typeface="Trebuchet MS"/>
+              </a:rPr>
+              <a:t> na </a:t>
+            </a:r>
+            <a:r>
+              <a:rPr lang="pt-PT" sz="1800" spc="-1" dirty="0" err="1">
+                <a:solidFill>
+                  <a:srgbClr val="404040"/>
+                </a:solidFill>
+                <a:latin typeface="Trebuchet MS"/>
+              </a:rPr>
+              <a:t>explanation</a:t>
+            </a:r>
+            <a:r>
+              <a:rPr lang="pt-PT" sz="1800" spc="-1" dirty="0">
+                <a:solidFill>
+                  <a:srgbClr val="404040"/>
+                </a:solidFill>
+                <a:latin typeface="Trebuchet MS"/>
+              </a:rPr>
+              <a:t>, </a:t>
+            </a:r>
+            <a:r>
+              <a:rPr lang="pt-PT" sz="1800" spc="-1" dirty="0" err="1">
+                <a:solidFill>
+                  <a:srgbClr val="404040"/>
+                </a:solidFill>
+                <a:latin typeface="Trebuchet MS"/>
+              </a:rPr>
+              <a:t>it</a:t>
+            </a:r>
+            <a:r>
+              <a:rPr lang="pt-PT" sz="1800" spc="-1" dirty="0">
+                <a:solidFill>
+                  <a:srgbClr val="404040"/>
+                </a:solidFill>
+                <a:latin typeface="Trebuchet MS"/>
+              </a:rPr>
+              <a:t> </a:t>
+            </a:r>
+            <a:r>
+              <a:rPr lang="pt-PT" sz="1800" spc="-1" dirty="0" err="1">
+                <a:solidFill>
+                  <a:srgbClr val="404040"/>
+                </a:solidFill>
+                <a:latin typeface="Trebuchet MS"/>
+              </a:rPr>
+              <a:t>is</a:t>
+            </a:r>
+            <a:r>
+              <a:rPr lang="pt-PT" sz="1800" spc="-1" dirty="0">
+                <a:solidFill>
+                  <a:srgbClr val="404040"/>
+                </a:solidFill>
+                <a:latin typeface="Trebuchet MS"/>
+              </a:rPr>
+              <a:t> </a:t>
+            </a:r>
+            <a:r>
+              <a:rPr lang="pt-PT" sz="1800" spc="-1" dirty="0" err="1">
+                <a:solidFill>
+                  <a:srgbClr val="404040"/>
+                </a:solidFill>
+                <a:latin typeface="Trebuchet MS"/>
+              </a:rPr>
+              <a:t>important</a:t>
+            </a:r>
+            <a:r>
+              <a:rPr lang="pt-PT" sz="1800" spc="-1" dirty="0">
+                <a:solidFill>
+                  <a:srgbClr val="404040"/>
+                </a:solidFill>
+                <a:latin typeface="Trebuchet MS"/>
+              </a:rPr>
+              <a:t> to note </a:t>
+            </a:r>
+            <a:r>
+              <a:rPr lang="pt-PT" sz="1800" spc="-1" dirty="0" err="1">
+                <a:solidFill>
+                  <a:srgbClr val="404040"/>
+                </a:solidFill>
+                <a:latin typeface="Trebuchet MS"/>
+              </a:rPr>
+              <a:t>that</a:t>
+            </a:r>
+            <a:r>
+              <a:rPr lang="pt-PT" sz="1800" spc="-1" dirty="0">
+                <a:solidFill>
+                  <a:srgbClr val="404040"/>
+                </a:solidFill>
+                <a:latin typeface="Trebuchet MS"/>
+              </a:rPr>
+              <a:t> </a:t>
+            </a:r>
+            <a:r>
+              <a:rPr lang="pt-PT" sz="1800" spc="-1" dirty="0" err="1">
+                <a:solidFill>
+                  <a:srgbClr val="404040"/>
+                </a:solidFill>
+                <a:latin typeface="Trebuchet MS"/>
+              </a:rPr>
+              <a:t>during</a:t>
+            </a:r>
+            <a:r>
+              <a:rPr lang="pt-PT" sz="1800" spc="-1" dirty="0">
+                <a:solidFill>
+                  <a:srgbClr val="404040"/>
+                </a:solidFill>
+                <a:latin typeface="Trebuchet MS"/>
+              </a:rPr>
+              <a:t> </a:t>
+            </a:r>
+            <a:r>
+              <a:rPr lang="pt-PT" sz="1800" spc="-1" dirty="0" err="1">
+                <a:solidFill>
+                  <a:srgbClr val="404040"/>
+                </a:solidFill>
+                <a:latin typeface="Trebuchet MS"/>
+              </a:rPr>
+              <a:t>it’s</a:t>
+            </a:r>
+            <a:r>
+              <a:rPr lang="pt-PT" sz="1800" spc="-1" dirty="0">
+                <a:solidFill>
+                  <a:srgbClr val="404040"/>
+                </a:solidFill>
+                <a:latin typeface="Trebuchet MS"/>
+              </a:rPr>
+              <a:t> </a:t>
+            </a:r>
+            <a:r>
+              <a:rPr lang="pt-PT" sz="1800" spc="-1" dirty="0" err="1">
+                <a:solidFill>
+                  <a:srgbClr val="404040"/>
+                </a:solidFill>
+                <a:latin typeface="Trebuchet MS"/>
+              </a:rPr>
+              <a:t>execution</a:t>
+            </a:r>
+            <a:r>
+              <a:rPr lang="pt-PT" sz="1800" spc="-1" dirty="0">
+                <a:solidFill>
+                  <a:srgbClr val="404040"/>
+                </a:solidFill>
+                <a:latin typeface="Trebuchet MS"/>
+              </a:rPr>
+              <a:t>, </a:t>
+            </a:r>
+            <a:r>
+              <a:rPr lang="pt-PT" sz="1800" spc="-1" dirty="0" err="1">
+                <a:solidFill>
+                  <a:srgbClr val="404040"/>
+                </a:solidFill>
+                <a:latin typeface="Trebuchet MS"/>
+              </a:rPr>
+              <a:t>the</a:t>
+            </a:r>
+            <a:r>
+              <a:rPr lang="pt-PT" sz="1800" spc="-1" dirty="0">
+                <a:solidFill>
+                  <a:srgbClr val="404040"/>
+                </a:solidFill>
+                <a:latin typeface="Trebuchet MS"/>
+              </a:rPr>
+              <a:t> </a:t>
+            </a:r>
+            <a:r>
+              <a:rPr lang="pt-PT" sz="1800" spc="-1" dirty="0" err="1">
+                <a:solidFill>
+                  <a:srgbClr val="404040"/>
+                </a:solidFill>
+                <a:latin typeface="Trebuchet MS"/>
+              </a:rPr>
+              <a:t>children</a:t>
+            </a:r>
+            <a:r>
+              <a:rPr lang="pt-PT" sz="1800" spc="-1" dirty="0">
+                <a:solidFill>
+                  <a:srgbClr val="404040"/>
+                </a:solidFill>
+                <a:latin typeface="Trebuchet MS"/>
+              </a:rPr>
+              <a:t> nodes </a:t>
+            </a:r>
+            <a:r>
+              <a:rPr lang="pt-PT" sz="1800" spc="-1" dirty="0" err="1">
+                <a:solidFill>
+                  <a:srgbClr val="404040"/>
+                </a:solidFill>
+                <a:latin typeface="Trebuchet MS"/>
+              </a:rPr>
+              <a:t>will</a:t>
+            </a:r>
+            <a:r>
+              <a:rPr lang="pt-PT" sz="1800" spc="-1" dirty="0">
+                <a:solidFill>
+                  <a:srgbClr val="404040"/>
+                </a:solidFill>
+                <a:latin typeface="Trebuchet MS"/>
+              </a:rPr>
+              <a:t> </a:t>
+            </a:r>
+            <a:r>
+              <a:rPr lang="pt-PT" sz="1800" spc="-1" dirty="0" err="1">
+                <a:solidFill>
+                  <a:srgbClr val="404040"/>
+                </a:solidFill>
+                <a:latin typeface="Trebuchet MS"/>
+              </a:rPr>
+              <a:t>be</a:t>
+            </a:r>
+            <a:r>
+              <a:rPr lang="pt-PT" sz="1800" spc="-1" dirty="0">
+                <a:solidFill>
+                  <a:srgbClr val="404040"/>
+                </a:solidFill>
+                <a:latin typeface="Trebuchet MS"/>
+              </a:rPr>
+              <a:t> </a:t>
+            </a:r>
+            <a:r>
+              <a:rPr lang="pt-PT" sz="1800" spc="-1" dirty="0" err="1">
+                <a:solidFill>
+                  <a:srgbClr val="404040"/>
+                </a:solidFill>
+                <a:latin typeface="Trebuchet MS"/>
+              </a:rPr>
+              <a:t>stored</a:t>
+            </a:r>
+            <a:r>
+              <a:rPr lang="pt-PT" sz="1800" spc="-1" dirty="0">
+                <a:solidFill>
+                  <a:srgbClr val="404040"/>
+                </a:solidFill>
+                <a:latin typeface="Trebuchet MS"/>
+              </a:rPr>
+              <a:t> in a </a:t>
+            </a:r>
+            <a:r>
+              <a:rPr lang="pt-PT" sz="1800" spc="-1" dirty="0" err="1">
+                <a:solidFill>
+                  <a:srgbClr val="404040"/>
+                </a:solidFill>
+                <a:latin typeface="Trebuchet MS"/>
+              </a:rPr>
+              <a:t>vector</a:t>
+            </a:r>
+            <a:r>
+              <a:rPr lang="pt-PT" sz="1800" spc="-1" dirty="0">
+                <a:solidFill>
+                  <a:srgbClr val="404040"/>
+                </a:solidFill>
+                <a:latin typeface="Trebuchet MS"/>
+              </a:rPr>
+              <a:t> “</a:t>
+            </a:r>
+            <a:r>
+              <a:rPr lang="pt-PT" sz="1800" spc="-1" dirty="0" err="1">
+                <a:solidFill>
+                  <a:srgbClr val="404040"/>
+                </a:solidFill>
+                <a:latin typeface="Trebuchet MS"/>
+              </a:rPr>
+              <a:t>children</a:t>
+            </a:r>
+            <a:r>
+              <a:rPr lang="pt-PT" sz="1800" spc="-1" dirty="0">
+                <a:solidFill>
+                  <a:srgbClr val="404040"/>
+                </a:solidFill>
+                <a:latin typeface="Trebuchet MS"/>
+              </a:rPr>
+              <a:t>” in </a:t>
+            </a:r>
+            <a:r>
+              <a:rPr lang="pt-PT" sz="1800" spc="-1" dirty="0" err="1">
+                <a:solidFill>
+                  <a:srgbClr val="404040"/>
+                </a:solidFill>
+                <a:latin typeface="Trebuchet MS"/>
+              </a:rPr>
+              <a:t>the</a:t>
+            </a:r>
+            <a:r>
+              <a:rPr lang="pt-PT" sz="1800" spc="-1" dirty="0">
+                <a:solidFill>
+                  <a:srgbClr val="404040"/>
+                </a:solidFill>
+                <a:latin typeface="Trebuchet MS"/>
+              </a:rPr>
+              <a:t> </a:t>
+            </a:r>
+            <a:r>
+              <a:rPr lang="pt-PT" sz="1800" spc="-1" dirty="0" err="1">
+                <a:solidFill>
+                  <a:srgbClr val="404040"/>
+                </a:solidFill>
+                <a:latin typeface="Trebuchet MS"/>
+              </a:rPr>
+              <a:t>parent</a:t>
+            </a:r>
+            <a:r>
+              <a:rPr lang="pt-PT" sz="1800" spc="-1" dirty="0">
+                <a:solidFill>
+                  <a:srgbClr val="404040"/>
+                </a:solidFill>
+                <a:latin typeface="Trebuchet MS"/>
+              </a:rPr>
+              <a:t> node, </a:t>
+            </a:r>
+            <a:r>
+              <a:rPr lang="pt-PT" sz="1800" spc="-1" dirty="0" err="1">
+                <a:solidFill>
+                  <a:srgbClr val="404040"/>
+                </a:solidFill>
+                <a:latin typeface="Trebuchet MS"/>
+              </a:rPr>
+              <a:t>so</a:t>
+            </a:r>
+            <a:r>
+              <a:rPr lang="pt-PT" sz="1800" spc="-1" dirty="0">
+                <a:solidFill>
+                  <a:srgbClr val="404040"/>
+                </a:solidFill>
+                <a:latin typeface="Trebuchet MS"/>
+              </a:rPr>
+              <a:t> </a:t>
+            </a:r>
+            <a:r>
+              <a:rPr lang="pt-PT" sz="1800" spc="-1" dirty="0" err="1">
+                <a:solidFill>
+                  <a:srgbClr val="404040"/>
+                </a:solidFill>
+                <a:latin typeface="Trebuchet MS"/>
+              </a:rPr>
+              <a:t>that</a:t>
+            </a:r>
+            <a:r>
+              <a:rPr lang="pt-PT" sz="1800" spc="-1" dirty="0">
+                <a:solidFill>
+                  <a:srgbClr val="404040"/>
+                </a:solidFill>
+                <a:latin typeface="Trebuchet MS"/>
+              </a:rPr>
+              <a:t> </a:t>
+            </a:r>
+            <a:r>
+              <a:rPr lang="pt-PT" sz="1800" spc="-1" dirty="0" err="1">
+                <a:solidFill>
+                  <a:srgbClr val="404040"/>
+                </a:solidFill>
+                <a:latin typeface="Trebuchet MS"/>
+              </a:rPr>
+              <a:t>we</a:t>
+            </a:r>
+            <a:r>
+              <a:rPr lang="pt-PT" sz="1800" spc="-1" dirty="0">
+                <a:solidFill>
+                  <a:srgbClr val="404040"/>
+                </a:solidFill>
+                <a:latin typeface="Trebuchet MS"/>
+              </a:rPr>
+              <a:t> can later </a:t>
+            </a:r>
+            <a:r>
+              <a:rPr lang="pt-PT" sz="1800" spc="-1" dirty="0" err="1">
+                <a:solidFill>
+                  <a:srgbClr val="404040"/>
+                </a:solidFill>
+                <a:latin typeface="Trebuchet MS"/>
+              </a:rPr>
+              <a:t>run</a:t>
+            </a:r>
+            <a:r>
+              <a:rPr lang="pt-PT" sz="1800" spc="-1" dirty="0">
+                <a:solidFill>
+                  <a:srgbClr val="404040"/>
+                </a:solidFill>
+                <a:latin typeface="Trebuchet MS"/>
+              </a:rPr>
+              <a:t> a </a:t>
+            </a:r>
+            <a:r>
+              <a:rPr lang="pt-PT" sz="1800" spc="-1" dirty="0" err="1">
+                <a:solidFill>
+                  <a:srgbClr val="404040"/>
+                </a:solidFill>
+                <a:latin typeface="Trebuchet MS"/>
+              </a:rPr>
+              <a:t>recursive</a:t>
+            </a:r>
+            <a:r>
+              <a:rPr lang="pt-PT" sz="1800" spc="-1" dirty="0">
+                <a:solidFill>
+                  <a:srgbClr val="404040"/>
+                </a:solidFill>
+                <a:latin typeface="Trebuchet MS"/>
+              </a:rPr>
+              <a:t> </a:t>
+            </a:r>
+            <a:r>
+              <a:rPr lang="pt-PT" sz="1800" spc="-1" dirty="0" err="1">
+                <a:solidFill>
+                  <a:srgbClr val="404040"/>
+                </a:solidFill>
+                <a:latin typeface="Trebuchet MS"/>
+              </a:rPr>
+              <a:t>algoritm</a:t>
+            </a:r>
+            <a:r>
+              <a:rPr lang="pt-PT" sz="1800" spc="-1" dirty="0">
+                <a:solidFill>
+                  <a:srgbClr val="404040"/>
+                </a:solidFill>
+                <a:latin typeface="Trebuchet MS"/>
+              </a:rPr>
+              <a:t> (DFS) to </a:t>
+            </a:r>
+            <a:r>
+              <a:rPr lang="pt-PT" sz="1800" spc="-1" dirty="0" err="1">
+                <a:solidFill>
+                  <a:srgbClr val="404040"/>
+                </a:solidFill>
+                <a:latin typeface="Trebuchet MS"/>
+              </a:rPr>
+              <a:t>get</a:t>
+            </a:r>
+            <a:r>
+              <a:rPr lang="pt-PT" sz="1800" spc="-1" dirty="0">
+                <a:solidFill>
+                  <a:srgbClr val="404040"/>
+                </a:solidFill>
+                <a:latin typeface="Trebuchet MS"/>
+              </a:rPr>
+              <a:t> </a:t>
+            </a:r>
+            <a:r>
+              <a:rPr lang="pt-PT" sz="1800" spc="-1" dirty="0" err="1">
+                <a:solidFill>
+                  <a:srgbClr val="404040"/>
+                </a:solidFill>
+                <a:latin typeface="Trebuchet MS"/>
+              </a:rPr>
+              <a:t>the</a:t>
+            </a:r>
+            <a:r>
+              <a:rPr lang="pt-PT" sz="1800" spc="-1" dirty="0">
+                <a:solidFill>
+                  <a:srgbClr val="404040"/>
+                </a:solidFill>
+                <a:latin typeface="Trebuchet MS"/>
+              </a:rPr>
+              <a:t> </a:t>
+            </a:r>
+            <a:r>
+              <a:rPr lang="pt-PT" sz="1800" spc="-1" dirty="0" err="1">
+                <a:solidFill>
+                  <a:srgbClr val="404040"/>
+                </a:solidFill>
+                <a:latin typeface="Trebuchet MS"/>
+              </a:rPr>
+              <a:t>pre-order</a:t>
+            </a:r>
+            <a:r>
+              <a:rPr lang="pt-PT" sz="1800" spc="-1" dirty="0">
+                <a:solidFill>
+                  <a:srgbClr val="404040"/>
+                </a:solidFill>
+                <a:latin typeface="Trebuchet MS"/>
+              </a:rPr>
+              <a:t> </a:t>
+            </a:r>
+            <a:r>
+              <a:rPr lang="pt-PT" sz="1800" spc="-1" dirty="0" err="1">
+                <a:solidFill>
+                  <a:srgbClr val="404040"/>
+                </a:solidFill>
+                <a:latin typeface="Trebuchet MS"/>
+              </a:rPr>
+              <a:t>path</a:t>
+            </a:r>
+            <a:r>
+              <a:rPr lang="pt-PT" sz="1800" spc="-1" dirty="0">
+                <a:solidFill>
+                  <a:srgbClr val="404040"/>
+                </a:solidFill>
+                <a:latin typeface="Trebuchet MS"/>
+              </a:rPr>
+              <a:t>.</a:t>
+            </a:r>
+            <a:endParaRPr lang="en-US" sz="1800" spc="-1" dirty="0">
+              <a:solidFill>
+                <a:srgbClr val="404040"/>
+              </a:solidFill>
+              <a:latin typeface="Trebuchet MS"/>
             </a:endParaRPr>
           </a:p>
+          <a:p>
+            <a:endParaRPr lang="en-US" sz="1800" b="0" strike="noStrike" spc="-1" dirty="0">
+              <a:solidFill>
+                <a:srgbClr val="404040"/>
+              </a:solidFill>
+              <a:latin typeface="Trebuchet MS"/>
+            </a:endParaRPr>
+          </a:p>
+          <a:p>
+            <a:endParaRPr lang="en-US" sz="1800" b="0" strike="noStrike" spc="-1" dirty="0">
+              <a:solidFill>
+                <a:srgbClr val="404040"/>
+              </a:solidFill>
+              <a:latin typeface="Trebuchet MS"/>
+            </a:endParaRPr>
+          </a:p>
         </p:txBody>
       </p:sp>
     </p:spTree>
+    <p:extLst>
+      <p:ext uri="{BB962C8B-B14F-4D97-AF65-F5344CB8AC3E}">
+        <p14:creationId xmlns:p14="http://schemas.microsoft.com/office/powerpoint/2010/main" val="1625297298"/>
+      </p:ext>
+    </p:extLst>
   </p:cSld>
   <p:clrMapOvr>
     <a:masterClrMapping/>
@@ -28133,7 +28062,7 @@
       </p:grpSpPr>
       <p:sp>
         <p:nvSpPr>
-          <p:cNvPr id="408" name="PlaceHolder 1"/>
+          <p:cNvPr id="410" name="PlaceHolder 1"/>
           <p:cNvSpPr>
             <a:spLocks noGrp="1"/>
           </p:cNvSpPr>
@@ -28167,15 +28096,15 @@
               <a:buNone/>
             </a:pPr>
             <a:r>
-              <a:rPr lang="en-US" sz="3600" b="0" strike="noStrike" spc="-1" dirty="0">
+              <a:rPr lang="en-US" sz="3600" b="0" strike="noStrike" spc="-1">
                 <a:solidFill>
                   <a:srgbClr val="0F6FC6"/>
                 </a:solidFill>
                 <a:latin typeface="Trebuchet MS"/>
               </a:rPr>
-              <a:t>Sweep method: Performance</a:t>
+              <a:t>New heuristic: Sweep method</a:t>
             </a:r>
-            <a:endParaRPr lang="en-US" sz="3600" b="0" strike="noStrike" spc="-1" dirty="0">
+            <a:endParaRPr lang="en-US" sz="3600" b="0" strike="noStrike" spc="-1">
               <a:solidFill>
                 <a:srgbClr val="000000"/>
               </a:solidFill>
@@ -28184,268 +28113,819 @@
           </a:p>
         </p:txBody>
       </p:sp>
-      <p:pic>
-        <p:nvPicPr>
-          <p:cNvPr id="3" name="Imagen 2">
-            <a:extLst>
-              <a:ext uri="{FF2B5EF4-FFF2-40B4-BE49-F238E27FC236}">
-                <a16:creationId xmlns:a16="http://schemas.microsoft.com/office/drawing/2014/main" id="{9962E359-89F7-CC77-0B32-054BD4CEE177}"/>
-              </a:ext>
-            </a:extLst>
-          </p:cNvPr>
-          <p:cNvPicPr>
-            <a:picLocks noChangeAspect="1"/>
-          </p:cNvPicPr>
+      <p:sp>
+        <p:nvSpPr>
+          <p:cNvPr id="411" name="Elipse 3"/>
+          <p:cNvSpPr/>
           <p:nvPr/>
-        </p:nvPicPr>
-        <p:blipFill rotWithShape="1">
-          <a:blip r:embed="rId2"/>
-          <a:srcRect l="5554" t="74579" r="76063" b="18535"/>
-          <a:stretch/>
-        </p:blipFill>
-        <p:spPr>
-          <a:xfrm>
-            <a:off x="968562" y="2059913"/>
-            <a:ext cx="3099580" cy="653142"/>
+        </p:nvSpPr>
+        <p:spPr>
+          <a:xfrm>
+            <a:off x="9944280" y="4457880"/>
+            <a:ext cx="609120" cy="609120"/>
+          </a:xfrm>
+          <a:prstGeom prst="ellipse">
+            <a:avLst/>
+          </a:prstGeom>
+          <a:solidFill>
+            <a:srgbClr val="0F6FC6"/>
+          </a:solidFill>
+          <a:ln cap="rnd">
+            <a:solidFill>
+              <a:srgbClr val="0B5292"/>
+            </a:solidFill>
+            <a:round/>
+          </a:ln>
+        </p:spPr>
+        <p:style>
+          <a:lnRef idx="2">
+            <a:schemeClr val="accent1">
+              <a:shade val="50000"/>
+            </a:schemeClr>
+          </a:lnRef>
+          <a:fillRef idx="1">
+            <a:schemeClr val="accent1"/>
+          </a:fillRef>
+          <a:effectRef idx="0">
+            <a:schemeClr val="accent1"/>
+          </a:effectRef>
+          <a:fontRef idx="minor"/>
+        </p:style>
+        <p:txBody>
+          <a:bodyPr lIns="90000" tIns="45000" rIns="90000" bIns="45000" anchor="ctr">
+            <a:noAutofit/>
+          </a:bodyPr>
+          <a:lstStyle/>
+          <a:p>
+            <a:pPr algn="ctr">
+              <a:lnSpc>
+                <a:spcPct val="100000"/>
+              </a:lnSpc>
+              <a:buNone/>
+            </a:pPr>
+            <a:r>
+              <a:rPr lang="en-US" sz="1800" b="0" strike="noStrike" spc="-1">
+                <a:solidFill>
+                  <a:srgbClr val="FFFFFF"/>
+                </a:solidFill>
+                <a:latin typeface="Trebuchet MS"/>
+              </a:rPr>
+              <a:t>5</a:t>
+            </a:r>
+            <a:endParaRPr lang="en-US" sz="1800" b="0" strike="noStrike" spc="-1">
+              <a:latin typeface="Arial"/>
+            </a:endParaRPr>
+          </a:p>
+        </p:txBody>
+      </p:sp>
+      <p:sp>
+        <p:nvSpPr>
+          <p:cNvPr id="412" name="Elipse 4"/>
+          <p:cNvSpPr/>
+          <p:nvPr/>
+        </p:nvSpPr>
+        <p:spPr>
+          <a:xfrm>
+            <a:off x="6734160" y="5067360"/>
+            <a:ext cx="609120" cy="609120"/>
+          </a:xfrm>
+          <a:prstGeom prst="ellipse">
+            <a:avLst/>
+          </a:prstGeom>
+          <a:solidFill>
+            <a:srgbClr val="0F6FC6"/>
+          </a:solidFill>
+          <a:ln cap="rnd">
+            <a:solidFill>
+              <a:srgbClr val="0B5292"/>
+            </a:solidFill>
+            <a:round/>
+          </a:ln>
+        </p:spPr>
+        <p:style>
+          <a:lnRef idx="2">
+            <a:schemeClr val="accent1">
+              <a:shade val="50000"/>
+            </a:schemeClr>
+          </a:lnRef>
+          <a:fillRef idx="1">
+            <a:schemeClr val="accent1"/>
+          </a:fillRef>
+          <a:effectRef idx="0">
+            <a:schemeClr val="accent1"/>
+          </a:effectRef>
+          <a:fontRef idx="minor"/>
+        </p:style>
+        <p:txBody>
+          <a:bodyPr lIns="90000" tIns="45000" rIns="90000" bIns="45000" anchor="ctr">
+            <a:noAutofit/>
+          </a:bodyPr>
+          <a:lstStyle/>
+          <a:p>
+            <a:pPr algn="ctr">
+              <a:lnSpc>
+                <a:spcPct val="100000"/>
+              </a:lnSpc>
+              <a:buNone/>
+            </a:pPr>
+            <a:r>
+              <a:rPr lang="en-US" sz="1800" b="0" strike="noStrike" spc="-1">
+                <a:solidFill>
+                  <a:srgbClr val="FFFFFF"/>
+                </a:solidFill>
+                <a:latin typeface="Trebuchet MS"/>
+              </a:rPr>
+              <a:t>4</a:t>
+            </a:r>
+            <a:endParaRPr lang="en-US" sz="1800" b="0" strike="noStrike" spc="-1">
+              <a:latin typeface="Arial"/>
+            </a:endParaRPr>
+          </a:p>
+        </p:txBody>
+      </p:sp>
+      <p:sp>
+        <p:nvSpPr>
+          <p:cNvPr id="413" name="Elipse 5"/>
+          <p:cNvSpPr/>
+          <p:nvPr/>
+        </p:nvSpPr>
+        <p:spPr>
+          <a:xfrm>
+            <a:off x="5842440" y="2448000"/>
+            <a:ext cx="609120" cy="609120"/>
+          </a:xfrm>
+          <a:prstGeom prst="ellipse">
+            <a:avLst/>
+          </a:prstGeom>
+          <a:solidFill>
+            <a:srgbClr val="0F6FC6"/>
+          </a:solidFill>
+          <a:ln cap="rnd">
+            <a:solidFill>
+              <a:srgbClr val="0B5292"/>
+            </a:solidFill>
+            <a:round/>
+          </a:ln>
+        </p:spPr>
+        <p:style>
+          <a:lnRef idx="2">
+            <a:schemeClr val="accent1">
+              <a:shade val="50000"/>
+            </a:schemeClr>
+          </a:lnRef>
+          <a:fillRef idx="1">
+            <a:schemeClr val="accent1"/>
+          </a:fillRef>
+          <a:effectRef idx="0">
+            <a:schemeClr val="accent1"/>
+          </a:effectRef>
+          <a:fontRef idx="minor"/>
+        </p:style>
+        <p:txBody>
+          <a:bodyPr lIns="90000" tIns="45000" rIns="90000" bIns="45000" anchor="ctr">
+            <a:noAutofit/>
+          </a:bodyPr>
+          <a:lstStyle/>
+          <a:p>
+            <a:pPr algn="ctr">
+              <a:lnSpc>
+                <a:spcPct val="100000"/>
+              </a:lnSpc>
+              <a:buNone/>
+            </a:pPr>
+            <a:r>
+              <a:rPr lang="en-US" sz="1800" b="0" strike="noStrike" spc="-1">
+                <a:solidFill>
+                  <a:srgbClr val="FFFFFF"/>
+                </a:solidFill>
+                <a:latin typeface="Trebuchet MS"/>
+              </a:rPr>
+              <a:t>3</a:t>
+            </a:r>
+            <a:endParaRPr lang="en-US" sz="1800" b="0" strike="noStrike" spc="-1">
+              <a:latin typeface="Arial"/>
+            </a:endParaRPr>
+          </a:p>
+        </p:txBody>
+      </p:sp>
+      <p:sp>
+        <p:nvSpPr>
+          <p:cNvPr id="414" name="Elipse 6"/>
+          <p:cNvSpPr/>
+          <p:nvPr/>
+        </p:nvSpPr>
+        <p:spPr>
+          <a:xfrm>
+            <a:off x="8410680" y="1479600"/>
+            <a:ext cx="609120" cy="609120"/>
+          </a:xfrm>
+          <a:prstGeom prst="ellipse">
+            <a:avLst/>
+          </a:prstGeom>
+          <a:solidFill>
+            <a:srgbClr val="0F6FC6"/>
+          </a:solidFill>
+          <a:ln cap="rnd">
+            <a:solidFill>
+              <a:srgbClr val="0B5292"/>
+            </a:solidFill>
+            <a:round/>
+          </a:ln>
+        </p:spPr>
+        <p:style>
+          <a:lnRef idx="2">
+            <a:schemeClr val="accent1">
+              <a:shade val="50000"/>
+            </a:schemeClr>
+          </a:lnRef>
+          <a:fillRef idx="1">
+            <a:schemeClr val="accent1"/>
+          </a:fillRef>
+          <a:effectRef idx="0">
+            <a:schemeClr val="accent1"/>
+          </a:effectRef>
+          <a:fontRef idx="minor"/>
+        </p:style>
+        <p:txBody>
+          <a:bodyPr lIns="90000" tIns="45000" rIns="90000" bIns="45000" anchor="ctr">
+            <a:noAutofit/>
+          </a:bodyPr>
+          <a:lstStyle/>
+          <a:p>
+            <a:pPr algn="ctr">
+              <a:lnSpc>
+                <a:spcPct val="100000"/>
+              </a:lnSpc>
+              <a:buNone/>
+            </a:pPr>
+            <a:r>
+              <a:rPr lang="en-US" sz="1800" b="0" strike="noStrike" spc="-1">
+                <a:solidFill>
+                  <a:srgbClr val="FFFFFF"/>
+                </a:solidFill>
+                <a:latin typeface="Trebuchet MS"/>
+              </a:rPr>
+              <a:t>2</a:t>
+            </a:r>
+            <a:endParaRPr lang="en-US" sz="1800" b="0" strike="noStrike" spc="-1">
+              <a:latin typeface="Arial"/>
+            </a:endParaRPr>
+          </a:p>
+        </p:txBody>
+      </p:sp>
+      <p:sp>
+        <p:nvSpPr>
+          <p:cNvPr id="415" name="Elipse 7"/>
+          <p:cNvSpPr/>
+          <p:nvPr/>
+        </p:nvSpPr>
+        <p:spPr>
+          <a:xfrm>
+            <a:off x="10553760" y="2752560"/>
+            <a:ext cx="609120" cy="609120"/>
+          </a:xfrm>
+          <a:prstGeom prst="ellipse">
+            <a:avLst/>
+          </a:prstGeom>
+          <a:solidFill>
+            <a:srgbClr val="0F6FC6"/>
+          </a:solidFill>
+          <a:ln cap="rnd">
+            <a:solidFill>
+              <a:srgbClr val="0B5292"/>
+            </a:solidFill>
+            <a:round/>
+          </a:ln>
+        </p:spPr>
+        <p:style>
+          <a:lnRef idx="2">
+            <a:schemeClr val="accent1">
+              <a:shade val="50000"/>
+            </a:schemeClr>
+          </a:lnRef>
+          <a:fillRef idx="1">
+            <a:schemeClr val="accent1"/>
+          </a:fillRef>
+          <a:effectRef idx="0">
+            <a:schemeClr val="accent1"/>
+          </a:effectRef>
+          <a:fontRef idx="minor"/>
+        </p:style>
+        <p:txBody>
+          <a:bodyPr lIns="90000" tIns="45000" rIns="90000" bIns="45000" anchor="ctr">
+            <a:noAutofit/>
+          </a:bodyPr>
+          <a:lstStyle/>
+          <a:p>
+            <a:pPr algn="ctr">
+              <a:lnSpc>
+                <a:spcPct val="100000"/>
+              </a:lnSpc>
+              <a:buNone/>
+            </a:pPr>
+            <a:r>
+              <a:rPr lang="en-US" sz="1800" b="0" strike="noStrike" spc="-1">
+                <a:solidFill>
+                  <a:srgbClr val="FFFFFF"/>
+                </a:solidFill>
+                <a:latin typeface="Trebuchet MS"/>
+              </a:rPr>
+              <a:t>1</a:t>
+            </a:r>
+            <a:endParaRPr lang="en-US" sz="1800" b="0" strike="noStrike" spc="-1">
+              <a:latin typeface="Arial"/>
+            </a:endParaRPr>
+          </a:p>
+        </p:txBody>
+      </p:sp>
+      <p:sp>
+        <p:nvSpPr>
+          <p:cNvPr id="416" name="Elipse 8"/>
+          <p:cNvSpPr/>
+          <p:nvPr/>
+        </p:nvSpPr>
+        <p:spPr>
+          <a:xfrm>
+            <a:off x="8410680" y="3257640"/>
+            <a:ext cx="609120" cy="609120"/>
+          </a:xfrm>
+          <a:prstGeom prst="ellipse">
+            <a:avLst/>
+          </a:prstGeom>
+          <a:solidFill>
+            <a:srgbClr val="0F6FC6"/>
+          </a:solidFill>
+          <a:ln cap="rnd">
+            <a:solidFill>
+              <a:srgbClr val="0B5292"/>
+            </a:solidFill>
+            <a:round/>
+          </a:ln>
+        </p:spPr>
+        <p:style>
+          <a:lnRef idx="2">
+            <a:schemeClr val="accent1">
+              <a:shade val="50000"/>
+            </a:schemeClr>
+          </a:lnRef>
+          <a:fillRef idx="1">
+            <a:schemeClr val="accent1"/>
+          </a:fillRef>
+          <a:effectRef idx="0">
+            <a:schemeClr val="accent1"/>
+          </a:effectRef>
+          <a:fontRef idx="minor"/>
+        </p:style>
+        <p:txBody>
+          <a:bodyPr lIns="90000" tIns="45000" rIns="90000" bIns="45000" anchor="ctr">
+            <a:noAutofit/>
+          </a:bodyPr>
+          <a:lstStyle/>
+          <a:p>
+            <a:pPr algn="ctr">
+              <a:lnSpc>
+                <a:spcPct val="100000"/>
+              </a:lnSpc>
+              <a:buNone/>
+            </a:pPr>
+            <a:r>
+              <a:rPr lang="en-US" sz="1800" b="0" strike="noStrike" spc="-1">
+                <a:solidFill>
+                  <a:srgbClr val="FFFFFF"/>
+                </a:solidFill>
+                <a:latin typeface="Trebuchet MS"/>
+              </a:rPr>
+              <a:t>0</a:t>
+            </a:r>
+            <a:endParaRPr lang="en-US" sz="1800" b="0" strike="noStrike" spc="-1">
+              <a:latin typeface="Arial"/>
+            </a:endParaRPr>
+          </a:p>
+        </p:txBody>
+      </p:sp>
+      <p:sp>
+        <p:nvSpPr>
+          <p:cNvPr id="417" name="Conector recto 10"/>
+          <p:cNvSpPr/>
+          <p:nvPr/>
+        </p:nvSpPr>
+        <p:spPr>
+          <a:xfrm>
+            <a:off x="8715240" y="2089080"/>
+            <a:ext cx="360" cy="1168200"/>
+          </a:xfrm>
+          <a:prstGeom prst="line">
+            <a:avLst/>
+          </a:prstGeom>
+          <a:ln w="31750" cap="rnd">
+            <a:solidFill>
+              <a:srgbClr val="0BD0D9"/>
+            </a:solidFill>
+            <a:round/>
+          </a:ln>
+        </p:spPr>
+        <p:style>
+          <a:lnRef idx="1">
+            <a:schemeClr val="accent1"/>
+          </a:lnRef>
+          <a:fillRef idx="0">
+            <a:schemeClr val="accent1"/>
+          </a:fillRef>
+          <a:effectRef idx="0">
+            <a:schemeClr val="accent1"/>
+          </a:effectRef>
+          <a:fontRef idx="minor"/>
+        </p:style>
+      </p:sp>
+      <p:sp>
+        <p:nvSpPr>
+          <p:cNvPr id="418" name="Conector recto 11"/>
+          <p:cNvSpPr/>
+          <p:nvPr/>
+        </p:nvSpPr>
+        <p:spPr>
+          <a:xfrm flipH="1">
+            <a:off x="9020160" y="3272760"/>
+            <a:ext cx="1622520" cy="289440"/>
+          </a:xfrm>
+          <a:prstGeom prst="line">
+            <a:avLst/>
+          </a:prstGeom>
+          <a:ln w="31750" cap="rnd">
+            <a:solidFill>
+              <a:srgbClr val="0BD0D9"/>
+            </a:solidFill>
+            <a:round/>
+          </a:ln>
+        </p:spPr>
+        <p:style>
+          <a:lnRef idx="1">
+            <a:schemeClr val="accent1"/>
+          </a:lnRef>
+          <a:fillRef idx="0">
+            <a:schemeClr val="accent1"/>
+          </a:fillRef>
+          <a:effectRef idx="0">
+            <a:schemeClr val="accent1"/>
+          </a:effectRef>
+          <a:fontRef idx="minor"/>
+        </p:style>
+      </p:sp>
+      <p:sp>
+        <p:nvSpPr>
+          <p:cNvPr id="419" name="Conector recto 16"/>
+          <p:cNvSpPr/>
+          <p:nvPr/>
+        </p:nvSpPr>
+        <p:spPr>
+          <a:xfrm>
+            <a:off x="6362640" y="2968200"/>
+            <a:ext cx="3581280" cy="1794240"/>
+          </a:xfrm>
+          <a:prstGeom prst="line">
+            <a:avLst/>
+          </a:prstGeom>
+          <a:ln w="31750" cap="rnd">
+            <a:solidFill>
+              <a:srgbClr val="0BD0D9"/>
+            </a:solidFill>
+            <a:round/>
+          </a:ln>
+        </p:spPr>
+        <p:style>
+          <a:lnRef idx="1">
+            <a:schemeClr val="accent1"/>
+          </a:lnRef>
+          <a:fillRef idx="0">
+            <a:schemeClr val="accent1"/>
+          </a:fillRef>
+          <a:effectRef idx="0">
+            <a:schemeClr val="accent1"/>
+          </a:effectRef>
+          <a:fontRef idx="minor"/>
+        </p:style>
+      </p:sp>
+      <p:sp>
+        <p:nvSpPr>
+          <p:cNvPr id="420" name="Conector recto 19"/>
+          <p:cNvSpPr/>
+          <p:nvPr/>
+        </p:nvSpPr>
+        <p:spPr>
+          <a:xfrm flipV="1">
+            <a:off x="7254360" y="3777840"/>
+            <a:ext cx="1245240" cy="1378440"/>
+          </a:xfrm>
+          <a:prstGeom prst="line">
+            <a:avLst/>
+          </a:prstGeom>
+          <a:ln w="31750" cap="rnd">
+            <a:solidFill>
+              <a:srgbClr val="0BD0D9"/>
+            </a:solidFill>
+            <a:round/>
+          </a:ln>
+        </p:spPr>
+        <p:style>
+          <a:lnRef idx="1">
+            <a:schemeClr val="accent1"/>
+          </a:lnRef>
+          <a:fillRef idx="0">
+            <a:schemeClr val="accent1"/>
+          </a:fillRef>
+          <a:effectRef idx="0">
+            <a:schemeClr val="accent1"/>
+          </a:effectRef>
+          <a:fontRef idx="minor"/>
+        </p:style>
+      </p:sp>
+      <p:sp>
+        <p:nvSpPr>
+          <p:cNvPr id="421" name="Conector recto 22"/>
+          <p:cNvSpPr/>
+          <p:nvPr/>
+        </p:nvSpPr>
+        <p:spPr>
+          <a:xfrm flipH="1">
+            <a:off x="7343640" y="4977720"/>
+            <a:ext cx="2689560" cy="394200"/>
+          </a:xfrm>
+          <a:prstGeom prst="line">
+            <a:avLst/>
+          </a:prstGeom>
+          <a:ln w="31750" cap="rnd">
+            <a:solidFill>
+              <a:srgbClr val="0BD0D9"/>
+            </a:solidFill>
+            <a:round/>
+          </a:ln>
+        </p:spPr>
+        <p:style>
+          <a:lnRef idx="1">
+            <a:schemeClr val="accent1"/>
+          </a:lnRef>
+          <a:fillRef idx="0">
+            <a:schemeClr val="accent1"/>
+          </a:fillRef>
+          <a:effectRef idx="0">
+            <a:schemeClr val="accent1"/>
+          </a:effectRef>
+          <a:fontRef idx="minor"/>
+        </p:style>
+      </p:sp>
+      <p:sp>
+        <p:nvSpPr>
+          <p:cNvPr id="422" name="Conector recto 25"/>
+          <p:cNvSpPr/>
+          <p:nvPr/>
+        </p:nvSpPr>
+        <p:spPr>
+          <a:xfrm flipH="1">
+            <a:off x="10464120" y="3362040"/>
+            <a:ext cx="394200" cy="1184760"/>
+          </a:xfrm>
+          <a:prstGeom prst="line">
+            <a:avLst/>
+          </a:prstGeom>
+          <a:ln w="31750" cap="rnd">
+            <a:solidFill>
+              <a:srgbClr val="0BD0D9"/>
+            </a:solidFill>
+            <a:round/>
+          </a:ln>
+        </p:spPr>
+        <p:style>
+          <a:lnRef idx="1">
+            <a:schemeClr val="accent1"/>
+          </a:lnRef>
+          <a:fillRef idx="0">
+            <a:schemeClr val="accent1"/>
+          </a:fillRef>
+          <a:effectRef idx="0">
+            <a:schemeClr val="accent1"/>
+          </a:effectRef>
+          <a:fontRef idx="minor"/>
+        </p:style>
+      </p:sp>
+      <p:sp>
+        <p:nvSpPr>
+          <p:cNvPr id="423" name="Conector recto 28"/>
+          <p:cNvSpPr/>
+          <p:nvPr/>
+        </p:nvSpPr>
+        <p:spPr>
+          <a:xfrm flipH="1" flipV="1">
+            <a:off x="9020160" y="1784160"/>
+            <a:ext cx="1622520" cy="1057680"/>
+          </a:xfrm>
+          <a:prstGeom prst="line">
+            <a:avLst/>
+          </a:prstGeom>
+          <a:ln w="31750" cap="rnd">
+            <a:solidFill>
+              <a:srgbClr val="0BD0D9"/>
+            </a:solidFill>
+            <a:round/>
+          </a:ln>
+        </p:spPr>
+        <p:style>
+          <a:lnRef idx="1">
+            <a:schemeClr val="accent1"/>
+          </a:lnRef>
+          <a:fillRef idx="0">
+            <a:schemeClr val="accent1"/>
+          </a:fillRef>
+          <a:effectRef idx="0">
+            <a:schemeClr val="accent1"/>
+          </a:effectRef>
+          <a:fontRef idx="minor"/>
+        </p:style>
+      </p:sp>
+      <p:sp>
+        <p:nvSpPr>
+          <p:cNvPr id="424" name="Conector recto 31"/>
+          <p:cNvSpPr/>
+          <p:nvPr/>
+        </p:nvSpPr>
+        <p:spPr>
+          <a:xfrm flipH="1">
+            <a:off x="6362640" y="1784160"/>
+            <a:ext cx="2047680" cy="752760"/>
+          </a:xfrm>
+          <a:prstGeom prst="line">
+            <a:avLst/>
+          </a:prstGeom>
+          <a:ln w="31750" cap="rnd">
+            <a:solidFill>
+              <a:srgbClr val="0BD0D9"/>
+            </a:solidFill>
+            <a:round/>
+          </a:ln>
+        </p:spPr>
+        <p:style>
+          <a:lnRef idx="1">
+            <a:schemeClr val="accent1"/>
+          </a:lnRef>
+          <a:fillRef idx="0">
+            <a:schemeClr val="accent1"/>
+          </a:fillRef>
+          <a:effectRef idx="0">
+            <a:schemeClr val="accent1"/>
+          </a:effectRef>
+          <a:fontRef idx="minor"/>
+        </p:style>
+      </p:sp>
+      <p:sp>
+        <p:nvSpPr>
+          <p:cNvPr id="425" name="Conector recto 34"/>
+          <p:cNvSpPr/>
+          <p:nvPr/>
+        </p:nvSpPr>
+        <p:spPr>
+          <a:xfrm>
+            <a:off x="6147000" y="3057480"/>
+            <a:ext cx="676440" cy="2098800"/>
+          </a:xfrm>
+          <a:prstGeom prst="line">
+            <a:avLst/>
+          </a:prstGeom>
+          <a:ln w="31750" cap="rnd">
+            <a:solidFill>
+              <a:srgbClr val="0BD0D9"/>
+            </a:solidFill>
+            <a:round/>
+          </a:ln>
+        </p:spPr>
+        <p:style>
+          <a:lnRef idx="1">
+            <a:schemeClr val="accent1"/>
+          </a:lnRef>
+          <a:fillRef idx="0">
+            <a:schemeClr val="accent1"/>
+          </a:fillRef>
+          <a:effectRef idx="0">
+            <a:schemeClr val="accent1"/>
+          </a:effectRef>
+          <a:fontRef idx="minor"/>
+        </p:style>
+      </p:sp>
+      <p:sp>
+        <p:nvSpPr>
+          <p:cNvPr id="426" name="CuadroTexto 38"/>
+          <p:cNvSpPr/>
+          <p:nvPr/>
+        </p:nvSpPr>
+        <p:spPr>
+          <a:xfrm>
+            <a:off x="800280" y="1619280"/>
+            <a:ext cx="4737240" cy="2284200"/>
           </a:xfrm>
           <a:prstGeom prst="rect">
             <a:avLst/>
           </a:prstGeom>
-        </p:spPr>
-      </p:pic>
-      <p:sp>
-        <p:nvSpPr>
-          <p:cNvPr id="4" name="CuadroTexto 3">
-            <a:extLst>
-              <a:ext uri="{FF2B5EF4-FFF2-40B4-BE49-F238E27FC236}">
-                <a16:creationId xmlns:a16="http://schemas.microsoft.com/office/drawing/2014/main" id="{B04D11CB-E8C4-DCC2-9A3E-A2CD05D3F354}"/>
-              </a:ext>
-            </a:extLst>
-          </p:cNvPr>
-          <p:cNvSpPr txBox="1"/>
-          <p:nvPr/>
-        </p:nvSpPr>
-        <p:spPr>
-          <a:xfrm>
-            <a:off x="968562" y="1668026"/>
-            <a:ext cx="2427781" cy="369332"/>
-          </a:xfrm>
-          <a:prstGeom prst="rect">
-            <a:avLst/>
-          </a:prstGeom>
           <a:noFill/>
-        </p:spPr>
-        <p:txBody>
-          <a:bodyPr wrap="square" rtlCol="0">
+          <a:ln w="0">
+            <a:noFill/>
+          </a:ln>
+        </p:spPr>
+        <p:style>
+          <a:lnRef idx="0">
+            <a:scrgbClr r="0" g="0" b="0"/>
+          </a:lnRef>
+          <a:fillRef idx="0">
+            <a:scrgbClr r="0" g="0" b="0"/>
+          </a:fillRef>
+          <a:effectRef idx="0">
+            <a:scrgbClr r="0" g="0" b="0"/>
+          </a:effectRef>
+          <a:fontRef idx="minor"/>
+        </p:style>
+        <p:txBody>
+          <a:bodyPr lIns="90000" tIns="45000" rIns="90000" bIns="45000" anchor="t">
             <a:spAutoFit/>
           </a:bodyPr>
           <a:lstStyle/>
           <a:p>
+            <a:pPr>
+              <a:lnSpc>
+                <a:spcPct val="100000"/>
+              </a:lnSpc>
+              <a:buNone/>
+            </a:pPr>
             <a:r>
-              <a:rPr lang="en-US" dirty="0"/>
-              <a:t>Real world graph</a:t>
+              <a:rPr lang="en-US" sz="1800" b="0" strike="noStrike" spc="-1">
+                <a:solidFill>
+                  <a:srgbClr val="000000"/>
+                </a:solidFill>
+                <a:latin typeface="Trebuchet MS"/>
+              </a:rPr>
+              <a:t>This algorithm starts at any vertex and starts looking for the closest vertex to it. The closest vertex is determine using the angle between the two vertex. Once it finds the closest one, it marks itself as visited and repeats the same steps with the closest vertex until all the vertex are visited. </a:t>
             </a:r>
-          </a:p>
-        </p:txBody>
-      </p:sp>
-      <p:pic>
-        <p:nvPicPr>
-          <p:cNvPr id="6" name="Imagen 5">
-            <a:extLst>
-              <a:ext uri="{FF2B5EF4-FFF2-40B4-BE49-F238E27FC236}">
-                <a16:creationId xmlns:a16="http://schemas.microsoft.com/office/drawing/2014/main" id="{D3EDA0BC-BD5E-2A83-C0EC-062CD9C1686E}"/>
-              </a:ext>
-            </a:extLst>
-          </p:cNvPr>
-          <p:cNvPicPr>
-            <a:picLocks noChangeAspect="1"/>
-          </p:cNvPicPr>
+            <a:endParaRPr lang="en-US" sz="1800" b="0" strike="noStrike" spc="-1">
+              <a:latin typeface="Arial"/>
+            </a:endParaRPr>
+          </a:p>
+        </p:txBody>
+      </p:sp>
+      <p:sp>
+        <p:nvSpPr>
+          <p:cNvPr id="427" name="CuadroTexto 39"/>
+          <p:cNvSpPr/>
           <p:nvPr/>
-        </p:nvPicPr>
-        <p:blipFill rotWithShape="1">
-          <a:blip r:embed="rId3"/>
-          <a:srcRect l="5554" t="74432" r="67610" b="15018"/>
-          <a:stretch/>
-        </p:blipFill>
-        <p:spPr>
-          <a:xfrm>
-            <a:off x="968562" y="3617407"/>
-            <a:ext cx="3271842" cy="723482"/>
+        </p:nvSpPr>
+        <p:spPr>
+          <a:xfrm>
+            <a:off x="800280" y="3852360"/>
+            <a:ext cx="4737240" cy="1735560"/>
           </a:xfrm>
           <a:prstGeom prst="rect">
             <a:avLst/>
           </a:prstGeom>
-        </p:spPr>
-      </p:pic>
-      <p:sp>
-        <p:nvSpPr>
-          <p:cNvPr id="7" name="CuadroTexto 6">
-            <a:extLst>
-              <a:ext uri="{FF2B5EF4-FFF2-40B4-BE49-F238E27FC236}">
-                <a16:creationId xmlns:a16="http://schemas.microsoft.com/office/drawing/2014/main" id="{0FFC3D4B-B52B-6D83-BB8B-8C8CB80D3616}"/>
-              </a:ext>
-            </a:extLst>
-          </p:cNvPr>
-          <p:cNvSpPr txBox="1"/>
-          <p:nvPr/>
-        </p:nvSpPr>
-        <p:spPr>
-          <a:xfrm>
-            <a:off x="968561" y="3240593"/>
-            <a:ext cx="2427781" cy="369332"/>
-          </a:xfrm>
-          <a:prstGeom prst="rect">
-            <a:avLst/>
-          </a:prstGeom>
           <a:noFill/>
-        </p:spPr>
-        <p:txBody>
-          <a:bodyPr wrap="square" rtlCol="0">
+          <a:ln w="0">
+            <a:noFill/>
+          </a:ln>
+        </p:spPr>
+        <p:style>
+          <a:lnRef idx="0">
+            <a:scrgbClr r="0" g="0" b="0"/>
+          </a:lnRef>
+          <a:fillRef idx="0">
+            <a:scrgbClr r="0" g="0" b="0"/>
+          </a:fillRef>
+          <a:effectRef idx="0">
+            <a:scrgbClr r="0" g="0" b="0"/>
+          </a:effectRef>
+          <a:fontRef idx="minor"/>
+        </p:style>
+        <p:txBody>
+          <a:bodyPr lIns="90000" tIns="45000" rIns="90000" bIns="45000" anchor="t">
             <a:spAutoFit/>
           </a:bodyPr>
           <a:lstStyle/>
           <a:p>
+            <a:pPr>
+              <a:lnSpc>
+                <a:spcPct val="100000"/>
+              </a:lnSpc>
+              <a:buNone/>
+            </a:pPr>
             <a:r>
-              <a:rPr lang="en-US" dirty="0"/>
-              <a:t>Shipping</a:t>
+              <a:rPr lang="en-US" sz="1800" b="0" strike="noStrike" spc="-1">
+                <a:solidFill>
+                  <a:srgbClr val="000000"/>
+                </a:solidFill>
+                <a:latin typeface="Trebuchet MS"/>
+              </a:rPr>
+              <a:t>Since the algorithm has to iterate through all possible edges, the time complexity of it is O(E). It uses recursion because it calls the function to use it in the closest vertex until all vertex are visited. </a:t>
             </a:r>
-          </a:p>
-        </p:txBody>
-      </p:sp>
-      <p:pic>
-        <p:nvPicPr>
-          <p:cNvPr id="11" name="Imagen 10">
-            <a:extLst>
-              <a:ext uri="{FF2B5EF4-FFF2-40B4-BE49-F238E27FC236}">
-                <a16:creationId xmlns:a16="http://schemas.microsoft.com/office/drawing/2014/main" id="{DA480BFE-15F0-BA14-7610-8A15858CADF6}"/>
-              </a:ext>
-            </a:extLst>
-          </p:cNvPr>
-          <p:cNvPicPr>
-            <a:picLocks noChangeAspect="1"/>
-          </p:cNvPicPr>
-          <p:nvPr/>
-        </p:nvPicPr>
-        <p:blipFill rotWithShape="1">
-          <a:blip r:embed="rId4"/>
-          <a:srcRect l="5554" t="74579" r="73215" b="15897"/>
-          <a:stretch/>
-        </p:blipFill>
-        <p:spPr>
-          <a:xfrm>
-            <a:off x="968561" y="4970801"/>
-            <a:ext cx="3556748" cy="897436"/>
-          </a:xfrm>
-          <a:prstGeom prst="rect">
-            <a:avLst/>
-          </a:prstGeom>
-        </p:spPr>
-      </p:pic>
-      <p:sp>
-        <p:nvSpPr>
-          <p:cNvPr id="12" name="CuadroTexto 11">
-            <a:extLst>
-              <a:ext uri="{FF2B5EF4-FFF2-40B4-BE49-F238E27FC236}">
-                <a16:creationId xmlns:a16="http://schemas.microsoft.com/office/drawing/2014/main" id="{35752084-5951-8281-3E31-ECC672B63F6E}"/>
-              </a:ext>
-            </a:extLst>
-          </p:cNvPr>
-          <p:cNvSpPr txBox="1"/>
-          <p:nvPr/>
-        </p:nvSpPr>
-        <p:spPr>
-          <a:xfrm>
-            <a:off x="968560" y="4628494"/>
-            <a:ext cx="2427781" cy="369332"/>
-          </a:xfrm>
-          <a:prstGeom prst="rect">
-            <a:avLst/>
-          </a:prstGeom>
-          <a:noFill/>
-        </p:spPr>
-        <p:txBody>
-          <a:bodyPr wrap="square" rtlCol="0">
-            <a:spAutoFit/>
-          </a:bodyPr>
-          <a:lstStyle/>
-          <a:p>
-            <a:r>
-              <a:rPr lang="en-US" dirty="0"/>
-              <a:t>Stadiums</a:t>
-            </a:r>
-          </a:p>
-        </p:txBody>
-      </p:sp>
-      <p:pic>
-        <p:nvPicPr>
-          <p:cNvPr id="14" name="Imagen 13">
-            <a:extLst>
-              <a:ext uri="{FF2B5EF4-FFF2-40B4-BE49-F238E27FC236}">
-                <a16:creationId xmlns:a16="http://schemas.microsoft.com/office/drawing/2014/main" id="{314C3195-1194-1E5E-5630-AFFE11FAAD4F}"/>
-              </a:ext>
-            </a:extLst>
-          </p:cNvPr>
-          <p:cNvPicPr>
-            <a:picLocks noChangeAspect="1"/>
-          </p:cNvPicPr>
-          <p:nvPr/>
-        </p:nvPicPr>
-        <p:blipFill rotWithShape="1">
-          <a:blip r:embed="rId5"/>
-          <a:srcRect l="5554" t="74048" r="81374" b="16099"/>
-          <a:stretch/>
-        </p:blipFill>
-        <p:spPr>
-          <a:xfrm>
-            <a:off x="7007622" y="3609925"/>
-            <a:ext cx="2766964" cy="1173090"/>
-          </a:xfrm>
-          <a:prstGeom prst="rect">
-            <a:avLst/>
-          </a:prstGeom>
-        </p:spPr>
-      </p:pic>
-      <p:sp>
-        <p:nvSpPr>
-          <p:cNvPr id="15" name="CuadroTexto 14">
-            <a:extLst>
-              <a:ext uri="{FF2B5EF4-FFF2-40B4-BE49-F238E27FC236}">
-                <a16:creationId xmlns:a16="http://schemas.microsoft.com/office/drawing/2014/main" id="{62F25705-AE27-A55E-D43E-B549F3E74E13}"/>
-              </a:ext>
-            </a:extLst>
-          </p:cNvPr>
-          <p:cNvSpPr txBox="1"/>
-          <p:nvPr/>
-        </p:nvSpPr>
-        <p:spPr>
-          <a:xfrm>
-            <a:off x="7007622" y="3240593"/>
-            <a:ext cx="2427781" cy="369332"/>
-          </a:xfrm>
-          <a:prstGeom prst="rect">
-            <a:avLst/>
-          </a:prstGeom>
-          <a:noFill/>
-        </p:spPr>
-        <p:txBody>
-          <a:bodyPr wrap="square" rtlCol="0">
-            <a:spAutoFit/>
-          </a:bodyPr>
-          <a:lstStyle/>
-          <a:p>
-            <a:r>
-              <a:rPr lang="en-US" dirty="0"/>
-              <a:t>Tourism</a:t>
-            </a:r>
+            <a:endParaRPr lang="en-US" sz="1800" b="0" strike="noStrike" spc="-1">
+              <a:latin typeface="Arial"/>
+            </a:endParaRPr>
           </a:p>
         </p:txBody>
       </p:sp>
     </p:spTree>
-    <p:extLst>
-      <p:ext uri="{BB962C8B-B14F-4D97-AF65-F5344CB8AC3E}">
-        <p14:creationId xmlns:p14="http://schemas.microsoft.com/office/powerpoint/2010/main" val="634917434"/>
-      </p:ext>
-    </p:extLst>
   </p:cSld>
   <p:clrMapOvr>
     <a:masterClrMapping/>
@@ -28472,753 +28952,18 @@
       </p:grpSpPr>
       <p:sp>
         <p:nvSpPr>
-          <p:cNvPr id="428" name="Elipse 3"/>
-          <p:cNvSpPr/>
-          <p:nvPr/>
-        </p:nvSpPr>
-        <p:spPr>
-          <a:xfrm>
-            <a:off x="6210360" y="3822840"/>
-            <a:ext cx="609120" cy="609120"/>
-          </a:xfrm>
-          <a:prstGeom prst="ellipse">
-            <a:avLst/>
-          </a:prstGeom>
-          <a:solidFill>
-            <a:srgbClr val="0F6FC6"/>
-          </a:solidFill>
-          <a:ln cap="rnd">
-            <a:solidFill>
-              <a:srgbClr val="0B5292"/>
-            </a:solidFill>
-            <a:round/>
-          </a:ln>
-        </p:spPr>
-        <p:style>
-          <a:lnRef idx="2">
-            <a:schemeClr val="accent1">
-              <a:shade val="50000"/>
-            </a:schemeClr>
-          </a:lnRef>
-          <a:fillRef idx="1">
-            <a:schemeClr val="accent1"/>
-          </a:fillRef>
-          <a:effectRef idx="0">
-            <a:schemeClr val="accent1"/>
-          </a:effectRef>
-          <a:fontRef idx="minor"/>
-        </p:style>
-        <p:txBody>
-          <a:bodyPr lIns="90000" tIns="45000" rIns="90000" bIns="45000" anchor="ctr">
-            <a:noAutofit/>
-          </a:bodyPr>
-          <a:lstStyle/>
-          <a:p>
-            <a:pPr algn="ctr">
-              <a:lnSpc>
-                <a:spcPct val="100000"/>
-              </a:lnSpc>
-              <a:buNone/>
-            </a:pPr>
-            <a:r>
-              <a:rPr lang="en-US" sz="1800" b="0" strike="noStrike" spc="-1">
-                <a:solidFill>
-                  <a:srgbClr val="FFFFFF"/>
-                </a:solidFill>
-                <a:latin typeface="Trebuchet MS"/>
-              </a:rPr>
-              <a:t>5</a:t>
-            </a:r>
-            <a:endParaRPr lang="en-US" sz="1800" b="0" strike="noStrike" spc="-1">
-              <a:latin typeface="Arial"/>
-            </a:endParaRPr>
-          </a:p>
-        </p:txBody>
-      </p:sp>
-      <p:sp>
-        <p:nvSpPr>
-          <p:cNvPr id="429" name="Elipse 4"/>
-          <p:cNvSpPr/>
-          <p:nvPr/>
-        </p:nvSpPr>
-        <p:spPr>
-          <a:xfrm>
-            <a:off x="3000240" y="4432320"/>
-            <a:ext cx="609120" cy="609120"/>
-          </a:xfrm>
-          <a:prstGeom prst="ellipse">
-            <a:avLst/>
-          </a:prstGeom>
-          <a:solidFill>
-            <a:srgbClr val="0F6FC6"/>
-          </a:solidFill>
-          <a:ln cap="rnd">
-            <a:solidFill>
-              <a:srgbClr val="0B5292"/>
-            </a:solidFill>
-            <a:round/>
-          </a:ln>
-        </p:spPr>
-        <p:style>
-          <a:lnRef idx="2">
-            <a:schemeClr val="accent1">
-              <a:shade val="50000"/>
-            </a:schemeClr>
-          </a:lnRef>
-          <a:fillRef idx="1">
-            <a:schemeClr val="accent1"/>
-          </a:fillRef>
-          <a:effectRef idx="0">
-            <a:schemeClr val="accent1"/>
-          </a:effectRef>
-          <a:fontRef idx="minor"/>
-        </p:style>
-        <p:txBody>
-          <a:bodyPr lIns="90000" tIns="45000" rIns="90000" bIns="45000" anchor="ctr">
-            <a:noAutofit/>
-          </a:bodyPr>
-          <a:lstStyle/>
-          <a:p>
-            <a:pPr algn="ctr">
-              <a:lnSpc>
-                <a:spcPct val="100000"/>
-              </a:lnSpc>
-              <a:buNone/>
-            </a:pPr>
-            <a:r>
-              <a:rPr lang="en-US" sz="1800" b="0" strike="noStrike" spc="-1">
-                <a:solidFill>
-                  <a:srgbClr val="FFFFFF"/>
-                </a:solidFill>
-                <a:latin typeface="Trebuchet MS"/>
-              </a:rPr>
-              <a:t>4</a:t>
-            </a:r>
-            <a:endParaRPr lang="en-US" sz="1800" b="0" strike="noStrike" spc="-1">
-              <a:latin typeface="Arial"/>
-            </a:endParaRPr>
-          </a:p>
-        </p:txBody>
-      </p:sp>
-      <p:sp>
-        <p:nvSpPr>
-          <p:cNvPr id="430" name="Elipse 5"/>
-          <p:cNvSpPr/>
-          <p:nvPr/>
-        </p:nvSpPr>
-        <p:spPr>
-          <a:xfrm>
-            <a:off x="2108520" y="1812960"/>
-            <a:ext cx="609120" cy="609120"/>
-          </a:xfrm>
-          <a:prstGeom prst="ellipse">
-            <a:avLst/>
-          </a:prstGeom>
-          <a:solidFill>
-            <a:srgbClr val="0F6FC6"/>
-          </a:solidFill>
-          <a:ln cap="rnd">
-            <a:solidFill>
-              <a:srgbClr val="0B5292"/>
-            </a:solidFill>
-            <a:round/>
-          </a:ln>
-        </p:spPr>
-        <p:style>
-          <a:lnRef idx="2">
-            <a:schemeClr val="accent1">
-              <a:shade val="50000"/>
-            </a:schemeClr>
-          </a:lnRef>
-          <a:fillRef idx="1">
-            <a:schemeClr val="accent1"/>
-          </a:fillRef>
-          <a:effectRef idx="0">
-            <a:schemeClr val="accent1"/>
-          </a:effectRef>
-          <a:fontRef idx="minor"/>
-        </p:style>
-        <p:txBody>
-          <a:bodyPr lIns="90000" tIns="45000" rIns="90000" bIns="45000" anchor="ctr">
-            <a:noAutofit/>
-          </a:bodyPr>
-          <a:lstStyle/>
-          <a:p>
-            <a:pPr algn="ctr">
-              <a:lnSpc>
-                <a:spcPct val="100000"/>
-              </a:lnSpc>
-              <a:buNone/>
-            </a:pPr>
-            <a:r>
-              <a:rPr lang="en-US" sz="1800" b="0" strike="noStrike" spc="-1">
-                <a:solidFill>
-                  <a:srgbClr val="FFFFFF"/>
-                </a:solidFill>
-                <a:latin typeface="Trebuchet MS"/>
-              </a:rPr>
-              <a:t>3</a:t>
-            </a:r>
-            <a:endParaRPr lang="en-US" sz="1800" b="0" strike="noStrike" spc="-1">
-              <a:latin typeface="Arial"/>
-            </a:endParaRPr>
-          </a:p>
-        </p:txBody>
-      </p:sp>
-      <p:sp>
-        <p:nvSpPr>
-          <p:cNvPr id="431" name="Elipse 6"/>
-          <p:cNvSpPr/>
-          <p:nvPr/>
-        </p:nvSpPr>
-        <p:spPr>
-          <a:xfrm>
-            <a:off x="4676760" y="844560"/>
-            <a:ext cx="609120" cy="609120"/>
-          </a:xfrm>
-          <a:prstGeom prst="ellipse">
-            <a:avLst/>
-          </a:prstGeom>
-          <a:solidFill>
-            <a:srgbClr val="0F6FC6"/>
-          </a:solidFill>
-          <a:ln cap="rnd">
-            <a:solidFill>
-              <a:srgbClr val="0B5292"/>
-            </a:solidFill>
-            <a:round/>
-          </a:ln>
-        </p:spPr>
-        <p:style>
-          <a:lnRef idx="2">
-            <a:schemeClr val="accent1">
-              <a:shade val="50000"/>
-            </a:schemeClr>
-          </a:lnRef>
-          <a:fillRef idx="1">
-            <a:schemeClr val="accent1"/>
-          </a:fillRef>
-          <a:effectRef idx="0">
-            <a:schemeClr val="accent1"/>
-          </a:effectRef>
-          <a:fontRef idx="minor"/>
-        </p:style>
-        <p:txBody>
-          <a:bodyPr lIns="90000" tIns="45000" rIns="90000" bIns="45000" anchor="ctr">
-            <a:noAutofit/>
-          </a:bodyPr>
-          <a:lstStyle/>
-          <a:p>
-            <a:pPr algn="ctr">
-              <a:lnSpc>
-                <a:spcPct val="100000"/>
-              </a:lnSpc>
-              <a:buNone/>
-            </a:pPr>
-            <a:r>
-              <a:rPr lang="en-US" sz="1800" b="0" strike="noStrike" spc="-1">
-                <a:solidFill>
-                  <a:srgbClr val="FFFFFF"/>
-                </a:solidFill>
-                <a:latin typeface="Trebuchet MS"/>
-              </a:rPr>
-              <a:t>2</a:t>
-            </a:r>
-            <a:endParaRPr lang="en-US" sz="1800" b="0" strike="noStrike" spc="-1">
-              <a:latin typeface="Arial"/>
-            </a:endParaRPr>
-          </a:p>
-        </p:txBody>
-      </p:sp>
-      <p:sp>
-        <p:nvSpPr>
-          <p:cNvPr id="432" name="Elipse 7"/>
-          <p:cNvSpPr/>
-          <p:nvPr/>
-        </p:nvSpPr>
-        <p:spPr>
-          <a:xfrm>
-            <a:off x="6819840" y="2117880"/>
-            <a:ext cx="609120" cy="609120"/>
-          </a:xfrm>
-          <a:prstGeom prst="ellipse">
-            <a:avLst/>
-          </a:prstGeom>
-          <a:solidFill>
-            <a:srgbClr val="0F6FC6"/>
-          </a:solidFill>
-          <a:ln cap="rnd">
-            <a:solidFill>
-              <a:srgbClr val="0B5292"/>
-            </a:solidFill>
-            <a:round/>
-          </a:ln>
-        </p:spPr>
-        <p:style>
-          <a:lnRef idx="2">
-            <a:schemeClr val="accent1">
-              <a:shade val="50000"/>
-            </a:schemeClr>
-          </a:lnRef>
-          <a:fillRef idx="1">
-            <a:schemeClr val="accent1"/>
-          </a:fillRef>
-          <a:effectRef idx="0">
-            <a:schemeClr val="accent1"/>
-          </a:effectRef>
-          <a:fontRef idx="minor"/>
-        </p:style>
-        <p:txBody>
-          <a:bodyPr lIns="90000" tIns="45000" rIns="90000" bIns="45000" anchor="ctr">
-            <a:noAutofit/>
-          </a:bodyPr>
-          <a:lstStyle/>
-          <a:p>
-            <a:pPr algn="ctr">
-              <a:lnSpc>
-                <a:spcPct val="100000"/>
-              </a:lnSpc>
-              <a:buNone/>
-            </a:pPr>
-            <a:r>
-              <a:rPr lang="en-US" sz="1800" b="0" strike="noStrike" spc="-1">
-                <a:solidFill>
-                  <a:srgbClr val="FFFFFF"/>
-                </a:solidFill>
-                <a:latin typeface="Trebuchet MS"/>
-              </a:rPr>
-              <a:t>1</a:t>
-            </a:r>
-            <a:endParaRPr lang="en-US" sz="1800" b="0" strike="noStrike" spc="-1">
-              <a:latin typeface="Arial"/>
-            </a:endParaRPr>
-          </a:p>
-        </p:txBody>
-      </p:sp>
-      <p:sp>
-        <p:nvSpPr>
-          <p:cNvPr id="433" name="Elipse 8"/>
-          <p:cNvSpPr/>
-          <p:nvPr/>
-        </p:nvSpPr>
-        <p:spPr>
-          <a:xfrm>
-            <a:off x="4676760" y="2622600"/>
-            <a:ext cx="609120" cy="609120"/>
-          </a:xfrm>
-          <a:prstGeom prst="ellipse">
-            <a:avLst/>
-          </a:prstGeom>
-          <a:solidFill>
-            <a:srgbClr val="0F6FC6"/>
-          </a:solidFill>
-          <a:ln cap="rnd">
-            <a:solidFill>
-              <a:srgbClr val="0B5292"/>
-            </a:solidFill>
-            <a:round/>
-          </a:ln>
-        </p:spPr>
-        <p:style>
-          <a:lnRef idx="2">
-            <a:schemeClr val="accent1">
-              <a:shade val="50000"/>
-            </a:schemeClr>
-          </a:lnRef>
-          <a:fillRef idx="1">
-            <a:schemeClr val="accent1"/>
-          </a:fillRef>
-          <a:effectRef idx="0">
-            <a:schemeClr val="accent1"/>
-          </a:effectRef>
-          <a:fontRef idx="minor"/>
-        </p:style>
-        <p:txBody>
-          <a:bodyPr lIns="90000" tIns="45000" rIns="90000" bIns="45000" anchor="ctr">
-            <a:noAutofit/>
-          </a:bodyPr>
-          <a:lstStyle/>
-          <a:p>
-            <a:pPr algn="ctr">
-              <a:lnSpc>
-                <a:spcPct val="100000"/>
-              </a:lnSpc>
-              <a:buNone/>
-            </a:pPr>
-            <a:r>
-              <a:rPr lang="en-US" sz="1800" b="0" strike="noStrike" spc="-1">
-                <a:solidFill>
-                  <a:srgbClr val="FFFFFF"/>
-                </a:solidFill>
-                <a:latin typeface="Trebuchet MS"/>
-              </a:rPr>
-              <a:t>0</a:t>
-            </a:r>
-            <a:endParaRPr lang="en-US" sz="1800" b="0" strike="noStrike" spc="-1">
-              <a:latin typeface="Arial"/>
-            </a:endParaRPr>
-          </a:p>
-        </p:txBody>
-      </p:sp>
-      <p:sp>
-        <p:nvSpPr>
-          <p:cNvPr id="434" name="Conector recto 9"/>
-          <p:cNvSpPr/>
-          <p:nvPr/>
-        </p:nvSpPr>
-        <p:spPr>
-          <a:xfrm>
-            <a:off x="4981320" y="1454040"/>
-            <a:ext cx="360" cy="1168200"/>
-          </a:xfrm>
-          <a:prstGeom prst="line">
-            <a:avLst/>
-          </a:prstGeom>
-          <a:ln w="31750" cap="rnd">
-            <a:solidFill>
-              <a:srgbClr val="0BD0D9"/>
-            </a:solidFill>
-            <a:round/>
-          </a:ln>
-        </p:spPr>
-        <p:style>
-          <a:lnRef idx="1">
-            <a:schemeClr val="accent1"/>
-          </a:lnRef>
-          <a:fillRef idx="0">
-            <a:schemeClr val="accent1"/>
-          </a:fillRef>
-          <a:effectRef idx="0">
-            <a:schemeClr val="accent1"/>
-          </a:effectRef>
-          <a:fontRef idx="minor"/>
-        </p:style>
-      </p:sp>
-      <p:sp>
-        <p:nvSpPr>
-          <p:cNvPr id="435" name="Conector recto 10"/>
-          <p:cNvSpPr/>
-          <p:nvPr/>
-        </p:nvSpPr>
-        <p:spPr>
-          <a:xfrm flipH="1">
-            <a:off x="5286240" y="2637720"/>
-            <a:ext cx="1622880" cy="289440"/>
-          </a:xfrm>
-          <a:prstGeom prst="line">
-            <a:avLst/>
-          </a:prstGeom>
-          <a:ln w="31750" cap="rnd">
-            <a:solidFill>
-              <a:srgbClr val="0BD0D9"/>
-            </a:solidFill>
-            <a:round/>
-          </a:ln>
-        </p:spPr>
-        <p:style>
-          <a:lnRef idx="1">
-            <a:schemeClr val="accent1"/>
-          </a:lnRef>
-          <a:fillRef idx="0">
-            <a:schemeClr val="accent1"/>
-          </a:fillRef>
-          <a:effectRef idx="0">
-            <a:schemeClr val="accent1"/>
-          </a:effectRef>
-          <a:fontRef idx="minor"/>
-        </p:style>
-      </p:sp>
-      <p:sp>
-        <p:nvSpPr>
-          <p:cNvPr id="436" name="Conector recto 11"/>
-          <p:cNvSpPr/>
-          <p:nvPr/>
-        </p:nvSpPr>
-        <p:spPr>
-          <a:xfrm>
-            <a:off x="2628720" y="2333160"/>
-            <a:ext cx="3581280" cy="1794240"/>
-          </a:xfrm>
-          <a:prstGeom prst="line">
-            <a:avLst/>
-          </a:prstGeom>
-          <a:ln w="31750" cap="rnd">
-            <a:solidFill>
-              <a:srgbClr val="0BD0D9"/>
-            </a:solidFill>
-            <a:round/>
-          </a:ln>
-        </p:spPr>
-        <p:style>
-          <a:lnRef idx="1">
-            <a:schemeClr val="accent1"/>
-          </a:lnRef>
-          <a:fillRef idx="0">
-            <a:schemeClr val="accent1"/>
-          </a:fillRef>
-          <a:effectRef idx="0">
-            <a:schemeClr val="accent1"/>
-          </a:effectRef>
-          <a:fontRef idx="minor"/>
-        </p:style>
-      </p:sp>
-      <p:sp>
-        <p:nvSpPr>
-          <p:cNvPr id="437" name="Conector recto 12"/>
-          <p:cNvSpPr/>
-          <p:nvPr/>
-        </p:nvSpPr>
-        <p:spPr>
-          <a:xfrm flipV="1">
-            <a:off x="3520440" y="3142800"/>
-            <a:ext cx="1245600" cy="1378440"/>
-          </a:xfrm>
-          <a:prstGeom prst="line">
-            <a:avLst/>
-          </a:prstGeom>
-          <a:ln w="31750" cap="rnd">
-            <a:solidFill>
-              <a:srgbClr val="0BD0D9"/>
-            </a:solidFill>
-            <a:round/>
-          </a:ln>
-        </p:spPr>
-        <p:style>
-          <a:lnRef idx="1">
-            <a:schemeClr val="accent1"/>
-          </a:lnRef>
-          <a:fillRef idx="0">
-            <a:schemeClr val="accent1"/>
-          </a:fillRef>
-          <a:effectRef idx="0">
-            <a:schemeClr val="accent1"/>
-          </a:effectRef>
-          <a:fontRef idx="minor"/>
-        </p:style>
-      </p:sp>
-      <p:sp>
-        <p:nvSpPr>
-          <p:cNvPr id="438" name="Conector recto 13"/>
-          <p:cNvSpPr/>
-          <p:nvPr/>
-        </p:nvSpPr>
-        <p:spPr>
-          <a:xfrm flipH="1">
-            <a:off x="3609720" y="4342680"/>
-            <a:ext cx="2689560" cy="394200"/>
-          </a:xfrm>
-          <a:prstGeom prst="line">
-            <a:avLst/>
-          </a:prstGeom>
-          <a:ln w="31750" cap="rnd">
-            <a:solidFill>
-              <a:srgbClr val="0BD0D9"/>
-            </a:solidFill>
-            <a:round/>
-          </a:ln>
-        </p:spPr>
-        <p:style>
-          <a:lnRef idx="1">
-            <a:schemeClr val="accent1"/>
-          </a:lnRef>
-          <a:fillRef idx="0">
-            <a:schemeClr val="accent1"/>
-          </a:fillRef>
-          <a:effectRef idx="0">
-            <a:schemeClr val="accent1"/>
-          </a:effectRef>
-          <a:fontRef idx="minor"/>
-        </p:style>
-      </p:sp>
-      <p:sp>
-        <p:nvSpPr>
-          <p:cNvPr id="439" name="Conector recto 14"/>
-          <p:cNvSpPr/>
-          <p:nvPr/>
-        </p:nvSpPr>
-        <p:spPr>
-          <a:xfrm flipH="1">
-            <a:off x="6730560" y="2727000"/>
-            <a:ext cx="393840" cy="1184760"/>
-          </a:xfrm>
-          <a:prstGeom prst="line">
-            <a:avLst/>
-          </a:prstGeom>
-          <a:ln w="31750" cap="rnd">
-            <a:solidFill>
-              <a:srgbClr val="0BD0D9"/>
-            </a:solidFill>
-            <a:round/>
-          </a:ln>
-        </p:spPr>
-        <p:style>
-          <a:lnRef idx="1">
-            <a:schemeClr val="accent1"/>
-          </a:lnRef>
-          <a:fillRef idx="0">
-            <a:schemeClr val="accent1"/>
-          </a:fillRef>
-          <a:effectRef idx="0">
-            <a:schemeClr val="accent1"/>
-          </a:effectRef>
-          <a:fontRef idx="minor"/>
-        </p:style>
-      </p:sp>
-      <p:sp>
-        <p:nvSpPr>
-          <p:cNvPr id="440" name="Conector recto 15"/>
-          <p:cNvSpPr/>
-          <p:nvPr/>
-        </p:nvSpPr>
-        <p:spPr>
-          <a:xfrm flipH="1" flipV="1">
-            <a:off x="5286240" y="1149120"/>
-            <a:ext cx="1622880" cy="1057680"/>
-          </a:xfrm>
-          <a:prstGeom prst="line">
-            <a:avLst/>
-          </a:prstGeom>
-          <a:ln w="31750" cap="rnd">
-            <a:solidFill>
-              <a:srgbClr val="0BD0D9"/>
-            </a:solidFill>
-            <a:round/>
-          </a:ln>
-        </p:spPr>
-        <p:style>
-          <a:lnRef idx="1">
-            <a:schemeClr val="accent1"/>
-          </a:lnRef>
-          <a:fillRef idx="0">
-            <a:schemeClr val="accent1"/>
-          </a:fillRef>
-          <a:effectRef idx="0">
-            <a:schemeClr val="accent1"/>
-          </a:effectRef>
-          <a:fontRef idx="minor"/>
-        </p:style>
-      </p:sp>
-      <p:sp>
-        <p:nvSpPr>
-          <p:cNvPr id="441" name="Conector recto 16"/>
-          <p:cNvSpPr/>
-          <p:nvPr/>
-        </p:nvSpPr>
-        <p:spPr>
-          <a:xfrm flipH="1">
-            <a:off x="2628720" y="1149120"/>
-            <a:ext cx="2048040" cy="752760"/>
-          </a:xfrm>
-          <a:prstGeom prst="line">
-            <a:avLst/>
-          </a:prstGeom>
-          <a:ln w="31750" cap="rnd">
-            <a:solidFill>
-              <a:srgbClr val="0BD0D9"/>
-            </a:solidFill>
-            <a:round/>
-          </a:ln>
-        </p:spPr>
-        <p:style>
-          <a:lnRef idx="1">
-            <a:schemeClr val="accent1"/>
-          </a:lnRef>
-          <a:fillRef idx="0">
-            <a:schemeClr val="accent1"/>
-          </a:fillRef>
-          <a:effectRef idx="0">
-            <a:schemeClr val="accent1"/>
-          </a:effectRef>
-          <a:fontRef idx="minor"/>
-        </p:style>
-      </p:sp>
-      <p:sp>
-        <p:nvSpPr>
-          <p:cNvPr id="442" name="Conector recto 17"/>
-          <p:cNvSpPr/>
-          <p:nvPr/>
-        </p:nvSpPr>
-        <p:spPr>
-          <a:xfrm>
-            <a:off x="2413440" y="2422440"/>
-            <a:ext cx="676080" cy="2098800"/>
-          </a:xfrm>
-          <a:prstGeom prst="line">
-            <a:avLst/>
-          </a:prstGeom>
-          <a:ln w="31750" cap="rnd">
-            <a:solidFill>
-              <a:srgbClr val="0BD0D9"/>
-            </a:solidFill>
-            <a:round/>
-          </a:ln>
-        </p:spPr>
-        <p:style>
-          <a:lnRef idx="1">
-            <a:schemeClr val="accent1"/>
-          </a:lnRef>
-          <a:fillRef idx="0">
-            <a:schemeClr val="accent1"/>
-          </a:fillRef>
-          <a:effectRef idx="0">
-            <a:schemeClr val="accent1"/>
-          </a:effectRef>
-          <a:fontRef idx="minor"/>
-        </p:style>
-      </p:sp>
-      <p:sp>
-        <p:nvSpPr>
-          <p:cNvPr id="443" name="Flecha: a la izquierda y arriba 23"/>
-          <p:cNvSpPr/>
-          <p:nvPr/>
-        </p:nvSpPr>
-        <p:spPr>
-          <a:xfrm flipH="1">
-            <a:off x="2381400" y="771840"/>
-            <a:ext cx="1761840" cy="1418400"/>
-          </a:xfrm>
-          <a:prstGeom prst="leftUpArrow">
-            <a:avLst>
-              <a:gd name="adj1" fmla="val 32"/>
-              <a:gd name="adj2" fmla="val 2680"/>
-              <a:gd name="adj3" fmla="val 11759"/>
-            </a:avLst>
-          </a:prstGeom>
-          <a:solidFill>
-            <a:schemeClr val="accent4"/>
-          </a:solidFill>
-          <a:ln cap="rnd">
-            <a:solidFill>
-              <a:srgbClr val="10CF9B"/>
-            </a:solidFill>
-            <a:round/>
-          </a:ln>
-        </p:spPr>
-        <p:style>
-          <a:lnRef idx="2">
-            <a:schemeClr val="accent1">
-              <a:shade val="50000"/>
-            </a:schemeClr>
-          </a:lnRef>
-          <a:fillRef idx="1">
-            <a:schemeClr val="accent1"/>
-          </a:fillRef>
-          <a:effectRef idx="0">
-            <a:schemeClr val="accent1"/>
-          </a:effectRef>
-          <a:fontRef idx="minor"/>
-        </p:style>
-      </p:sp>
-      <p:sp>
-        <p:nvSpPr>
-          <p:cNvPr id="444" name="CuadroTexto 24"/>
-          <p:cNvSpPr/>
-          <p:nvPr/>
-        </p:nvSpPr>
-        <p:spPr>
-          <a:xfrm>
-            <a:off x="571680" y="5686560"/>
-            <a:ext cx="4819320" cy="363960"/>
+          <p:cNvPr id="408" name="PlaceHolder 1"/>
+          <p:cNvSpPr>
+            <a:spLocks noGrp="1"/>
+          </p:cNvSpPr>
+          <p:nvPr>
+            <p:ph type="title"/>
+          </p:nvPr>
+        </p:nvSpPr>
+        <p:spPr>
+          <a:xfrm>
+            <a:off x="677160" y="609480"/>
+            <a:ext cx="8596440" cy="1320480"/>
           </a:xfrm>
           <a:prstGeom prst="rect">
             <a:avLst/>
@@ -29228,21 +28973,9 @@
             <a:noFill/>
           </a:ln>
         </p:spPr>
-        <p:style>
-          <a:lnRef idx="0">
-            <a:scrgbClr r="0" g="0" b="0"/>
-          </a:lnRef>
-          <a:fillRef idx="0">
-            <a:scrgbClr r="0" g="0" b="0"/>
-          </a:fillRef>
-          <a:effectRef idx="0">
-            <a:scrgbClr r="0" g="0" b="0"/>
-          </a:effectRef>
-          <a:fontRef idx="minor"/>
-        </p:style>
-        <p:txBody>
-          <a:bodyPr lIns="90000" tIns="45000" rIns="90000" bIns="45000" anchor="t">
-            <a:spAutoFit/>
+        <p:txBody>
+          <a:bodyPr anchor="t">
+            <a:noAutofit/>
           </a:bodyPr>
           <a:lstStyle/>
           <a:p>
@@ -29253,172 +28986,285 @@
               <a:buNone/>
             </a:pPr>
             <a:r>
-              <a:rPr lang="en-US" sz="1800" b="0" strike="noStrike" spc="-1">
+              <a:rPr lang="en-US" sz="3600" b="0" strike="noStrike" spc="-1" dirty="0">
                 <a:solidFill>
-                  <a:srgbClr val="000000"/>
+                  <a:srgbClr val="0F6FC6"/>
                 </a:solidFill>
                 <a:latin typeface="Trebuchet MS"/>
               </a:rPr>
-              <a:t>Actual Path: </a:t>
+              <a:t>Sweep method: Performance</a:t>
             </a:r>
-            <a:endParaRPr lang="en-US" sz="1800" b="0" strike="noStrike" spc="-1">
-              <a:latin typeface="Arial"/>
+            <a:endParaRPr lang="en-US" sz="3600" b="0" strike="noStrike" spc="-1" dirty="0">
+              <a:solidFill>
+                <a:srgbClr val="000000"/>
+              </a:solidFill>
+              <a:latin typeface="Trebuchet MS"/>
             </a:endParaRPr>
           </a:p>
         </p:txBody>
       </p:sp>
-      <p:sp>
-        <p:nvSpPr>
-          <p:cNvPr id="445" name="Conector recto de flecha 28"/>
-          <p:cNvSpPr/>
+      <p:pic>
+        <p:nvPicPr>
+          <p:cNvPr id="3" name="Imagen 2">
+            <a:extLst>
+              <a:ext uri="{FF2B5EF4-FFF2-40B4-BE49-F238E27FC236}">
+                <a16:creationId xmlns:a16="http://schemas.microsoft.com/office/drawing/2014/main" id="{9962E359-89F7-CC77-0B32-054BD4CEE177}"/>
+              </a:ext>
+            </a:extLst>
+          </p:cNvPr>
+          <p:cNvPicPr>
+            <a:picLocks noChangeAspect="1"/>
+          </p:cNvPicPr>
           <p:nvPr/>
-        </p:nvSpPr>
-        <p:spPr>
-          <a:xfrm flipV="1">
-            <a:off x="2449800" y="2114640"/>
-            <a:ext cx="1526400" cy="13680"/>
-          </a:xfrm>
-          <a:custGeom>
-            <a:avLst/>
-            <a:gdLst/>
-            <a:ahLst/>
-            <a:cxnLst/>
-            <a:rect l="l" t="t" r="r" b="b"/>
-            <a:pathLst>
-              <a:path w="21600" h="21600">
-                <a:moveTo>
-                  <a:pt x="0" y="0"/>
-                </a:moveTo>
-                <a:lnTo>
-                  <a:pt x="21600" y="21600"/>
-                </a:lnTo>
-              </a:path>
-            </a:pathLst>
-          </a:custGeom>
+        </p:nvPicPr>
+        <p:blipFill rotWithShape="1">
+          <a:blip r:embed="rId2"/>
+          <a:srcRect l="5554" t="74579" r="76063" b="18535"/>
+          <a:stretch/>
+        </p:blipFill>
+        <p:spPr>
+          <a:xfrm>
+            <a:off x="968562" y="2059913"/>
+            <a:ext cx="3099580" cy="653142"/>
+          </a:xfrm>
+          <a:prstGeom prst="rect">
+            <a:avLst/>
+          </a:prstGeom>
+        </p:spPr>
+      </p:pic>
+      <p:sp>
+        <p:nvSpPr>
+          <p:cNvPr id="4" name="CuadroTexto 3">
+            <a:extLst>
+              <a:ext uri="{FF2B5EF4-FFF2-40B4-BE49-F238E27FC236}">
+                <a16:creationId xmlns:a16="http://schemas.microsoft.com/office/drawing/2014/main" id="{B04D11CB-E8C4-DCC2-9A3E-A2CD05D3F354}"/>
+              </a:ext>
+            </a:extLst>
+          </p:cNvPr>
+          <p:cNvSpPr txBox="1"/>
+          <p:nvPr/>
+        </p:nvSpPr>
+        <p:spPr>
+          <a:xfrm>
+            <a:off x="968562" y="1668026"/>
+            <a:ext cx="2427781" cy="369332"/>
+          </a:xfrm>
+          <a:prstGeom prst="rect">
+            <a:avLst/>
+          </a:prstGeom>
           <a:noFill/>
-          <a:ln w="28575" cap="rnd">
-            <a:solidFill>
-              <a:srgbClr val="FF0000"/>
-            </a:solidFill>
-            <a:round/>
-            <a:tailEnd type="triangle" w="med" len="med"/>
-          </a:ln>
-        </p:spPr>
-        <p:style>
-          <a:lnRef idx="1">
-            <a:schemeClr val="accent1"/>
-          </a:lnRef>
-          <a:fillRef idx="0">
-            <a:schemeClr val="accent1"/>
-          </a:fillRef>
-          <a:effectRef idx="0">
-            <a:schemeClr val="accent1"/>
-          </a:effectRef>
-          <a:fontRef idx="minor"/>
-        </p:style>
-      </p:sp>
-      <p:sp>
-        <p:nvSpPr>
-          <p:cNvPr id="446" name="CuadroTexto 30"/>
-          <p:cNvSpPr/>
-          <p:nvPr/>
-        </p:nvSpPr>
-        <p:spPr>
-          <a:xfrm>
-            <a:off x="2264040" y="1933920"/>
-            <a:ext cx="244440" cy="363960"/>
-          </a:xfrm>
-          <a:prstGeom prst="rect">
-            <a:avLst/>
-          </a:prstGeom>
-          <a:noFill/>
-          <a:ln w="0">
-            <a:noFill/>
-          </a:ln>
-        </p:spPr>
-        <p:style>
-          <a:lnRef idx="0">
-            <a:scrgbClr r="0" g="0" b="0"/>
-          </a:lnRef>
-          <a:fillRef idx="0">
-            <a:scrgbClr r="0" g="0" b="0"/>
-          </a:fillRef>
-          <a:effectRef idx="0">
-            <a:scrgbClr r="0" g="0" b="0"/>
-          </a:effectRef>
-          <a:fontRef idx="minor"/>
-        </p:style>
-        <p:txBody>
-          <a:bodyPr lIns="90000" tIns="45000" rIns="90000" bIns="45000" anchor="t">
+        </p:spPr>
+        <p:txBody>
+          <a:bodyPr wrap="square" rtlCol="0">
             <a:spAutoFit/>
           </a:bodyPr>
           <a:lstStyle/>
           <a:p>
-            <a:pPr>
-              <a:lnSpc>
-                <a:spcPct val="100000"/>
-              </a:lnSpc>
-              <a:buNone/>
-            </a:pPr>
             <a:r>
-              <a:rPr lang="en-US" sz="1800" b="1" strike="noStrike" spc="-1">
-                <a:solidFill>
-                  <a:srgbClr val="FFFFFF"/>
-                </a:solidFill>
-                <a:latin typeface="Trebuchet MS"/>
-              </a:rPr>
-              <a:t>3</a:t>
+              <a:rPr lang="en-US" dirty="0"/>
+              <a:t>Real world graph</a:t>
             </a:r>
-            <a:endParaRPr lang="en-US" sz="1800" b="0" strike="noStrike" spc="-1">
-              <a:latin typeface="Arial"/>
-            </a:endParaRPr>
-          </a:p>
-        </p:txBody>
-      </p:sp>
-      <p:sp>
-        <p:nvSpPr>
-          <p:cNvPr id="447" name="Flecha: curvada hacia arriba 31"/>
-          <p:cNvSpPr/>
+          </a:p>
+        </p:txBody>
+      </p:sp>
+      <p:pic>
+        <p:nvPicPr>
+          <p:cNvPr id="6" name="Imagen 5">
+            <a:extLst>
+              <a:ext uri="{FF2B5EF4-FFF2-40B4-BE49-F238E27FC236}">
+                <a16:creationId xmlns:a16="http://schemas.microsoft.com/office/drawing/2014/main" id="{D3EDA0BC-BD5E-2A83-C0EC-062CD9C1686E}"/>
+              </a:ext>
+            </a:extLst>
+          </p:cNvPr>
+          <p:cNvPicPr>
+            <a:picLocks noChangeAspect="1"/>
+          </p:cNvPicPr>
           <p:nvPr/>
-        </p:nvSpPr>
-        <p:spPr>
-          <a:xfrm rot="16200000">
-            <a:off x="4088520" y="1742400"/>
-            <a:ext cx="554760" cy="285480"/>
-          </a:xfrm>
-          <a:prstGeom prst="curvedUpArrow">
-            <a:avLst>
-              <a:gd name="adj1" fmla="val 0"/>
-              <a:gd name="adj2" fmla="val 50000"/>
-              <a:gd name="adj3" fmla="val 28334"/>
-            </a:avLst>
-          </a:prstGeom>
-          <a:solidFill>
-            <a:srgbClr val="0F6FC6"/>
-          </a:solidFill>
-          <a:ln cap="rnd">
-            <a:solidFill>
-              <a:srgbClr val="0B5292"/>
-            </a:solidFill>
-            <a:round/>
-          </a:ln>
-        </p:spPr>
-        <p:style>
-          <a:lnRef idx="2">
-            <a:schemeClr val="accent1">
-              <a:shade val="50000"/>
-            </a:schemeClr>
-          </a:lnRef>
-          <a:fillRef idx="1">
-            <a:schemeClr val="accent1"/>
-          </a:fillRef>
-          <a:effectRef idx="0">
-            <a:schemeClr val="accent1"/>
-          </a:effectRef>
-          <a:fontRef idx="minor"/>
-        </p:style>
+        </p:nvPicPr>
+        <p:blipFill rotWithShape="1">
+          <a:blip r:embed="rId3"/>
+          <a:srcRect l="5554" t="74432" r="67610" b="15018"/>
+          <a:stretch/>
+        </p:blipFill>
+        <p:spPr>
+          <a:xfrm>
+            <a:off x="968562" y="3617407"/>
+            <a:ext cx="3271842" cy="723482"/>
+          </a:xfrm>
+          <a:prstGeom prst="rect">
+            <a:avLst/>
+          </a:prstGeom>
+        </p:spPr>
+      </p:pic>
+      <p:sp>
+        <p:nvSpPr>
+          <p:cNvPr id="7" name="CuadroTexto 6">
+            <a:extLst>
+              <a:ext uri="{FF2B5EF4-FFF2-40B4-BE49-F238E27FC236}">
+                <a16:creationId xmlns:a16="http://schemas.microsoft.com/office/drawing/2014/main" id="{0FFC3D4B-B52B-6D83-BB8B-8C8CB80D3616}"/>
+              </a:ext>
+            </a:extLst>
+          </p:cNvPr>
+          <p:cNvSpPr txBox="1"/>
+          <p:nvPr/>
+        </p:nvSpPr>
+        <p:spPr>
+          <a:xfrm>
+            <a:off x="968561" y="3240593"/>
+            <a:ext cx="2427781" cy="369332"/>
+          </a:xfrm>
+          <a:prstGeom prst="rect">
+            <a:avLst/>
+          </a:prstGeom>
+          <a:noFill/>
+        </p:spPr>
+        <p:txBody>
+          <a:bodyPr wrap="square" rtlCol="0">
+            <a:spAutoFit/>
+          </a:bodyPr>
+          <a:lstStyle/>
+          <a:p>
+            <a:r>
+              <a:rPr lang="en-US" dirty="0"/>
+              <a:t>Shipping</a:t>
+            </a:r>
+          </a:p>
+        </p:txBody>
+      </p:sp>
+      <p:pic>
+        <p:nvPicPr>
+          <p:cNvPr id="11" name="Imagen 10">
+            <a:extLst>
+              <a:ext uri="{FF2B5EF4-FFF2-40B4-BE49-F238E27FC236}">
+                <a16:creationId xmlns:a16="http://schemas.microsoft.com/office/drawing/2014/main" id="{DA480BFE-15F0-BA14-7610-8A15858CADF6}"/>
+              </a:ext>
+            </a:extLst>
+          </p:cNvPr>
+          <p:cNvPicPr>
+            <a:picLocks noChangeAspect="1"/>
+          </p:cNvPicPr>
+          <p:nvPr/>
+        </p:nvPicPr>
+        <p:blipFill rotWithShape="1">
+          <a:blip r:embed="rId4"/>
+          <a:srcRect l="5554" t="74579" r="73215" b="15897"/>
+          <a:stretch/>
+        </p:blipFill>
+        <p:spPr>
+          <a:xfrm>
+            <a:off x="968561" y="4970801"/>
+            <a:ext cx="3556748" cy="897436"/>
+          </a:xfrm>
+          <a:prstGeom prst="rect">
+            <a:avLst/>
+          </a:prstGeom>
+        </p:spPr>
+      </p:pic>
+      <p:sp>
+        <p:nvSpPr>
+          <p:cNvPr id="12" name="CuadroTexto 11">
+            <a:extLst>
+              <a:ext uri="{FF2B5EF4-FFF2-40B4-BE49-F238E27FC236}">
+                <a16:creationId xmlns:a16="http://schemas.microsoft.com/office/drawing/2014/main" id="{35752084-5951-8281-3E31-ECC672B63F6E}"/>
+              </a:ext>
+            </a:extLst>
+          </p:cNvPr>
+          <p:cNvSpPr txBox="1"/>
+          <p:nvPr/>
+        </p:nvSpPr>
+        <p:spPr>
+          <a:xfrm>
+            <a:off x="968560" y="4628494"/>
+            <a:ext cx="2427781" cy="369332"/>
+          </a:xfrm>
+          <a:prstGeom prst="rect">
+            <a:avLst/>
+          </a:prstGeom>
+          <a:noFill/>
+        </p:spPr>
+        <p:txBody>
+          <a:bodyPr wrap="square" rtlCol="0">
+            <a:spAutoFit/>
+          </a:bodyPr>
+          <a:lstStyle/>
+          <a:p>
+            <a:r>
+              <a:rPr lang="en-US" dirty="0"/>
+              <a:t>Stadiums</a:t>
+            </a:r>
+          </a:p>
+        </p:txBody>
+      </p:sp>
+      <p:pic>
+        <p:nvPicPr>
+          <p:cNvPr id="14" name="Imagen 13">
+            <a:extLst>
+              <a:ext uri="{FF2B5EF4-FFF2-40B4-BE49-F238E27FC236}">
+                <a16:creationId xmlns:a16="http://schemas.microsoft.com/office/drawing/2014/main" id="{314C3195-1194-1E5E-5630-AFFE11FAAD4F}"/>
+              </a:ext>
+            </a:extLst>
+          </p:cNvPr>
+          <p:cNvPicPr>
+            <a:picLocks noChangeAspect="1"/>
+          </p:cNvPicPr>
+          <p:nvPr/>
+        </p:nvPicPr>
+        <p:blipFill rotWithShape="1">
+          <a:blip r:embed="rId5"/>
+          <a:srcRect l="5554" t="74048" r="81374" b="16099"/>
+          <a:stretch/>
+        </p:blipFill>
+        <p:spPr>
+          <a:xfrm>
+            <a:off x="7007622" y="3609925"/>
+            <a:ext cx="2766964" cy="1173090"/>
+          </a:xfrm>
+          <a:prstGeom prst="rect">
+            <a:avLst/>
+          </a:prstGeom>
+        </p:spPr>
+      </p:pic>
+      <p:sp>
+        <p:nvSpPr>
+          <p:cNvPr id="15" name="CuadroTexto 14">
+            <a:extLst>
+              <a:ext uri="{FF2B5EF4-FFF2-40B4-BE49-F238E27FC236}">
+                <a16:creationId xmlns:a16="http://schemas.microsoft.com/office/drawing/2014/main" id="{62F25705-AE27-A55E-D43E-B549F3E74E13}"/>
+              </a:ext>
+            </a:extLst>
+          </p:cNvPr>
+          <p:cNvSpPr txBox="1"/>
+          <p:nvPr/>
+        </p:nvSpPr>
+        <p:spPr>
+          <a:xfrm>
+            <a:off x="7007622" y="3240593"/>
+            <a:ext cx="2427781" cy="369332"/>
+          </a:xfrm>
+          <a:prstGeom prst="rect">
+            <a:avLst/>
+          </a:prstGeom>
+          <a:noFill/>
+        </p:spPr>
+        <p:txBody>
+          <a:bodyPr wrap="square" rtlCol="0">
+            <a:spAutoFit/>
+          </a:bodyPr>
+          <a:lstStyle/>
+          <a:p>
+            <a:r>
+              <a:rPr lang="en-US" dirty="0"/>
+              <a:t>Tourism</a:t>
+            </a:r>
+          </a:p>
+        </p:txBody>
       </p:sp>
     </p:spTree>
+    <p:extLst>
+      <p:ext uri="{BB962C8B-B14F-4D97-AF65-F5344CB8AC3E}">
+        <p14:creationId xmlns:p14="http://schemas.microsoft.com/office/powerpoint/2010/main" val="634917434"/>
+      </p:ext>
+    </p:extLst>
   </p:cSld>
   <p:clrMapOvr>
     <a:masterClrMapping/>
@@ -29445,7 +29291,7 @@
       </p:grpSpPr>
       <p:sp>
         <p:nvSpPr>
-          <p:cNvPr id="448" name="Elipse 3"/>
+          <p:cNvPr id="428" name="Elipse 3"/>
           <p:cNvSpPr/>
           <p:nvPr/>
         </p:nvSpPr>
@@ -29510,7 +29356,7 @@
       </p:sp>
       <p:sp>
         <p:nvSpPr>
-          <p:cNvPr id="449" name="Elipse 4"/>
+          <p:cNvPr id="429" name="Elipse 4"/>
           <p:cNvSpPr/>
           <p:nvPr/>
         </p:nvSpPr>
@@ -29575,7 +29421,7 @@
       </p:sp>
       <p:sp>
         <p:nvSpPr>
-          <p:cNvPr id="450" name="Elipse 5"/>
+          <p:cNvPr id="430" name="Elipse 5"/>
           <p:cNvSpPr/>
           <p:nvPr/>
         </p:nvSpPr>
@@ -29640,7 +29486,7 @@
       </p:sp>
       <p:sp>
         <p:nvSpPr>
-          <p:cNvPr id="451" name="Elipse 6"/>
+          <p:cNvPr id="431" name="Elipse 6"/>
           <p:cNvSpPr/>
           <p:nvPr/>
         </p:nvSpPr>
@@ -29705,7 +29551,7 @@
       </p:sp>
       <p:sp>
         <p:nvSpPr>
-          <p:cNvPr id="452" name="Elipse 7"/>
+          <p:cNvPr id="432" name="Elipse 7"/>
           <p:cNvSpPr/>
           <p:nvPr/>
         </p:nvSpPr>
@@ -29770,7 +29616,7 @@
       </p:sp>
       <p:sp>
         <p:nvSpPr>
-          <p:cNvPr id="453" name="Elipse 8"/>
+          <p:cNvPr id="433" name="Elipse 8"/>
           <p:cNvSpPr/>
           <p:nvPr/>
         </p:nvSpPr>
@@ -29835,7 +29681,7 @@
       </p:sp>
       <p:sp>
         <p:nvSpPr>
-          <p:cNvPr id="454" name="Conector recto 9"/>
+          <p:cNvPr id="434" name="Conector recto 9"/>
           <p:cNvSpPr/>
           <p:nvPr/>
         </p:nvSpPr>
@@ -29869,7 +29715,7 @@
       </p:sp>
       <p:sp>
         <p:nvSpPr>
-          <p:cNvPr id="455" name="Conector recto 10"/>
+          <p:cNvPr id="435" name="Conector recto 10"/>
           <p:cNvSpPr/>
           <p:nvPr/>
         </p:nvSpPr>
@@ -29903,7 +29749,7 @@
       </p:sp>
       <p:sp>
         <p:nvSpPr>
-          <p:cNvPr id="456" name="Conector recto 11"/>
+          <p:cNvPr id="436" name="Conector recto 11"/>
           <p:cNvSpPr/>
           <p:nvPr/>
         </p:nvSpPr>
@@ -29937,7 +29783,7 @@
       </p:sp>
       <p:sp>
         <p:nvSpPr>
-          <p:cNvPr id="457" name="Conector recto 12"/>
+          <p:cNvPr id="437" name="Conector recto 12"/>
           <p:cNvSpPr/>
           <p:nvPr/>
         </p:nvSpPr>
@@ -29971,7 +29817,7 @@
       </p:sp>
       <p:sp>
         <p:nvSpPr>
-          <p:cNvPr id="458" name="Conector recto 13"/>
+          <p:cNvPr id="438" name="Conector recto 13"/>
           <p:cNvSpPr/>
           <p:nvPr/>
         </p:nvSpPr>
@@ -30005,7 +29851,7 @@
       </p:sp>
       <p:sp>
         <p:nvSpPr>
-          <p:cNvPr id="459" name="Conector recto 14"/>
+          <p:cNvPr id="439" name="Conector recto 14"/>
           <p:cNvSpPr/>
           <p:nvPr/>
         </p:nvSpPr>
@@ -30039,7 +29885,7 @@
       </p:sp>
       <p:sp>
         <p:nvSpPr>
-          <p:cNvPr id="460" name="Conector recto 15"/>
+          <p:cNvPr id="440" name="Conector recto 15"/>
           <p:cNvSpPr/>
           <p:nvPr/>
         </p:nvSpPr>
@@ -30073,7 +29919,7 @@
       </p:sp>
       <p:sp>
         <p:nvSpPr>
-          <p:cNvPr id="461" name="Conector recto 16"/>
+          <p:cNvPr id="441" name="Conector recto 16"/>
           <p:cNvSpPr/>
           <p:nvPr/>
         </p:nvSpPr>
@@ -30107,7 +29953,7 @@
       </p:sp>
       <p:sp>
         <p:nvSpPr>
-          <p:cNvPr id="462" name="Conector recto 17"/>
+          <p:cNvPr id="442" name="Conector recto 17"/>
           <p:cNvSpPr/>
           <p:nvPr/>
         </p:nvSpPr>
@@ -30141,7 +29987,7 @@
       </p:sp>
       <p:sp>
         <p:nvSpPr>
-          <p:cNvPr id="463" name="Flecha: a la izquierda y arriba 23"/>
+          <p:cNvPr id="443" name="Flecha: a la izquierda y arriba 23"/>
           <p:cNvSpPr/>
           <p:nvPr/>
         </p:nvSpPr>
@@ -30184,7 +30030,7 @@
       </p:sp>
       <p:sp>
         <p:nvSpPr>
-          <p:cNvPr id="464" name="CuadroTexto 24"/>
+          <p:cNvPr id="444" name="CuadroTexto 24"/>
           <p:cNvSpPr/>
           <p:nvPr/>
         </p:nvSpPr>
@@ -30242,14 +30088,14 @@
       </p:sp>
       <p:sp>
         <p:nvSpPr>
-          <p:cNvPr id="465" name="Conector recto de flecha 28"/>
+          <p:cNvPr id="445" name="Conector recto de flecha 28"/>
           <p:cNvSpPr/>
           <p:nvPr/>
         </p:nvSpPr>
         <p:spPr>
           <a:xfrm flipV="1">
-            <a:off x="2449800" y="1670400"/>
-            <a:ext cx="1496880" cy="457920"/>
+            <a:off x="2449800" y="2114640"/>
+            <a:ext cx="1526400" cy="13680"/>
           </a:xfrm>
           <a:custGeom>
             <a:avLst/>
@@ -30292,7 +30138,7 @@
       </p:sp>
       <p:sp>
         <p:nvSpPr>
-          <p:cNvPr id="466" name="CuadroTexto 30"/>
+          <p:cNvPr id="446" name="CuadroTexto 30"/>
           <p:cNvSpPr/>
           <p:nvPr/>
         </p:nvSpPr>
@@ -30350,7 +30196,7 @@
       </p:sp>
       <p:sp>
         <p:nvSpPr>
-          <p:cNvPr id="467" name="Flecha: curvada hacia arriba 31"/>
+          <p:cNvPr id="447" name="Flecha: curvada hacia arriba 31"/>
           <p:cNvSpPr/>
           <p:nvPr/>
         </p:nvSpPr>
@@ -30418,7 +30264,7 @@
       </p:grpSpPr>
       <p:sp>
         <p:nvSpPr>
-          <p:cNvPr id="468" name="Elipse 3"/>
+          <p:cNvPr id="448" name="Elipse 3"/>
           <p:cNvSpPr/>
           <p:nvPr/>
         </p:nvSpPr>
@@ -30483,7 +30329,7 @@
       </p:sp>
       <p:sp>
         <p:nvSpPr>
-          <p:cNvPr id="469" name="Elipse 4"/>
+          <p:cNvPr id="449" name="Elipse 4"/>
           <p:cNvSpPr/>
           <p:nvPr/>
         </p:nvSpPr>
@@ -30548,7 +30394,7 @@
       </p:sp>
       <p:sp>
         <p:nvSpPr>
-          <p:cNvPr id="470" name="Elipse 5"/>
+          <p:cNvPr id="450" name="Elipse 5"/>
           <p:cNvSpPr/>
           <p:nvPr/>
         </p:nvSpPr>
@@ -30613,7 +30459,7 @@
       </p:sp>
       <p:sp>
         <p:nvSpPr>
-          <p:cNvPr id="471" name="Elipse 6"/>
+          <p:cNvPr id="451" name="Elipse 6"/>
           <p:cNvSpPr/>
           <p:nvPr/>
         </p:nvSpPr>
@@ -30678,7 +30524,7 @@
       </p:sp>
       <p:sp>
         <p:nvSpPr>
-          <p:cNvPr id="472" name="Elipse 7"/>
+          <p:cNvPr id="452" name="Elipse 7"/>
           <p:cNvSpPr/>
           <p:nvPr/>
         </p:nvSpPr>
@@ -30743,7 +30589,7 @@
       </p:sp>
       <p:sp>
         <p:nvSpPr>
-          <p:cNvPr id="473" name="Elipse 8"/>
+          <p:cNvPr id="453" name="Elipse 8"/>
           <p:cNvSpPr/>
           <p:nvPr/>
         </p:nvSpPr>
@@ -30808,7 +30654,7 @@
       </p:sp>
       <p:sp>
         <p:nvSpPr>
-          <p:cNvPr id="474" name="Conector recto 9"/>
+          <p:cNvPr id="454" name="Conector recto 9"/>
           <p:cNvSpPr/>
           <p:nvPr/>
         </p:nvSpPr>
@@ -30842,7 +30688,7 @@
       </p:sp>
       <p:sp>
         <p:nvSpPr>
-          <p:cNvPr id="475" name="Conector recto 10"/>
+          <p:cNvPr id="455" name="Conector recto 10"/>
           <p:cNvSpPr/>
           <p:nvPr/>
         </p:nvSpPr>
@@ -30876,7 +30722,7 @@
       </p:sp>
       <p:sp>
         <p:nvSpPr>
-          <p:cNvPr id="476" name="Conector recto 11"/>
+          <p:cNvPr id="456" name="Conector recto 11"/>
           <p:cNvSpPr/>
           <p:nvPr/>
         </p:nvSpPr>
@@ -30910,7 +30756,7 @@
       </p:sp>
       <p:sp>
         <p:nvSpPr>
-          <p:cNvPr id="477" name="Conector recto 12"/>
+          <p:cNvPr id="457" name="Conector recto 12"/>
           <p:cNvSpPr/>
           <p:nvPr/>
         </p:nvSpPr>
@@ -30944,7 +30790,7 @@
       </p:sp>
       <p:sp>
         <p:nvSpPr>
-          <p:cNvPr id="478" name="Conector recto 13"/>
+          <p:cNvPr id="458" name="Conector recto 13"/>
           <p:cNvSpPr/>
           <p:nvPr/>
         </p:nvSpPr>
@@ -30978,7 +30824,7 @@
       </p:sp>
       <p:sp>
         <p:nvSpPr>
-          <p:cNvPr id="479" name="Conector recto 14"/>
+          <p:cNvPr id="459" name="Conector recto 14"/>
           <p:cNvSpPr/>
           <p:nvPr/>
         </p:nvSpPr>
@@ -31012,7 +30858,7 @@
       </p:sp>
       <p:sp>
         <p:nvSpPr>
-          <p:cNvPr id="480" name="Conector recto 15"/>
+          <p:cNvPr id="460" name="Conector recto 15"/>
           <p:cNvSpPr/>
           <p:nvPr/>
         </p:nvSpPr>
@@ -31046,7 +30892,7 @@
       </p:sp>
       <p:sp>
         <p:nvSpPr>
-          <p:cNvPr id="481" name="Conector recto 16"/>
+          <p:cNvPr id="461" name="Conector recto 16"/>
           <p:cNvSpPr/>
           <p:nvPr/>
         </p:nvSpPr>
@@ -31080,7 +30926,7 @@
       </p:sp>
       <p:sp>
         <p:nvSpPr>
-          <p:cNvPr id="482" name="Conector recto 17"/>
+          <p:cNvPr id="462" name="Conector recto 17"/>
           <p:cNvSpPr/>
           <p:nvPr/>
         </p:nvSpPr>
@@ -31114,7 +30960,7 @@
       </p:sp>
       <p:sp>
         <p:nvSpPr>
-          <p:cNvPr id="483" name="Flecha: a la izquierda y arriba 23"/>
+          <p:cNvPr id="463" name="Flecha: a la izquierda y arriba 23"/>
           <p:cNvSpPr/>
           <p:nvPr/>
         </p:nvSpPr>
@@ -31157,7 +31003,7 @@
       </p:sp>
       <p:sp>
         <p:nvSpPr>
-          <p:cNvPr id="484" name="CuadroTexto 24"/>
+          <p:cNvPr id="464" name="CuadroTexto 24"/>
           <p:cNvSpPr/>
           <p:nvPr/>
         </p:nvSpPr>
@@ -31215,14 +31061,14 @@
       </p:sp>
       <p:sp>
         <p:nvSpPr>
-          <p:cNvPr id="485" name="Conector recto de flecha 28"/>
+          <p:cNvPr id="465" name="Conector recto de flecha 28"/>
           <p:cNvSpPr/>
           <p:nvPr/>
         </p:nvSpPr>
         <p:spPr>
           <a:xfrm flipV="1">
-            <a:off x="2449800" y="1452960"/>
-            <a:ext cx="1464840" cy="674280"/>
+            <a:off x="2449800" y="1670400"/>
+            <a:ext cx="1496880" cy="457920"/>
           </a:xfrm>
           <a:custGeom>
             <a:avLst/>
@@ -31265,7 +31111,7 @@
       </p:sp>
       <p:sp>
         <p:nvSpPr>
-          <p:cNvPr id="486" name="CuadroTexto 30"/>
+          <p:cNvPr id="466" name="CuadroTexto 30"/>
           <p:cNvSpPr/>
           <p:nvPr/>
         </p:nvSpPr>
@@ -31323,7 +31169,7 @@
       </p:sp>
       <p:sp>
         <p:nvSpPr>
-          <p:cNvPr id="487" name="Flecha: curvada hacia arriba 31"/>
+          <p:cNvPr id="467" name="Flecha: curvada hacia arriba 31"/>
           <p:cNvSpPr/>
           <p:nvPr/>
         </p:nvSpPr>
@@ -31391,7 +31237,7 @@
       </p:grpSpPr>
       <p:sp>
         <p:nvSpPr>
-          <p:cNvPr id="488" name="Elipse 3"/>
+          <p:cNvPr id="468" name="Elipse 3"/>
           <p:cNvSpPr/>
           <p:nvPr/>
         </p:nvSpPr>
@@ -31456,7 +31302,7 @@
       </p:sp>
       <p:sp>
         <p:nvSpPr>
-          <p:cNvPr id="489" name="Elipse 4"/>
+          <p:cNvPr id="469" name="Elipse 4"/>
           <p:cNvSpPr/>
           <p:nvPr/>
         </p:nvSpPr>
@@ -31521,7 +31367,7 @@
       </p:sp>
       <p:sp>
         <p:nvSpPr>
-          <p:cNvPr id="490" name="Elipse 5"/>
+          <p:cNvPr id="470" name="Elipse 5"/>
           <p:cNvSpPr/>
           <p:nvPr/>
         </p:nvSpPr>
@@ -31534,7 +31380,7 @@
             <a:avLst/>
           </a:prstGeom>
           <a:solidFill>
-            <a:srgbClr val="92D050"/>
+            <a:srgbClr val="0F6FC6"/>
           </a:solidFill>
           <a:ln cap="rnd">
             <a:solidFill>
@@ -31586,7 +31432,7 @@
       </p:sp>
       <p:sp>
         <p:nvSpPr>
-          <p:cNvPr id="491" name="Elipse 6"/>
+          <p:cNvPr id="471" name="Elipse 6"/>
           <p:cNvSpPr/>
           <p:nvPr/>
         </p:nvSpPr>
@@ -31651,7 +31497,7 @@
       </p:sp>
       <p:sp>
         <p:nvSpPr>
-          <p:cNvPr id="492" name="Elipse 7"/>
+          <p:cNvPr id="472" name="Elipse 7"/>
           <p:cNvSpPr/>
           <p:nvPr/>
         </p:nvSpPr>
@@ -31716,7 +31562,7 @@
       </p:sp>
       <p:sp>
         <p:nvSpPr>
-          <p:cNvPr id="493" name="Elipse 8"/>
+          <p:cNvPr id="473" name="Elipse 8"/>
           <p:cNvSpPr/>
           <p:nvPr/>
         </p:nvSpPr>
@@ -31781,7 +31627,7 @@
       </p:sp>
       <p:sp>
         <p:nvSpPr>
-          <p:cNvPr id="494" name="Conector recto 9"/>
+          <p:cNvPr id="474" name="Conector recto 9"/>
           <p:cNvSpPr/>
           <p:nvPr/>
         </p:nvSpPr>
@@ -31815,7 +31661,7 @@
       </p:sp>
       <p:sp>
         <p:nvSpPr>
-          <p:cNvPr id="495" name="Conector recto 10"/>
+          <p:cNvPr id="475" name="Conector recto 10"/>
           <p:cNvSpPr/>
           <p:nvPr/>
         </p:nvSpPr>
@@ -31849,7 +31695,7 @@
       </p:sp>
       <p:sp>
         <p:nvSpPr>
-          <p:cNvPr id="496" name="Conector recto 11"/>
+          <p:cNvPr id="476" name="Conector recto 11"/>
           <p:cNvSpPr/>
           <p:nvPr/>
         </p:nvSpPr>
@@ -31883,7 +31729,7 @@
       </p:sp>
       <p:sp>
         <p:nvSpPr>
-          <p:cNvPr id="497" name="Conector recto 12"/>
+          <p:cNvPr id="477" name="Conector recto 12"/>
           <p:cNvSpPr/>
           <p:nvPr/>
         </p:nvSpPr>
@@ -31917,7 +31763,7 @@
       </p:sp>
       <p:sp>
         <p:nvSpPr>
-          <p:cNvPr id="498" name="Conector recto 13"/>
+          <p:cNvPr id="478" name="Conector recto 13"/>
           <p:cNvSpPr/>
           <p:nvPr/>
         </p:nvSpPr>
@@ -31951,7 +31797,7 @@
       </p:sp>
       <p:sp>
         <p:nvSpPr>
-          <p:cNvPr id="499" name="Conector recto 14"/>
+          <p:cNvPr id="479" name="Conector recto 14"/>
           <p:cNvSpPr/>
           <p:nvPr/>
         </p:nvSpPr>
@@ -31985,7 +31831,7 @@
       </p:sp>
       <p:sp>
         <p:nvSpPr>
-          <p:cNvPr id="500" name="Conector recto 15"/>
+          <p:cNvPr id="480" name="Conector recto 15"/>
           <p:cNvSpPr/>
           <p:nvPr/>
         </p:nvSpPr>
@@ -32019,7 +31865,7 @@
       </p:sp>
       <p:sp>
         <p:nvSpPr>
-          <p:cNvPr id="501" name="Conector recto 16"/>
+          <p:cNvPr id="481" name="Conector recto 16"/>
           <p:cNvSpPr/>
           <p:nvPr/>
         </p:nvSpPr>
@@ -32053,7 +31899,7 @@
       </p:sp>
       <p:sp>
         <p:nvSpPr>
-          <p:cNvPr id="502" name="Conector recto 17"/>
+          <p:cNvPr id="482" name="Conector recto 17"/>
           <p:cNvSpPr/>
           <p:nvPr/>
         </p:nvSpPr>
@@ -32087,7 +31933,7 @@
       </p:sp>
       <p:sp>
         <p:nvSpPr>
-          <p:cNvPr id="503" name="Flecha: a la izquierda y arriba 23"/>
+          <p:cNvPr id="483" name="Flecha: a la izquierda y arriba 23"/>
           <p:cNvSpPr/>
           <p:nvPr/>
         </p:nvSpPr>
@@ -32130,7 +31976,7 @@
       </p:sp>
       <p:sp>
         <p:nvSpPr>
-          <p:cNvPr id="504" name="CuadroTexto 24"/>
+          <p:cNvPr id="484" name="CuadroTexto 24"/>
           <p:cNvSpPr/>
           <p:nvPr/>
         </p:nvSpPr>
@@ -32178,7 +32024,7 @@
                 </a:solidFill>
                 <a:latin typeface="Trebuchet MS"/>
               </a:rPr>
-              <a:t>Actual Path: 3 </a:t>
+              <a:t>Actual Path: </a:t>
             </a:r>
             <a:endParaRPr lang="en-US" sz="1800" b="0" strike="noStrike" spc="-1">
               <a:latin typeface="Arial"/>
@@ -32188,7 +32034,7 @@
       </p:sp>
       <p:sp>
         <p:nvSpPr>
-          <p:cNvPr id="505" name="Conector recto de flecha 28"/>
+          <p:cNvPr id="485" name="Conector recto de flecha 28"/>
           <p:cNvSpPr/>
           <p:nvPr/>
         </p:nvSpPr>
@@ -32238,7 +32084,7 @@
       </p:sp>
       <p:sp>
         <p:nvSpPr>
-          <p:cNvPr id="506" name="CuadroTexto 30"/>
+          <p:cNvPr id="486" name="CuadroTexto 30"/>
           <p:cNvSpPr/>
           <p:nvPr/>
         </p:nvSpPr>
@@ -32296,7 +32142,7 @@
       </p:sp>
       <p:sp>
         <p:nvSpPr>
-          <p:cNvPr id="507" name="Flecha: curvada hacia arriba 31"/>
+          <p:cNvPr id="487" name="Flecha: curvada hacia arriba 31"/>
           <p:cNvSpPr/>
           <p:nvPr/>
         </p:nvSpPr>
@@ -32364,7 +32210,7 @@
       </p:grpSpPr>
       <p:sp>
         <p:nvSpPr>
-          <p:cNvPr id="508" name="Elipse 3"/>
+          <p:cNvPr id="488" name="Elipse 3"/>
           <p:cNvSpPr/>
           <p:nvPr/>
         </p:nvSpPr>
@@ -32429,7 +32275,7 @@
       </p:sp>
       <p:sp>
         <p:nvSpPr>
-          <p:cNvPr id="509" name="Elipse 4"/>
+          <p:cNvPr id="489" name="Elipse 4"/>
           <p:cNvSpPr/>
           <p:nvPr/>
         </p:nvSpPr>
@@ -32494,7 +32340,7 @@
       </p:sp>
       <p:sp>
         <p:nvSpPr>
-          <p:cNvPr id="510" name="Elipse 5"/>
+          <p:cNvPr id="490" name="Elipse 5"/>
           <p:cNvSpPr/>
           <p:nvPr/>
         </p:nvSpPr>
@@ -32559,13 +32405,13 @@
       </p:sp>
       <p:sp>
         <p:nvSpPr>
-          <p:cNvPr id="511" name="Elipse 6"/>
+          <p:cNvPr id="491" name="Elipse 6"/>
           <p:cNvSpPr/>
           <p:nvPr/>
         </p:nvSpPr>
         <p:spPr>
           <a:xfrm>
-            <a:off x="4695840" y="844560"/>
+            <a:off x="4676760" y="844560"/>
             <a:ext cx="609120" cy="609120"/>
           </a:xfrm>
           <a:prstGeom prst="ellipse">
@@ -32624,7 +32470,7 @@
       </p:sp>
       <p:sp>
         <p:nvSpPr>
-          <p:cNvPr id="512" name="Elipse 7"/>
+          <p:cNvPr id="492" name="Elipse 7"/>
           <p:cNvSpPr/>
           <p:nvPr/>
         </p:nvSpPr>
@@ -32689,7 +32535,7 @@
       </p:sp>
       <p:sp>
         <p:nvSpPr>
-          <p:cNvPr id="513" name="Elipse 8"/>
+          <p:cNvPr id="493" name="Elipse 8"/>
           <p:cNvSpPr/>
           <p:nvPr/>
         </p:nvSpPr>
@@ -32754,14 +32600,14 @@
       </p:sp>
       <p:sp>
         <p:nvSpPr>
-          <p:cNvPr id="514" name="Conector recto 9"/>
+          <p:cNvPr id="494" name="Conector recto 9"/>
           <p:cNvSpPr/>
           <p:nvPr/>
         </p:nvSpPr>
         <p:spPr>
-          <a:xfrm flipH="1">
+          <a:xfrm>
             <a:off x="4981320" y="1454040"/>
-            <a:ext cx="19080" cy="1168200"/>
+            <a:ext cx="360" cy="1168200"/>
           </a:xfrm>
           <a:prstGeom prst="line">
             <a:avLst/>
@@ -32788,7 +32634,7 @@
       </p:sp>
       <p:sp>
         <p:nvSpPr>
-          <p:cNvPr id="515" name="Conector recto 10"/>
+          <p:cNvPr id="495" name="Conector recto 10"/>
           <p:cNvSpPr/>
           <p:nvPr/>
         </p:nvSpPr>
@@ -32822,7 +32668,7 @@
       </p:sp>
       <p:sp>
         <p:nvSpPr>
-          <p:cNvPr id="516" name="Conector recto 11"/>
+          <p:cNvPr id="496" name="Conector recto 11"/>
           <p:cNvSpPr/>
           <p:nvPr/>
         </p:nvSpPr>
@@ -32856,7 +32702,7 @@
       </p:sp>
       <p:sp>
         <p:nvSpPr>
-          <p:cNvPr id="517" name="Conector recto 12"/>
+          <p:cNvPr id="497" name="Conector recto 12"/>
           <p:cNvSpPr/>
           <p:nvPr/>
         </p:nvSpPr>
@@ -32890,7 +32736,7 @@
       </p:sp>
       <p:sp>
         <p:nvSpPr>
-          <p:cNvPr id="518" name="Conector recto 13"/>
+          <p:cNvPr id="498" name="Conector recto 13"/>
           <p:cNvSpPr/>
           <p:nvPr/>
         </p:nvSpPr>
@@ -32924,7 +32770,7 @@
       </p:sp>
       <p:sp>
         <p:nvSpPr>
-          <p:cNvPr id="519" name="Conector recto 14"/>
+          <p:cNvPr id="499" name="Conector recto 14"/>
           <p:cNvSpPr/>
           <p:nvPr/>
         </p:nvSpPr>
@@ -32958,14 +32804,14 @@
       </p:sp>
       <p:sp>
         <p:nvSpPr>
-          <p:cNvPr id="520" name="Conector recto 15"/>
+          <p:cNvPr id="500" name="Conector recto 15"/>
           <p:cNvSpPr/>
           <p:nvPr/>
         </p:nvSpPr>
         <p:spPr>
           <a:xfrm flipH="1" flipV="1">
-            <a:off x="5305320" y="1149120"/>
-            <a:ext cx="1603800" cy="1057680"/>
+            <a:off x="5286240" y="1149120"/>
+            <a:ext cx="1622880" cy="1057680"/>
           </a:xfrm>
           <a:prstGeom prst="line">
             <a:avLst/>
@@ -32992,14 +32838,14 @@
       </p:sp>
       <p:sp>
         <p:nvSpPr>
-          <p:cNvPr id="521" name="Conector recto 16"/>
+          <p:cNvPr id="501" name="Conector recto 16"/>
           <p:cNvSpPr/>
           <p:nvPr/>
         </p:nvSpPr>
         <p:spPr>
           <a:xfrm flipH="1">
             <a:off x="2628720" y="1149120"/>
-            <a:ext cx="2066760" cy="752760"/>
+            <a:ext cx="2048040" cy="752760"/>
           </a:xfrm>
           <a:prstGeom prst="line">
             <a:avLst/>
@@ -33026,7 +32872,7 @@
       </p:sp>
       <p:sp>
         <p:nvSpPr>
-          <p:cNvPr id="522" name="Conector recto 17"/>
+          <p:cNvPr id="502" name="Conector recto 17"/>
           <p:cNvSpPr/>
           <p:nvPr/>
         </p:nvSpPr>
@@ -33060,14 +32906,14 @@
       </p:sp>
       <p:sp>
         <p:nvSpPr>
-          <p:cNvPr id="523" name="Flecha: a la izquierda y arriba 23"/>
+          <p:cNvPr id="503" name="Flecha: a la izquierda y arriba 23"/>
           <p:cNvSpPr/>
           <p:nvPr/>
         </p:nvSpPr>
         <p:spPr>
           <a:xfrm flipH="1">
-            <a:off x="4962600" y="162360"/>
-            <a:ext cx="1761840" cy="1057320"/>
+            <a:off x="2381400" y="771840"/>
+            <a:ext cx="1761840" cy="1418400"/>
           </a:xfrm>
           <a:prstGeom prst="leftUpArrow">
             <a:avLst>
@@ -33103,7 +32949,7 @@
       </p:sp>
       <p:sp>
         <p:nvSpPr>
-          <p:cNvPr id="524" name="CuadroTexto 24"/>
+          <p:cNvPr id="504" name="CuadroTexto 24"/>
           <p:cNvSpPr/>
           <p:nvPr/>
         </p:nvSpPr>
@@ -33161,14 +33007,14 @@
       </p:sp>
       <p:sp>
         <p:nvSpPr>
-          <p:cNvPr id="525" name="Conector recto de flecha 28"/>
+          <p:cNvPr id="505" name="Conector recto de flecha 28"/>
           <p:cNvSpPr/>
           <p:nvPr/>
         </p:nvSpPr>
         <p:spPr>
-          <a:xfrm>
-            <a:off x="5031000" y="1158120"/>
-            <a:ext cx="1268280" cy="360"/>
+          <a:xfrm flipV="1">
+            <a:off x="2449800" y="1452960"/>
+            <a:ext cx="1464840" cy="674280"/>
           </a:xfrm>
           <a:custGeom>
             <a:avLst/>
@@ -33211,13 +33057,13 @@
       </p:sp>
       <p:sp>
         <p:nvSpPr>
-          <p:cNvPr id="526" name="CuadroTexto 30"/>
+          <p:cNvPr id="506" name="CuadroTexto 30"/>
           <p:cNvSpPr/>
           <p:nvPr/>
         </p:nvSpPr>
         <p:spPr>
           <a:xfrm>
-            <a:off x="4845240" y="963360"/>
+            <a:off x="2264040" y="1933920"/>
             <a:ext cx="244440" cy="363960"/>
           </a:xfrm>
           <a:prstGeom prst="rect">
@@ -33259,7 +33105,7 @@
                 </a:solidFill>
                 <a:latin typeface="Trebuchet MS"/>
               </a:rPr>
-              <a:t>2</a:t>
+              <a:t>3</a:t>
             </a:r>
             <a:endParaRPr lang="en-US" sz="1800" b="0" strike="noStrike" spc="-1">
               <a:latin typeface="Arial"/>
@@ -33269,14 +33115,14 @@
       </p:sp>
       <p:sp>
         <p:nvSpPr>
-          <p:cNvPr id="527" name="Flecha: curvada hacia arriba 31"/>
+          <p:cNvPr id="507" name="Flecha: curvada hacia arriba 31"/>
           <p:cNvSpPr/>
           <p:nvPr/>
         </p:nvSpPr>
         <p:spPr>
           <a:xfrm rot="16200000">
-            <a:off x="6673320" y="775440"/>
-            <a:ext cx="547560" cy="285480"/>
+            <a:off x="4088520" y="1742400"/>
+            <a:ext cx="554760" cy="285480"/>
           </a:xfrm>
           <a:prstGeom prst="curvedUpArrow">
             <a:avLst>
@@ -33337,7 +33183,7 @@
       </p:grpSpPr>
       <p:sp>
         <p:nvSpPr>
-          <p:cNvPr id="528" name="Elipse 3"/>
+          <p:cNvPr id="508" name="Elipse 3"/>
           <p:cNvSpPr/>
           <p:nvPr/>
         </p:nvSpPr>
@@ -33402,7 +33248,7 @@
       </p:sp>
       <p:sp>
         <p:nvSpPr>
-          <p:cNvPr id="529" name="Elipse 4"/>
+          <p:cNvPr id="509" name="Elipse 4"/>
           <p:cNvSpPr/>
           <p:nvPr/>
         </p:nvSpPr>
@@ -33467,7 +33313,7 @@
       </p:sp>
       <p:sp>
         <p:nvSpPr>
-          <p:cNvPr id="530" name="Elipse 5"/>
+          <p:cNvPr id="510" name="Elipse 5"/>
           <p:cNvSpPr/>
           <p:nvPr/>
         </p:nvSpPr>
@@ -33532,7 +33378,7 @@
       </p:sp>
       <p:sp>
         <p:nvSpPr>
-          <p:cNvPr id="531" name="Elipse 6"/>
+          <p:cNvPr id="511" name="Elipse 6"/>
           <p:cNvSpPr/>
           <p:nvPr/>
         </p:nvSpPr>
@@ -33597,7 +33443,7 @@
       </p:sp>
       <p:sp>
         <p:nvSpPr>
-          <p:cNvPr id="532" name="Elipse 7"/>
+          <p:cNvPr id="512" name="Elipse 7"/>
           <p:cNvSpPr/>
           <p:nvPr/>
         </p:nvSpPr>
@@ -33662,7 +33508,7 @@
       </p:sp>
       <p:sp>
         <p:nvSpPr>
-          <p:cNvPr id="533" name="Elipse 8"/>
+          <p:cNvPr id="513" name="Elipse 8"/>
           <p:cNvSpPr/>
           <p:nvPr/>
         </p:nvSpPr>
@@ -33727,7 +33573,7 @@
       </p:sp>
       <p:sp>
         <p:nvSpPr>
-          <p:cNvPr id="534" name="Conector recto 9"/>
+          <p:cNvPr id="514" name="Conector recto 9"/>
           <p:cNvSpPr/>
           <p:nvPr/>
         </p:nvSpPr>
@@ -33761,7 +33607,7 @@
       </p:sp>
       <p:sp>
         <p:nvSpPr>
-          <p:cNvPr id="535" name="Conector recto 10"/>
+          <p:cNvPr id="515" name="Conector recto 10"/>
           <p:cNvSpPr/>
           <p:nvPr/>
         </p:nvSpPr>
@@ -33795,7 +33641,7 @@
       </p:sp>
       <p:sp>
         <p:nvSpPr>
-          <p:cNvPr id="536" name="Conector recto 11"/>
+          <p:cNvPr id="516" name="Conector recto 11"/>
           <p:cNvSpPr/>
           <p:nvPr/>
         </p:nvSpPr>
@@ -33829,7 +33675,7 @@
       </p:sp>
       <p:sp>
         <p:nvSpPr>
-          <p:cNvPr id="537" name="Conector recto 12"/>
+          <p:cNvPr id="517" name="Conector recto 12"/>
           <p:cNvSpPr/>
           <p:nvPr/>
         </p:nvSpPr>
@@ -33863,7 +33709,7 @@
       </p:sp>
       <p:sp>
         <p:nvSpPr>
-          <p:cNvPr id="538" name="Conector recto 13"/>
+          <p:cNvPr id="518" name="Conector recto 13"/>
           <p:cNvSpPr/>
           <p:nvPr/>
         </p:nvSpPr>
@@ -33897,7 +33743,7 @@
       </p:sp>
       <p:sp>
         <p:nvSpPr>
-          <p:cNvPr id="539" name="Conector recto 14"/>
+          <p:cNvPr id="519" name="Conector recto 14"/>
           <p:cNvSpPr/>
           <p:nvPr/>
         </p:nvSpPr>
@@ -33931,7 +33777,7 @@
       </p:sp>
       <p:sp>
         <p:nvSpPr>
-          <p:cNvPr id="540" name="Conector recto 15"/>
+          <p:cNvPr id="520" name="Conector recto 15"/>
           <p:cNvSpPr/>
           <p:nvPr/>
         </p:nvSpPr>
@@ -33965,7 +33811,7 @@
       </p:sp>
       <p:sp>
         <p:nvSpPr>
-          <p:cNvPr id="541" name="Conector recto 16"/>
+          <p:cNvPr id="521" name="Conector recto 16"/>
           <p:cNvSpPr/>
           <p:nvPr/>
         </p:nvSpPr>
@@ -33999,7 +33845,7 @@
       </p:sp>
       <p:sp>
         <p:nvSpPr>
-          <p:cNvPr id="542" name="Conector recto 17"/>
+          <p:cNvPr id="522" name="Conector recto 17"/>
           <p:cNvSpPr/>
           <p:nvPr/>
         </p:nvSpPr>
@@ -34033,7 +33879,7 @@
       </p:sp>
       <p:sp>
         <p:nvSpPr>
-          <p:cNvPr id="543" name="Flecha: a la izquierda y arriba 23"/>
+          <p:cNvPr id="523" name="Flecha: a la izquierda y arriba 23"/>
           <p:cNvSpPr/>
           <p:nvPr/>
         </p:nvSpPr>
@@ -34076,7 +33922,7 @@
       </p:sp>
       <p:sp>
         <p:nvSpPr>
-          <p:cNvPr id="544" name="CuadroTexto 24"/>
+          <p:cNvPr id="524" name="CuadroTexto 24"/>
           <p:cNvSpPr/>
           <p:nvPr/>
         </p:nvSpPr>
@@ -34134,14 +33980,14 @@
       </p:sp>
       <p:sp>
         <p:nvSpPr>
-          <p:cNvPr id="545" name="Conector recto de flecha 28"/>
+          <p:cNvPr id="525" name="Conector recto de flecha 28"/>
           <p:cNvSpPr/>
           <p:nvPr/>
         </p:nvSpPr>
         <p:spPr>
-          <a:xfrm flipH="1">
-            <a:off x="3772080" y="1158120"/>
-            <a:ext cx="1258560" cy="295560"/>
+          <a:xfrm>
+            <a:off x="5031000" y="1158120"/>
+            <a:ext cx="1268280" cy="360"/>
           </a:xfrm>
           <a:custGeom>
             <a:avLst/>
@@ -34184,7 +34030,7 @@
       </p:sp>
       <p:sp>
         <p:nvSpPr>
-          <p:cNvPr id="546" name="CuadroTexto 30"/>
+          <p:cNvPr id="526" name="CuadroTexto 30"/>
           <p:cNvSpPr/>
           <p:nvPr/>
         </p:nvSpPr>
@@ -34242,7 +34088,7 @@
       </p:sp>
       <p:sp>
         <p:nvSpPr>
-          <p:cNvPr id="547" name="Flecha: curvada hacia arriba 31"/>
+          <p:cNvPr id="527" name="Flecha: curvada hacia arriba 31"/>
           <p:cNvSpPr/>
           <p:nvPr/>
         </p:nvSpPr>
@@ -34260,47 +34106,6 @@
           </a:prstGeom>
           <a:solidFill>
             <a:srgbClr val="0F6FC6"/>
-          </a:solidFill>
-          <a:ln cap="rnd">
-            <a:solidFill>
-              <a:srgbClr val="0B5292"/>
-            </a:solidFill>
-            <a:round/>
-          </a:ln>
-        </p:spPr>
-        <p:style>
-          <a:lnRef idx="2">
-            <a:schemeClr val="accent1">
-              <a:shade val="50000"/>
-            </a:schemeClr>
-          </a:lnRef>
-          <a:fillRef idx="1">
-            <a:schemeClr val="accent1"/>
-          </a:fillRef>
-          <a:effectRef idx="0">
-            <a:schemeClr val="accent1"/>
-          </a:effectRef>
-          <a:fontRef idx="minor"/>
-        </p:style>
-      </p:sp>
-      <p:sp>
-        <p:nvSpPr>
-          <p:cNvPr id="548" name="Símbolo &quot;No permitido&quot; 2"/>
-          <p:cNvSpPr/>
-          <p:nvPr/>
-        </p:nvSpPr>
-        <p:spPr>
-          <a:xfrm>
-            <a:off x="3101040" y="1454760"/>
-            <a:ext cx="443880" cy="450360"/>
-          </a:xfrm>
-          <a:prstGeom prst="noSmoking">
-            <a:avLst>
-              <a:gd name="adj" fmla="val 7941"/>
-            </a:avLst>
-          </a:prstGeom>
-          <a:solidFill>
-            <a:srgbClr val="FFC000"/>
           </a:solidFill>
           <a:ln cap="rnd">
             <a:solidFill>
@@ -34351,7 +34156,7 @@
       </p:grpSpPr>
       <p:sp>
         <p:nvSpPr>
-          <p:cNvPr id="549" name="Elipse 3"/>
+          <p:cNvPr id="528" name="Elipse 3"/>
           <p:cNvSpPr/>
           <p:nvPr/>
         </p:nvSpPr>
@@ -34416,7 +34221,7 @@
       </p:sp>
       <p:sp>
         <p:nvSpPr>
-          <p:cNvPr id="550" name="Elipse 4"/>
+          <p:cNvPr id="529" name="Elipse 4"/>
           <p:cNvSpPr/>
           <p:nvPr/>
         </p:nvSpPr>
@@ -34481,7 +34286,7 @@
       </p:sp>
       <p:sp>
         <p:nvSpPr>
-          <p:cNvPr id="551" name="Elipse 5"/>
+          <p:cNvPr id="530" name="Elipse 5"/>
           <p:cNvSpPr/>
           <p:nvPr/>
         </p:nvSpPr>
@@ -34546,7 +34351,7 @@
       </p:sp>
       <p:sp>
         <p:nvSpPr>
-          <p:cNvPr id="552" name="Elipse 6"/>
+          <p:cNvPr id="531" name="Elipse 6"/>
           <p:cNvSpPr/>
           <p:nvPr/>
         </p:nvSpPr>
@@ -34559,7 +34364,7 @@
             <a:avLst/>
           </a:prstGeom>
           <a:solidFill>
-            <a:schemeClr val="accent1"/>
+            <a:srgbClr val="0F6FC6"/>
           </a:solidFill>
           <a:ln cap="rnd">
             <a:solidFill>
@@ -34611,7 +34416,7 @@
       </p:sp>
       <p:sp>
         <p:nvSpPr>
-          <p:cNvPr id="553" name="Elipse 7"/>
+          <p:cNvPr id="532" name="Elipse 7"/>
           <p:cNvSpPr/>
           <p:nvPr/>
         </p:nvSpPr>
@@ -34676,7 +34481,7 @@
       </p:sp>
       <p:sp>
         <p:nvSpPr>
-          <p:cNvPr id="554" name="Elipse 8"/>
+          <p:cNvPr id="533" name="Elipse 8"/>
           <p:cNvSpPr/>
           <p:nvPr/>
         </p:nvSpPr>
@@ -34741,7 +34546,7 @@
       </p:sp>
       <p:sp>
         <p:nvSpPr>
-          <p:cNvPr id="555" name="Conector recto 9"/>
+          <p:cNvPr id="534" name="Conector recto 9"/>
           <p:cNvSpPr/>
           <p:nvPr/>
         </p:nvSpPr>
@@ -34775,7 +34580,7 @@
       </p:sp>
       <p:sp>
         <p:nvSpPr>
-          <p:cNvPr id="556" name="Conector recto 10"/>
+          <p:cNvPr id="535" name="Conector recto 10"/>
           <p:cNvSpPr/>
           <p:nvPr/>
         </p:nvSpPr>
@@ -34809,7 +34614,7 @@
       </p:sp>
       <p:sp>
         <p:nvSpPr>
-          <p:cNvPr id="557" name="Conector recto 11"/>
+          <p:cNvPr id="536" name="Conector recto 11"/>
           <p:cNvSpPr/>
           <p:nvPr/>
         </p:nvSpPr>
@@ -34843,7 +34648,7 @@
       </p:sp>
       <p:sp>
         <p:nvSpPr>
-          <p:cNvPr id="558" name="Conector recto 12"/>
+          <p:cNvPr id="537" name="Conector recto 12"/>
           <p:cNvSpPr/>
           <p:nvPr/>
         </p:nvSpPr>
@@ -34877,7 +34682,7 @@
       </p:sp>
       <p:sp>
         <p:nvSpPr>
-          <p:cNvPr id="559" name="Conector recto 13"/>
+          <p:cNvPr id="538" name="Conector recto 13"/>
           <p:cNvSpPr/>
           <p:nvPr/>
         </p:nvSpPr>
@@ -34911,7 +34716,7 @@
       </p:sp>
       <p:sp>
         <p:nvSpPr>
-          <p:cNvPr id="560" name="Conector recto 14"/>
+          <p:cNvPr id="539" name="Conector recto 14"/>
           <p:cNvSpPr/>
           <p:nvPr/>
         </p:nvSpPr>
@@ -34945,7 +34750,7 @@
       </p:sp>
       <p:sp>
         <p:nvSpPr>
-          <p:cNvPr id="561" name="Conector recto 15"/>
+          <p:cNvPr id="540" name="Conector recto 15"/>
           <p:cNvSpPr/>
           <p:nvPr/>
         </p:nvSpPr>
@@ -34979,7 +34784,7 @@
       </p:sp>
       <p:sp>
         <p:nvSpPr>
-          <p:cNvPr id="562" name="Conector recto 16"/>
+          <p:cNvPr id="541" name="Conector recto 16"/>
           <p:cNvSpPr/>
           <p:nvPr/>
         </p:nvSpPr>
@@ -35013,7 +34818,7 @@
       </p:sp>
       <p:sp>
         <p:nvSpPr>
-          <p:cNvPr id="563" name="Conector recto 17"/>
+          <p:cNvPr id="542" name="Conector recto 17"/>
           <p:cNvSpPr/>
           <p:nvPr/>
         </p:nvSpPr>
@@ -35047,7 +34852,7 @@
       </p:sp>
       <p:sp>
         <p:nvSpPr>
-          <p:cNvPr id="564" name="Flecha: a la izquierda y arriba 23"/>
+          <p:cNvPr id="543" name="Flecha: a la izquierda y arriba 23"/>
           <p:cNvSpPr/>
           <p:nvPr/>
         </p:nvSpPr>
@@ -35090,7 +34895,7 @@
       </p:sp>
       <p:sp>
         <p:nvSpPr>
-          <p:cNvPr id="565" name="CuadroTexto 24"/>
+          <p:cNvPr id="544" name="CuadroTexto 24"/>
           <p:cNvSpPr/>
           <p:nvPr/>
         </p:nvSpPr>
@@ -35148,14 +34953,14 @@
       </p:sp>
       <p:sp>
         <p:nvSpPr>
-          <p:cNvPr id="566" name="Conector recto de flecha 28"/>
+          <p:cNvPr id="545" name="Conector recto de flecha 28"/>
           <p:cNvSpPr/>
           <p:nvPr/>
         </p:nvSpPr>
         <p:spPr>
           <a:xfrm flipH="1">
-            <a:off x="4981680" y="1158120"/>
-            <a:ext cx="48960" cy="959400"/>
+            <a:off x="3772080" y="1158120"/>
+            <a:ext cx="1258560" cy="295560"/>
           </a:xfrm>
           <a:custGeom>
             <a:avLst/>
@@ -35198,7 +35003,7 @@
       </p:sp>
       <p:sp>
         <p:nvSpPr>
-          <p:cNvPr id="567" name="CuadroTexto 30"/>
+          <p:cNvPr id="546" name="CuadroTexto 30"/>
           <p:cNvSpPr/>
           <p:nvPr/>
         </p:nvSpPr>
@@ -35256,7 +35061,7 @@
       </p:sp>
       <p:sp>
         <p:nvSpPr>
-          <p:cNvPr id="568" name="Flecha: curvada hacia arriba 31"/>
+          <p:cNvPr id="547" name="Flecha: curvada hacia arriba 31"/>
           <p:cNvSpPr/>
           <p:nvPr/>
         </p:nvSpPr>
@@ -35299,7 +35104,7 @@
       </p:sp>
       <p:sp>
         <p:nvSpPr>
-          <p:cNvPr id="569" name="Símbolo &quot;No permitido&quot; 2"/>
+          <p:cNvPr id="548" name="Símbolo &quot;No permitido&quot; 2"/>
           <p:cNvSpPr/>
           <p:nvPr/>
         </p:nvSpPr>
@@ -35598,7 +35403,7 @@
       </p:grpSpPr>
       <p:sp>
         <p:nvSpPr>
-          <p:cNvPr id="570" name="Elipse 3"/>
+          <p:cNvPr id="549" name="Elipse 3"/>
           <p:cNvSpPr/>
           <p:nvPr/>
         </p:nvSpPr>
@@ -35663,7 +35468,7 @@
       </p:sp>
       <p:sp>
         <p:nvSpPr>
-          <p:cNvPr id="571" name="Elipse 4"/>
+          <p:cNvPr id="550" name="Elipse 4"/>
           <p:cNvSpPr/>
           <p:nvPr/>
         </p:nvSpPr>
@@ -35728,7 +35533,7 @@
       </p:sp>
       <p:sp>
         <p:nvSpPr>
-          <p:cNvPr id="572" name="Elipse 5"/>
+          <p:cNvPr id="551" name="Elipse 5"/>
           <p:cNvSpPr/>
           <p:nvPr/>
         </p:nvSpPr>
@@ -35793,7 +35598,7 @@
       </p:sp>
       <p:sp>
         <p:nvSpPr>
-          <p:cNvPr id="573" name="Elipse 6"/>
+          <p:cNvPr id="552" name="Elipse 6"/>
           <p:cNvSpPr/>
           <p:nvPr/>
         </p:nvSpPr>
@@ -35806,7 +35611,7 @@
             <a:avLst/>
           </a:prstGeom>
           <a:solidFill>
-            <a:srgbClr val="92D050"/>
+            <a:schemeClr val="accent1"/>
           </a:solidFill>
           <a:ln cap="rnd">
             <a:solidFill>
@@ -35858,7 +35663,7 @@
       </p:sp>
       <p:sp>
         <p:nvSpPr>
-          <p:cNvPr id="574" name="Elipse 7"/>
+          <p:cNvPr id="553" name="Elipse 7"/>
           <p:cNvSpPr/>
           <p:nvPr/>
         </p:nvSpPr>
@@ -35923,7 +35728,7 @@
       </p:sp>
       <p:sp>
         <p:nvSpPr>
-          <p:cNvPr id="575" name="Elipse 8"/>
+          <p:cNvPr id="554" name="Elipse 8"/>
           <p:cNvSpPr/>
           <p:nvPr/>
         </p:nvSpPr>
@@ -35988,7 +35793,7 @@
       </p:sp>
       <p:sp>
         <p:nvSpPr>
-          <p:cNvPr id="576" name="Conector recto 9"/>
+          <p:cNvPr id="555" name="Conector recto 9"/>
           <p:cNvSpPr/>
           <p:nvPr/>
         </p:nvSpPr>
@@ -36022,7 +35827,7 @@
       </p:sp>
       <p:sp>
         <p:nvSpPr>
-          <p:cNvPr id="577" name="Conector recto 10"/>
+          <p:cNvPr id="556" name="Conector recto 10"/>
           <p:cNvSpPr/>
           <p:nvPr/>
         </p:nvSpPr>
@@ -36056,7 +35861,7 @@
       </p:sp>
       <p:sp>
         <p:nvSpPr>
-          <p:cNvPr id="578" name="Conector recto 11"/>
+          <p:cNvPr id="557" name="Conector recto 11"/>
           <p:cNvSpPr/>
           <p:nvPr/>
         </p:nvSpPr>
@@ -36090,7 +35895,7 @@
       </p:sp>
       <p:sp>
         <p:nvSpPr>
-          <p:cNvPr id="579" name="Conector recto 12"/>
+          <p:cNvPr id="558" name="Conector recto 12"/>
           <p:cNvSpPr/>
           <p:nvPr/>
         </p:nvSpPr>
@@ -36124,7 +35929,7 @@
       </p:sp>
       <p:sp>
         <p:nvSpPr>
-          <p:cNvPr id="580" name="Conector recto 13"/>
+          <p:cNvPr id="559" name="Conector recto 13"/>
           <p:cNvSpPr/>
           <p:nvPr/>
         </p:nvSpPr>
@@ -36158,7 +35963,7 @@
       </p:sp>
       <p:sp>
         <p:nvSpPr>
-          <p:cNvPr id="581" name="Conector recto 14"/>
+          <p:cNvPr id="560" name="Conector recto 14"/>
           <p:cNvSpPr/>
           <p:nvPr/>
         </p:nvSpPr>
@@ -36192,7 +35997,7 @@
       </p:sp>
       <p:sp>
         <p:nvSpPr>
-          <p:cNvPr id="582" name="Conector recto 15"/>
+          <p:cNvPr id="561" name="Conector recto 15"/>
           <p:cNvSpPr/>
           <p:nvPr/>
         </p:nvSpPr>
@@ -36226,7 +36031,7 @@
       </p:sp>
       <p:sp>
         <p:nvSpPr>
-          <p:cNvPr id="583" name="Conector recto 16"/>
+          <p:cNvPr id="562" name="Conector recto 16"/>
           <p:cNvSpPr/>
           <p:nvPr/>
         </p:nvSpPr>
@@ -36260,7 +36065,7 @@
       </p:sp>
       <p:sp>
         <p:nvSpPr>
-          <p:cNvPr id="584" name="Conector recto 17"/>
+          <p:cNvPr id="563" name="Conector recto 17"/>
           <p:cNvSpPr/>
           <p:nvPr/>
         </p:nvSpPr>
@@ -36294,7 +36099,50 @@
       </p:sp>
       <p:sp>
         <p:nvSpPr>
-          <p:cNvPr id="585" name="CuadroTexto 24"/>
+          <p:cNvPr id="564" name="Flecha: a la izquierda y arriba 23"/>
+          <p:cNvSpPr/>
+          <p:nvPr/>
+        </p:nvSpPr>
+        <p:spPr>
+          <a:xfrm flipH="1">
+            <a:off x="4962600" y="162360"/>
+            <a:ext cx="1761840" cy="1057320"/>
+          </a:xfrm>
+          <a:prstGeom prst="leftUpArrow">
+            <a:avLst>
+              <a:gd name="adj1" fmla="val 32"/>
+              <a:gd name="adj2" fmla="val 2680"/>
+              <a:gd name="adj3" fmla="val 11759"/>
+            </a:avLst>
+          </a:prstGeom>
+          <a:solidFill>
+            <a:schemeClr val="accent4"/>
+          </a:solidFill>
+          <a:ln cap="rnd">
+            <a:solidFill>
+              <a:srgbClr val="10CF9B"/>
+            </a:solidFill>
+            <a:round/>
+          </a:ln>
+        </p:spPr>
+        <p:style>
+          <a:lnRef idx="2">
+            <a:schemeClr val="accent1">
+              <a:shade val="50000"/>
+            </a:schemeClr>
+          </a:lnRef>
+          <a:fillRef idx="1">
+            <a:schemeClr val="accent1"/>
+          </a:fillRef>
+          <a:effectRef idx="0">
+            <a:schemeClr val="accent1"/>
+          </a:effectRef>
+          <a:fontRef idx="minor"/>
+        </p:style>
+      </p:sp>
+      <p:sp>
+        <p:nvSpPr>
+          <p:cNvPr id="565" name="CuadroTexto 24"/>
           <p:cNvSpPr/>
           <p:nvPr/>
         </p:nvSpPr>
@@ -36342,7 +36190,7 @@
                 </a:solidFill>
                 <a:latin typeface="Trebuchet MS"/>
               </a:rPr>
-              <a:t>Actual Path: 3-&gt;2 </a:t>
+              <a:t>Actual Path: 3 </a:t>
             </a:r>
             <a:endParaRPr lang="en-US" sz="1800" b="0" strike="noStrike" spc="-1">
               <a:latin typeface="Arial"/>
@@ -36352,14 +36200,14 @@
       </p:sp>
       <p:sp>
         <p:nvSpPr>
-          <p:cNvPr id="586" name="Conector recto de flecha 28"/>
+          <p:cNvPr id="566" name="Conector recto de flecha 28"/>
           <p:cNvSpPr/>
           <p:nvPr/>
         </p:nvSpPr>
         <p:spPr>
-          <a:xfrm flipV="1">
-            <a:off x="4981680" y="2637360"/>
-            <a:ext cx="1927080" cy="310680"/>
+          <a:xfrm flipH="1">
+            <a:off x="4981680" y="1158120"/>
+            <a:ext cx="48960" cy="959400"/>
           </a:xfrm>
           <a:custGeom>
             <a:avLst/>
@@ -36402,13 +36250,13 @@
       </p:sp>
       <p:sp>
         <p:nvSpPr>
-          <p:cNvPr id="587" name="CuadroTexto 30"/>
+          <p:cNvPr id="567" name="CuadroTexto 30"/>
           <p:cNvSpPr/>
           <p:nvPr/>
         </p:nvSpPr>
         <p:spPr>
           <a:xfrm>
-            <a:off x="4826160" y="2743200"/>
+            <a:off x="4845240" y="963360"/>
             <a:ext cx="244440" cy="363960"/>
           </a:xfrm>
           <a:prstGeom prst="rect">
@@ -36450,13 +36298,97 @@
                 </a:solidFill>
                 <a:latin typeface="Trebuchet MS"/>
               </a:rPr>
-              <a:t>0</a:t>
+              <a:t>2</a:t>
             </a:r>
             <a:endParaRPr lang="en-US" sz="1800" b="0" strike="noStrike" spc="-1">
               <a:latin typeface="Arial"/>
             </a:endParaRPr>
           </a:p>
         </p:txBody>
+      </p:sp>
+      <p:sp>
+        <p:nvSpPr>
+          <p:cNvPr id="568" name="Flecha: curvada hacia arriba 31"/>
+          <p:cNvSpPr/>
+          <p:nvPr/>
+        </p:nvSpPr>
+        <p:spPr>
+          <a:xfrm rot="16200000">
+            <a:off x="6673320" y="775440"/>
+            <a:ext cx="547560" cy="285480"/>
+          </a:xfrm>
+          <a:prstGeom prst="curvedUpArrow">
+            <a:avLst>
+              <a:gd name="adj1" fmla="val 0"/>
+              <a:gd name="adj2" fmla="val 50000"/>
+              <a:gd name="adj3" fmla="val 28334"/>
+            </a:avLst>
+          </a:prstGeom>
+          <a:solidFill>
+            <a:srgbClr val="0F6FC6"/>
+          </a:solidFill>
+          <a:ln cap="rnd">
+            <a:solidFill>
+              <a:srgbClr val="0B5292"/>
+            </a:solidFill>
+            <a:round/>
+          </a:ln>
+        </p:spPr>
+        <p:style>
+          <a:lnRef idx="2">
+            <a:schemeClr val="accent1">
+              <a:shade val="50000"/>
+            </a:schemeClr>
+          </a:lnRef>
+          <a:fillRef idx="1">
+            <a:schemeClr val="accent1"/>
+          </a:fillRef>
+          <a:effectRef idx="0">
+            <a:schemeClr val="accent1"/>
+          </a:effectRef>
+          <a:fontRef idx="minor"/>
+        </p:style>
+      </p:sp>
+      <p:sp>
+        <p:nvSpPr>
+          <p:cNvPr id="569" name="Símbolo &quot;No permitido&quot; 2"/>
+          <p:cNvSpPr/>
+          <p:nvPr/>
+        </p:nvSpPr>
+        <p:spPr>
+          <a:xfrm>
+            <a:off x="3101040" y="1454760"/>
+            <a:ext cx="443880" cy="450360"/>
+          </a:xfrm>
+          <a:prstGeom prst="noSmoking">
+            <a:avLst>
+              <a:gd name="adj" fmla="val 7941"/>
+            </a:avLst>
+          </a:prstGeom>
+          <a:solidFill>
+            <a:srgbClr val="FFC000"/>
+          </a:solidFill>
+          <a:ln cap="rnd">
+            <a:solidFill>
+              <a:srgbClr val="0B5292"/>
+            </a:solidFill>
+            <a:round/>
+          </a:ln>
+        </p:spPr>
+        <p:style>
+          <a:lnRef idx="2">
+            <a:schemeClr val="accent1">
+              <a:shade val="50000"/>
+            </a:schemeClr>
+          </a:lnRef>
+          <a:fillRef idx="1">
+            <a:schemeClr val="accent1"/>
+          </a:fillRef>
+          <a:effectRef idx="0">
+            <a:schemeClr val="accent1"/>
+          </a:effectRef>
+          <a:fontRef idx="minor"/>
+        </p:style>
       </p:sp>
     </p:spTree>
   </p:cSld>
@@ -36485,7 +36417,7 @@
       </p:grpSpPr>
       <p:sp>
         <p:nvSpPr>
-          <p:cNvPr id="588" name="Elipse 3"/>
+          <p:cNvPr id="570" name="Elipse 3"/>
           <p:cNvSpPr/>
           <p:nvPr/>
         </p:nvSpPr>
@@ -36550,7 +36482,7 @@
       </p:sp>
       <p:sp>
         <p:nvSpPr>
-          <p:cNvPr id="589" name="Elipse 4"/>
+          <p:cNvPr id="571" name="Elipse 4"/>
           <p:cNvSpPr/>
           <p:nvPr/>
         </p:nvSpPr>
@@ -36615,7 +36547,7 @@
       </p:sp>
       <p:sp>
         <p:nvSpPr>
-          <p:cNvPr id="590" name="Elipse 5"/>
+          <p:cNvPr id="572" name="Elipse 5"/>
           <p:cNvSpPr/>
           <p:nvPr/>
         </p:nvSpPr>
@@ -36680,7 +36612,7 @@
       </p:sp>
       <p:sp>
         <p:nvSpPr>
-          <p:cNvPr id="591" name="Elipse 6"/>
+          <p:cNvPr id="573" name="Elipse 6"/>
           <p:cNvSpPr/>
           <p:nvPr/>
         </p:nvSpPr>
@@ -36745,7 +36677,7 @@
       </p:sp>
       <p:sp>
         <p:nvSpPr>
-          <p:cNvPr id="592" name="Elipse 7"/>
+          <p:cNvPr id="574" name="Elipse 7"/>
           <p:cNvSpPr/>
           <p:nvPr/>
         </p:nvSpPr>
@@ -36810,7 +36742,7 @@
       </p:sp>
       <p:sp>
         <p:nvSpPr>
-          <p:cNvPr id="593" name="Elipse 8"/>
+          <p:cNvPr id="575" name="Elipse 8"/>
           <p:cNvSpPr/>
           <p:nvPr/>
         </p:nvSpPr>
@@ -36823,7 +36755,7 @@
             <a:avLst/>
           </a:prstGeom>
           <a:solidFill>
-            <a:srgbClr val="92D050"/>
+            <a:srgbClr val="0F6FC6"/>
           </a:solidFill>
           <a:ln cap="rnd">
             <a:solidFill>
@@ -36875,7 +36807,7 @@
       </p:sp>
       <p:sp>
         <p:nvSpPr>
-          <p:cNvPr id="594" name="Conector recto 9"/>
+          <p:cNvPr id="576" name="Conector recto 9"/>
           <p:cNvSpPr/>
           <p:nvPr/>
         </p:nvSpPr>
@@ -36909,7 +36841,7 @@
       </p:sp>
       <p:sp>
         <p:nvSpPr>
-          <p:cNvPr id="595" name="Conector recto 10"/>
+          <p:cNvPr id="577" name="Conector recto 10"/>
           <p:cNvSpPr/>
           <p:nvPr/>
         </p:nvSpPr>
@@ -36943,7 +36875,7 @@
       </p:sp>
       <p:sp>
         <p:nvSpPr>
-          <p:cNvPr id="596" name="Conector recto 11"/>
+          <p:cNvPr id="578" name="Conector recto 11"/>
           <p:cNvSpPr/>
           <p:nvPr/>
         </p:nvSpPr>
@@ -36977,7 +36909,7 @@
       </p:sp>
       <p:sp>
         <p:nvSpPr>
-          <p:cNvPr id="597" name="Conector recto 12"/>
+          <p:cNvPr id="579" name="Conector recto 12"/>
           <p:cNvSpPr/>
           <p:nvPr/>
         </p:nvSpPr>
@@ -37011,7 +36943,7 @@
       </p:sp>
       <p:sp>
         <p:nvSpPr>
-          <p:cNvPr id="598" name="Conector recto 13"/>
+          <p:cNvPr id="580" name="Conector recto 13"/>
           <p:cNvSpPr/>
           <p:nvPr/>
         </p:nvSpPr>
@@ -37045,7 +36977,7 @@
       </p:sp>
       <p:sp>
         <p:nvSpPr>
-          <p:cNvPr id="599" name="Conector recto 14"/>
+          <p:cNvPr id="581" name="Conector recto 14"/>
           <p:cNvSpPr/>
           <p:nvPr/>
         </p:nvSpPr>
@@ -37079,7 +37011,7 @@
       </p:sp>
       <p:sp>
         <p:nvSpPr>
-          <p:cNvPr id="600" name="Conector recto 15"/>
+          <p:cNvPr id="582" name="Conector recto 15"/>
           <p:cNvSpPr/>
           <p:nvPr/>
         </p:nvSpPr>
@@ -37113,7 +37045,7 @@
       </p:sp>
       <p:sp>
         <p:nvSpPr>
-          <p:cNvPr id="601" name="Conector recto 16"/>
+          <p:cNvPr id="583" name="Conector recto 16"/>
           <p:cNvSpPr/>
           <p:nvPr/>
         </p:nvSpPr>
@@ -37147,7 +37079,7 @@
       </p:sp>
       <p:sp>
         <p:nvSpPr>
-          <p:cNvPr id="602" name="Conector recto 17"/>
+          <p:cNvPr id="584" name="Conector recto 17"/>
           <p:cNvSpPr/>
           <p:nvPr/>
         </p:nvSpPr>
@@ -37181,7 +37113,7 @@
       </p:sp>
       <p:sp>
         <p:nvSpPr>
-          <p:cNvPr id="603" name="CuadroTexto 24"/>
+          <p:cNvPr id="585" name="CuadroTexto 24"/>
           <p:cNvSpPr/>
           <p:nvPr/>
         </p:nvSpPr>
@@ -37229,7 +37161,7 @@
                 </a:solidFill>
                 <a:latin typeface="Trebuchet MS"/>
               </a:rPr>
-              <a:t>Actual Path: 3-&gt;2-&gt;0 </a:t>
+              <a:t>Actual Path: 3-&gt;2 </a:t>
             </a:r>
             <a:endParaRPr lang="en-US" sz="1800" b="0" strike="noStrike" spc="-1">
               <a:latin typeface="Arial"/>
@@ -37239,7 +37171,7 @@
       </p:sp>
       <p:sp>
         <p:nvSpPr>
-          <p:cNvPr id="604" name="Conector recto de flecha 28"/>
+          <p:cNvPr id="586" name="Conector recto de flecha 28"/>
           <p:cNvSpPr/>
           <p:nvPr/>
         </p:nvSpPr>
@@ -37289,7 +37221,7 @@
       </p:sp>
       <p:sp>
         <p:nvSpPr>
-          <p:cNvPr id="605" name="CuadroTexto 30"/>
+          <p:cNvPr id="587" name="CuadroTexto 30"/>
           <p:cNvSpPr/>
           <p:nvPr/>
         </p:nvSpPr>
@@ -37372,7 +37304,7 @@
       </p:grpSpPr>
       <p:sp>
         <p:nvSpPr>
-          <p:cNvPr id="606" name="Elipse 3"/>
+          <p:cNvPr id="588" name="Elipse 3"/>
           <p:cNvSpPr/>
           <p:nvPr/>
         </p:nvSpPr>
@@ -37437,7 +37369,7 @@
       </p:sp>
       <p:sp>
         <p:nvSpPr>
-          <p:cNvPr id="607" name="Elipse 4"/>
+          <p:cNvPr id="589" name="Elipse 4"/>
           <p:cNvSpPr/>
           <p:nvPr/>
         </p:nvSpPr>
@@ -37502,7 +37434,7 @@
       </p:sp>
       <p:sp>
         <p:nvSpPr>
-          <p:cNvPr id="608" name="Elipse 5"/>
+          <p:cNvPr id="590" name="Elipse 5"/>
           <p:cNvSpPr/>
           <p:nvPr/>
         </p:nvSpPr>
@@ -37567,7 +37499,7 @@
       </p:sp>
       <p:sp>
         <p:nvSpPr>
-          <p:cNvPr id="609" name="Elipse 6"/>
+          <p:cNvPr id="591" name="Elipse 6"/>
           <p:cNvSpPr/>
           <p:nvPr/>
         </p:nvSpPr>
@@ -37632,7 +37564,7 @@
       </p:sp>
       <p:sp>
         <p:nvSpPr>
-          <p:cNvPr id="610" name="Elipse 7"/>
+          <p:cNvPr id="592" name="Elipse 7"/>
           <p:cNvSpPr/>
           <p:nvPr/>
         </p:nvSpPr>
@@ -37697,7 +37629,7 @@
       </p:sp>
       <p:sp>
         <p:nvSpPr>
-          <p:cNvPr id="611" name="Elipse 8"/>
+          <p:cNvPr id="593" name="Elipse 8"/>
           <p:cNvSpPr/>
           <p:nvPr/>
         </p:nvSpPr>
@@ -37762,7 +37694,7 @@
       </p:sp>
       <p:sp>
         <p:nvSpPr>
-          <p:cNvPr id="612" name="Conector recto 9"/>
+          <p:cNvPr id="594" name="Conector recto 9"/>
           <p:cNvSpPr/>
           <p:nvPr/>
         </p:nvSpPr>
@@ -37796,7 +37728,7 @@
       </p:sp>
       <p:sp>
         <p:nvSpPr>
-          <p:cNvPr id="613" name="Conector recto 10"/>
+          <p:cNvPr id="595" name="Conector recto 10"/>
           <p:cNvSpPr/>
           <p:nvPr/>
         </p:nvSpPr>
@@ -37830,7 +37762,7 @@
       </p:sp>
       <p:sp>
         <p:nvSpPr>
-          <p:cNvPr id="614" name="Conector recto 11"/>
+          <p:cNvPr id="596" name="Conector recto 11"/>
           <p:cNvSpPr/>
           <p:nvPr/>
         </p:nvSpPr>
@@ -37864,7 +37796,7 @@
       </p:sp>
       <p:sp>
         <p:nvSpPr>
-          <p:cNvPr id="615" name="Conector recto 12"/>
+          <p:cNvPr id="597" name="Conector recto 12"/>
           <p:cNvSpPr/>
           <p:nvPr/>
         </p:nvSpPr>
@@ -37898,7 +37830,7 @@
       </p:sp>
       <p:sp>
         <p:nvSpPr>
-          <p:cNvPr id="616" name="Conector recto 13"/>
+          <p:cNvPr id="598" name="Conector recto 13"/>
           <p:cNvSpPr/>
           <p:nvPr/>
         </p:nvSpPr>
@@ -37932,7 +37864,7 @@
       </p:sp>
       <p:sp>
         <p:nvSpPr>
-          <p:cNvPr id="617" name="Conector recto 14"/>
+          <p:cNvPr id="599" name="Conector recto 14"/>
           <p:cNvSpPr/>
           <p:nvPr/>
         </p:nvSpPr>
@@ -37966,7 +37898,7 @@
       </p:sp>
       <p:sp>
         <p:nvSpPr>
-          <p:cNvPr id="618" name="Conector recto 15"/>
+          <p:cNvPr id="600" name="Conector recto 15"/>
           <p:cNvSpPr/>
           <p:nvPr/>
         </p:nvSpPr>
@@ -38000,7 +37932,7 @@
       </p:sp>
       <p:sp>
         <p:nvSpPr>
-          <p:cNvPr id="619" name="Conector recto 16"/>
+          <p:cNvPr id="601" name="Conector recto 16"/>
           <p:cNvSpPr/>
           <p:nvPr/>
         </p:nvSpPr>
@@ -38034,7 +37966,7 @@
       </p:sp>
       <p:sp>
         <p:nvSpPr>
-          <p:cNvPr id="620" name="Conector recto 17"/>
+          <p:cNvPr id="602" name="Conector recto 17"/>
           <p:cNvSpPr/>
           <p:nvPr/>
         </p:nvSpPr>
@@ -38068,7 +38000,7 @@
       </p:sp>
       <p:sp>
         <p:nvSpPr>
-          <p:cNvPr id="621" name="CuadroTexto 24"/>
+          <p:cNvPr id="603" name="CuadroTexto 24"/>
           <p:cNvSpPr/>
           <p:nvPr/>
         </p:nvSpPr>
@@ -38126,14 +38058,14 @@
       </p:sp>
       <p:sp>
         <p:nvSpPr>
-          <p:cNvPr id="622" name="Conector recto de flecha 28"/>
+          <p:cNvPr id="604" name="Conector recto de flecha 28"/>
           <p:cNvSpPr/>
           <p:nvPr/>
         </p:nvSpPr>
         <p:spPr>
-          <a:xfrm flipH="1">
-            <a:off x="6730560" y="2428920"/>
-            <a:ext cx="407520" cy="1482840"/>
+          <a:xfrm flipV="1">
+            <a:off x="4981680" y="2637360"/>
+            <a:ext cx="1927080" cy="310680"/>
           </a:xfrm>
           <a:custGeom>
             <a:avLst/>
@@ -38176,13 +38108,13 @@
       </p:sp>
       <p:sp>
         <p:nvSpPr>
-          <p:cNvPr id="623" name="CuadroTexto 30"/>
+          <p:cNvPr id="605" name="CuadroTexto 30"/>
           <p:cNvSpPr/>
           <p:nvPr/>
         </p:nvSpPr>
         <p:spPr>
           <a:xfrm>
-            <a:off x="6963840" y="2235240"/>
+            <a:off x="4826160" y="2743200"/>
             <a:ext cx="244440" cy="363960"/>
           </a:xfrm>
           <a:prstGeom prst="rect">
@@ -38224,7 +38156,7 @@
                 </a:solidFill>
                 <a:latin typeface="Trebuchet MS"/>
               </a:rPr>
-              <a:t>1</a:t>
+              <a:t>0</a:t>
             </a:r>
             <a:endParaRPr lang="en-US" sz="1800" b="0" strike="noStrike" spc="-1">
               <a:latin typeface="Arial"/>
@@ -38259,7 +38191,7 @@
       </p:grpSpPr>
       <p:sp>
         <p:nvSpPr>
-          <p:cNvPr id="624" name="Elipse 3"/>
+          <p:cNvPr id="606" name="Elipse 3"/>
           <p:cNvSpPr/>
           <p:nvPr/>
         </p:nvSpPr>
@@ -38324,7 +38256,7 @@
       </p:sp>
       <p:sp>
         <p:nvSpPr>
-          <p:cNvPr id="625" name="Elipse 4"/>
+          <p:cNvPr id="607" name="Elipse 4"/>
           <p:cNvSpPr/>
           <p:nvPr/>
         </p:nvSpPr>
@@ -38389,7 +38321,7 @@
       </p:sp>
       <p:sp>
         <p:nvSpPr>
-          <p:cNvPr id="626" name="Elipse 5"/>
+          <p:cNvPr id="608" name="Elipse 5"/>
           <p:cNvSpPr/>
           <p:nvPr/>
         </p:nvSpPr>
@@ -38454,7 +38386,7 @@
       </p:sp>
       <p:sp>
         <p:nvSpPr>
-          <p:cNvPr id="627" name="Elipse 6"/>
+          <p:cNvPr id="609" name="Elipse 6"/>
           <p:cNvSpPr/>
           <p:nvPr/>
         </p:nvSpPr>
@@ -38519,7 +38451,7 @@
       </p:sp>
       <p:sp>
         <p:nvSpPr>
-          <p:cNvPr id="628" name="Elipse 7"/>
+          <p:cNvPr id="610" name="Elipse 7"/>
           <p:cNvSpPr/>
           <p:nvPr/>
         </p:nvSpPr>
@@ -38532,7 +38464,7 @@
             <a:avLst/>
           </a:prstGeom>
           <a:solidFill>
-            <a:srgbClr val="92D050"/>
+            <a:srgbClr val="0F6FC6"/>
           </a:solidFill>
           <a:ln cap="rnd">
             <a:solidFill>
@@ -38584,7 +38516,7 @@
       </p:sp>
       <p:sp>
         <p:nvSpPr>
-          <p:cNvPr id="629" name="Elipse 8"/>
+          <p:cNvPr id="611" name="Elipse 8"/>
           <p:cNvSpPr/>
           <p:nvPr/>
         </p:nvSpPr>
@@ -38649,7 +38581,7 @@
       </p:sp>
       <p:sp>
         <p:nvSpPr>
-          <p:cNvPr id="630" name="Conector recto 9"/>
+          <p:cNvPr id="612" name="Conector recto 9"/>
           <p:cNvSpPr/>
           <p:nvPr/>
         </p:nvSpPr>
@@ -38683,7 +38615,7 @@
       </p:sp>
       <p:sp>
         <p:nvSpPr>
-          <p:cNvPr id="631" name="Conector recto 10"/>
+          <p:cNvPr id="613" name="Conector recto 10"/>
           <p:cNvSpPr/>
           <p:nvPr/>
         </p:nvSpPr>
@@ -38717,7 +38649,7 @@
       </p:sp>
       <p:sp>
         <p:nvSpPr>
-          <p:cNvPr id="632" name="Conector recto 11"/>
+          <p:cNvPr id="614" name="Conector recto 11"/>
           <p:cNvSpPr/>
           <p:nvPr/>
         </p:nvSpPr>
@@ -38751,7 +38683,7 @@
       </p:sp>
       <p:sp>
         <p:nvSpPr>
-          <p:cNvPr id="633" name="Conector recto 12"/>
+          <p:cNvPr id="615" name="Conector recto 12"/>
           <p:cNvSpPr/>
           <p:nvPr/>
         </p:nvSpPr>
@@ -38785,7 +38717,7 @@
       </p:sp>
       <p:sp>
         <p:nvSpPr>
-          <p:cNvPr id="634" name="Conector recto 13"/>
+          <p:cNvPr id="616" name="Conector recto 13"/>
           <p:cNvSpPr/>
           <p:nvPr/>
         </p:nvSpPr>
@@ -38819,7 +38751,7 @@
       </p:sp>
       <p:sp>
         <p:nvSpPr>
-          <p:cNvPr id="635" name="Conector recto 14"/>
+          <p:cNvPr id="617" name="Conector recto 14"/>
           <p:cNvSpPr/>
           <p:nvPr/>
         </p:nvSpPr>
@@ -38853,7 +38785,7 @@
       </p:sp>
       <p:sp>
         <p:nvSpPr>
-          <p:cNvPr id="636" name="Conector recto 15"/>
+          <p:cNvPr id="618" name="Conector recto 15"/>
           <p:cNvSpPr/>
           <p:nvPr/>
         </p:nvSpPr>
@@ -38887,7 +38819,7 @@
       </p:sp>
       <p:sp>
         <p:nvSpPr>
-          <p:cNvPr id="637" name="Conector recto 16"/>
+          <p:cNvPr id="619" name="Conector recto 16"/>
           <p:cNvSpPr/>
           <p:nvPr/>
         </p:nvSpPr>
@@ -38921,7 +38853,7 @@
       </p:sp>
       <p:sp>
         <p:nvSpPr>
-          <p:cNvPr id="638" name="Conector recto 17"/>
+          <p:cNvPr id="620" name="Conector recto 17"/>
           <p:cNvSpPr/>
           <p:nvPr/>
         </p:nvSpPr>
@@ -38955,7 +38887,7 @@
       </p:sp>
       <p:sp>
         <p:nvSpPr>
-          <p:cNvPr id="639" name="CuadroTexto 24"/>
+          <p:cNvPr id="621" name="CuadroTexto 24"/>
           <p:cNvSpPr/>
           <p:nvPr/>
         </p:nvSpPr>
@@ -39003,7 +38935,7 @@
                 </a:solidFill>
                 <a:latin typeface="Trebuchet MS"/>
               </a:rPr>
-              <a:t>Actual Path: 3-&gt;2-&gt;0-&gt;1 </a:t>
+              <a:t>Actual Path: 3-&gt;2-&gt;0 </a:t>
             </a:r>
             <a:endParaRPr lang="en-US" sz="1800" b="0" strike="noStrike" spc="-1">
               <a:latin typeface="Arial"/>
@@ -39013,7 +38945,7 @@
       </p:sp>
       <p:sp>
         <p:nvSpPr>
-          <p:cNvPr id="640" name="Conector recto de flecha 28"/>
+          <p:cNvPr id="622" name="Conector recto de flecha 28"/>
           <p:cNvSpPr/>
           <p:nvPr/>
         </p:nvSpPr>
@@ -39063,7 +38995,7 @@
       </p:sp>
       <p:sp>
         <p:nvSpPr>
-          <p:cNvPr id="641" name="CuadroTexto 30"/>
+          <p:cNvPr id="623" name="CuadroTexto 30"/>
           <p:cNvSpPr/>
           <p:nvPr/>
         </p:nvSpPr>
@@ -39146,7 +39078,7 @@
       </p:grpSpPr>
       <p:sp>
         <p:nvSpPr>
-          <p:cNvPr id="642" name="Elipse 3"/>
+          <p:cNvPr id="624" name="Elipse 3"/>
           <p:cNvSpPr/>
           <p:nvPr/>
         </p:nvSpPr>
@@ -39211,7 +39143,7 @@
       </p:sp>
       <p:sp>
         <p:nvSpPr>
-          <p:cNvPr id="643" name="Elipse 4"/>
+          <p:cNvPr id="625" name="Elipse 4"/>
           <p:cNvSpPr/>
           <p:nvPr/>
         </p:nvSpPr>
@@ -39276,7 +39208,7 @@
       </p:sp>
       <p:sp>
         <p:nvSpPr>
-          <p:cNvPr id="644" name="Elipse 5"/>
+          <p:cNvPr id="626" name="Elipse 5"/>
           <p:cNvSpPr/>
           <p:nvPr/>
         </p:nvSpPr>
@@ -39341,7 +39273,7 @@
       </p:sp>
       <p:sp>
         <p:nvSpPr>
-          <p:cNvPr id="645" name="Elipse 6"/>
+          <p:cNvPr id="627" name="Elipse 6"/>
           <p:cNvSpPr/>
           <p:nvPr/>
         </p:nvSpPr>
@@ -39406,7 +39338,7 @@
       </p:sp>
       <p:sp>
         <p:nvSpPr>
-          <p:cNvPr id="646" name="Elipse 7"/>
+          <p:cNvPr id="628" name="Elipse 7"/>
           <p:cNvSpPr/>
           <p:nvPr/>
         </p:nvSpPr>
@@ -39471,7 +39403,7 @@
       </p:sp>
       <p:sp>
         <p:nvSpPr>
-          <p:cNvPr id="647" name="Elipse 8"/>
+          <p:cNvPr id="629" name="Elipse 8"/>
           <p:cNvSpPr/>
           <p:nvPr/>
         </p:nvSpPr>
@@ -39536,7 +39468,7 @@
       </p:sp>
       <p:sp>
         <p:nvSpPr>
-          <p:cNvPr id="648" name="Conector recto 9"/>
+          <p:cNvPr id="630" name="Conector recto 9"/>
           <p:cNvSpPr/>
           <p:nvPr/>
         </p:nvSpPr>
@@ -39570,7 +39502,7 @@
       </p:sp>
       <p:sp>
         <p:nvSpPr>
-          <p:cNvPr id="649" name="Conector recto 10"/>
+          <p:cNvPr id="631" name="Conector recto 10"/>
           <p:cNvSpPr/>
           <p:nvPr/>
         </p:nvSpPr>
@@ -39604,7 +39536,7 @@
       </p:sp>
       <p:sp>
         <p:nvSpPr>
-          <p:cNvPr id="650" name="Conector recto 11"/>
+          <p:cNvPr id="632" name="Conector recto 11"/>
           <p:cNvSpPr/>
           <p:nvPr/>
         </p:nvSpPr>
@@ -39638,7 +39570,7 @@
       </p:sp>
       <p:sp>
         <p:nvSpPr>
-          <p:cNvPr id="651" name="Conector recto 12"/>
+          <p:cNvPr id="633" name="Conector recto 12"/>
           <p:cNvSpPr/>
           <p:nvPr/>
         </p:nvSpPr>
@@ -39672,7 +39604,7 @@
       </p:sp>
       <p:sp>
         <p:nvSpPr>
-          <p:cNvPr id="652" name="Conector recto 13"/>
+          <p:cNvPr id="634" name="Conector recto 13"/>
           <p:cNvSpPr/>
           <p:nvPr/>
         </p:nvSpPr>
@@ -39706,7 +39638,7 @@
       </p:sp>
       <p:sp>
         <p:nvSpPr>
-          <p:cNvPr id="653" name="Conector recto 14"/>
+          <p:cNvPr id="635" name="Conector recto 14"/>
           <p:cNvSpPr/>
           <p:nvPr/>
         </p:nvSpPr>
@@ -39740,7 +39672,7 @@
       </p:sp>
       <p:sp>
         <p:nvSpPr>
-          <p:cNvPr id="654" name="Conector recto 15"/>
+          <p:cNvPr id="636" name="Conector recto 15"/>
           <p:cNvSpPr/>
           <p:nvPr/>
         </p:nvSpPr>
@@ -39774,7 +39706,7 @@
       </p:sp>
       <p:sp>
         <p:nvSpPr>
-          <p:cNvPr id="655" name="Conector recto 16"/>
+          <p:cNvPr id="637" name="Conector recto 16"/>
           <p:cNvSpPr/>
           <p:nvPr/>
         </p:nvSpPr>
@@ -39808,7 +39740,7 @@
       </p:sp>
       <p:sp>
         <p:nvSpPr>
-          <p:cNvPr id="656" name="Conector recto 17"/>
+          <p:cNvPr id="638" name="Conector recto 17"/>
           <p:cNvSpPr/>
           <p:nvPr/>
         </p:nvSpPr>
@@ -39842,7 +39774,7 @@
       </p:sp>
       <p:sp>
         <p:nvSpPr>
-          <p:cNvPr id="657" name="CuadroTexto 24"/>
+          <p:cNvPr id="639" name="CuadroTexto 24"/>
           <p:cNvSpPr/>
           <p:nvPr/>
         </p:nvSpPr>
@@ -39900,14 +39832,14 @@
       </p:sp>
       <p:sp>
         <p:nvSpPr>
-          <p:cNvPr id="658" name="Conector recto de flecha 28"/>
+          <p:cNvPr id="640" name="Conector recto de flecha 28"/>
           <p:cNvSpPr/>
           <p:nvPr/>
         </p:nvSpPr>
         <p:spPr>
           <a:xfrm flipH="1">
-            <a:off x="3609360" y="4127400"/>
-            <a:ext cx="2904840" cy="609120"/>
+            <a:off x="6730560" y="2428920"/>
+            <a:ext cx="407520" cy="1482840"/>
           </a:xfrm>
           <a:custGeom>
             <a:avLst/>
@@ -39950,13 +39882,13 @@
       </p:sp>
       <p:sp>
         <p:nvSpPr>
-          <p:cNvPr id="659" name="CuadroTexto 30"/>
+          <p:cNvPr id="641" name="CuadroTexto 30"/>
           <p:cNvSpPr/>
           <p:nvPr/>
         </p:nvSpPr>
         <p:spPr>
           <a:xfrm>
-            <a:off x="6367320" y="3945600"/>
+            <a:off x="6963840" y="2235240"/>
             <a:ext cx="244440" cy="363960"/>
           </a:xfrm>
           <a:prstGeom prst="rect">
@@ -39998,7 +39930,7 @@
                 </a:solidFill>
                 <a:latin typeface="Trebuchet MS"/>
               </a:rPr>
-              <a:t>5</a:t>
+              <a:t>1</a:t>
             </a:r>
             <a:endParaRPr lang="en-US" sz="1800" b="0" strike="noStrike" spc="-1">
               <a:latin typeface="Arial"/>
@@ -40033,7 +39965,7 @@
       </p:grpSpPr>
       <p:sp>
         <p:nvSpPr>
-          <p:cNvPr id="660" name="Elipse 3"/>
+          <p:cNvPr id="642" name="Elipse 3"/>
           <p:cNvSpPr/>
           <p:nvPr/>
         </p:nvSpPr>
@@ -40046,7 +39978,7 @@
             <a:avLst/>
           </a:prstGeom>
           <a:solidFill>
-            <a:srgbClr val="92D050"/>
+            <a:srgbClr val="0F6FC6"/>
           </a:solidFill>
           <a:ln cap="rnd">
             <a:solidFill>
@@ -40098,7 +40030,7 @@
       </p:sp>
       <p:sp>
         <p:nvSpPr>
-          <p:cNvPr id="661" name="Elipse 4"/>
+          <p:cNvPr id="643" name="Elipse 4"/>
           <p:cNvSpPr/>
           <p:nvPr/>
         </p:nvSpPr>
@@ -40163,7 +40095,7 @@
       </p:sp>
       <p:sp>
         <p:nvSpPr>
-          <p:cNvPr id="662" name="Elipse 5"/>
+          <p:cNvPr id="644" name="Elipse 5"/>
           <p:cNvSpPr/>
           <p:nvPr/>
         </p:nvSpPr>
@@ -40228,7 +40160,7 @@
       </p:sp>
       <p:sp>
         <p:nvSpPr>
-          <p:cNvPr id="663" name="Elipse 6"/>
+          <p:cNvPr id="645" name="Elipse 6"/>
           <p:cNvSpPr/>
           <p:nvPr/>
         </p:nvSpPr>
@@ -40293,7 +40225,7 @@
       </p:sp>
       <p:sp>
         <p:nvSpPr>
-          <p:cNvPr id="664" name="Elipse 7"/>
+          <p:cNvPr id="646" name="Elipse 7"/>
           <p:cNvSpPr/>
           <p:nvPr/>
         </p:nvSpPr>
@@ -40358,7 +40290,7 @@
       </p:sp>
       <p:sp>
         <p:nvSpPr>
-          <p:cNvPr id="665" name="Elipse 8"/>
+          <p:cNvPr id="647" name="Elipse 8"/>
           <p:cNvSpPr/>
           <p:nvPr/>
         </p:nvSpPr>
@@ -40423,7 +40355,7 @@
       </p:sp>
       <p:sp>
         <p:nvSpPr>
-          <p:cNvPr id="666" name="Conector recto 9"/>
+          <p:cNvPr id="648" name="Conector recto 9"/>
           <p:cNvSpPr/>
           <p:nvPr/>
         </p:nvSpPr>
@@ -40457,7 +40389,7 @@
       </p:sp>
       <p:sp>
         <p:nvSpPr>
-          <p:cNvPr id="667" name="Conector recto 10"/>
+          <p:cNvPr id="649" name="Conector recto 10"/>
           <p:cNvSpPr/>
           <p:nvPr/>
         </p:nvSpPr>
@@ -40491,7 +40423,7 @@
       </p:sp>
       <p:sp>
         <p:nvSpPr>
-          <p:cNvPr id="668" name="Conector recto 11"/>
+          <p:cNvPr id="650" name="Conector recto 11"/>
           <p:cNvSpPr/>
           <p:nvPr/>
         </p:nvSpPr>
@@ -40525,7 +40457,7 @@
       </p:sp>
       <p:sp>
         <p:nvSpPr>
-          <p:cNvPr id="669" name="Conector recto 12"/>
+          <p:cNvPr id="651" name="Conector recto 12"/>
           <p:cNvSpPr/>
           <p:nvPr/>
         </p:nvSpPr>
@@ -40559,7 +40491,7 @@
       </p:sp>
       <p:sp>
         <p:nvSpPr>
-          <p:cNvPr id="670" name="Conector recto 13"/>
+          <p:cNvPr id="652" name="Conector recto 13"/>
           <p:cNvSpPr/>
           <p:nvPr/>
         </p:nvSpPr>
@@ -40593,7 +40525,7 @@
       </p:sp>
       <p:sp>
         <p:nvSpPr>
-          <p:cNvPr id="671" name="Conector recto 14"/>
+          <p:cNvPr id="653" name="Conector recto 14"/>
           <p:cNvSpPr/>
           <p:nvPr/>
         </p:nvSpPr>
@@ -40627,7 +40559,7 @@
       </p:sp>
       <p:sp>
         <p:nvSpPr>
-          <p:cNvPr id="672" name="Conector recto 15"/>
+          <p:cNvPr id="654" name="Conector recto 15"/>
           <p:cNvSpPr/>
           <p:nvPr/>
         </p:nvSpPr>
@@ -40661,7 +40593,7 @@
       </p:sp>
       <p:sp>
         <p:nvSpPr>
-          <p:cNvPr id="673" name="Conector recto 16"/>
+          <p:cNvPr id="655" name="Conector recto 16"/>
           <p:cNvSpPr/>
           <p:nvPr/>
         </p:nvSpPr>
@@ -40695,7 +40627,7 @@
       </p:sp>
       <p:sp>
         <p:nvSpPr>
-          <p:cNvPr id="674" name="Conector recto 17"/>
+          <p:cNvPr id="656" name="Conector recto 17"/>
           <p:cNvSpPr/>
           <p:nvPr/>
         </p:nvSpPr>
@@ -40729,7 +40661,7 @@
       </p:sp>
       <p:sp>
         <p:nvSpPr>
-          <p:cNvPr id="675" name="CuadroTexto 24"/>
+          <p:cNvPr id="657" name="CuadroTexto 24"/>
           <p:cNvSpPr/>
           <p:nvPr/>
         </p:nvSpPr>
@@ -40777,7 +40709,7 @@
                 </a:solidFill>
                 <a:latin typeface="Trebuchet MS"/>
               </a:rPr>
-              <a:t>Actual Path: 3-&gt;2-&gt;0-&gt;1-&gt;5 </a:t>
+              <a:t>Actual Path: 3-&gt;2-&gt;0-&gt;1 </a:t>
             </a:r>
             <a:endParaRPr lang="en-US" sz="1800" b="0" strike="noStrike" spc="-1">
               <a:latin typeface="Arial"/>
@@ -40787,7 +40719,7 @@
       </p:sp>
       <p:sp>
         <p:nvSpPr>
-          <p:cNvPr id="676" name="Conector recto de flecha 28"/>
+          <p:cNvPr id="658" name="Conector recto de flecha 28"/>
           <p:cNvSpPr/>
           <p:nvPr/>
         </p:nvSpPr>
@@ -40837,7 +40769,7 @@
       </p:sp>
       <p:sp>
         <p:nvSpPr>
-          <p:cNvPr id="677" name="CuadroTexto 30"/>
+          <p:cNvPr id="659" name="CuadroTexto 30"/>
           <p:cNvSpPr/>
           <p:nvPr/>
         </p:nvSpPr>
@@ -40920,7 +40852,7 @@
       </p:grpSpPr>
       <p:sp>
         <p:nvSpPr>
-          <p:cNvPr id="678" name="Elipse 3"/>
+          <p:cNvPr id="660" name="Elipse 3"/>
           <p:cNvSpPr/>
           <p:nvPr/>
         </p:nvSpPr>
@@ -40985,7 +40917,7 @@
       </p:sp>
       <p:sp>
         <p:nvSpPr>
-          <p:cNvPr id="679" name="Elipse 4"/>
+          <p:cNvPr id="661" name="Elipse 4"/>
           <p:cNvSpPr/>
           <p:nvPr/>
         </p:nvSpPr>
@@ -40998,7 +40930,7 @@
             <a:avLst/>
           </a:prstGeom>
           <a:solidFill>
-            <a:schemeClr val="accent5"/>
+            <a:srgbClr val="0F6FC6"/>
           </a:solidFill>
           <a:ln cap="rnd">
             <a:solidFill>
@@ -41050,7 +40982,7 @@
       </p:sp>
       <p:sp>
         <p:nvSpPr>
-          <p:cNvPr id="680" name="Elipse 5"/>
+          <p:cNvPr id="662" name="Elipse 5"/>
           <p:cNvSpPr/>
           <p:nvPr/>
         </p:nvSpPr>
@@ -41115,7 +41047,7 @@
       </p:sp>
       <p:sp>
         <p:nvSpPr>
-          <p:cNvPr id="681" name="Elipse 6"/>
+          <p:cNvPr id="663" name="Elipse 6"/>
           <p:cNvSpPr/>
           <p:nvPr/>
         </p:nvSpPr>
@@ -41180,7 +41112,7 @@
       </p:sp>
       <p:sp>
         <p:nvSpPr>
-          <p:cNvPr id="682" name="Elipse 7"/>
+          <p:cNvPr id="664" name="Elipse 7"/>
           <p:cNvSpPr/>
           <p:nvPr/>
         </p:nvSpPr>
@@ -41245,7 +41177,7 @@
       </p:sp>
       <p:sp>
         <p:nvSpPr>
-          <p:cNvPr id="683" name="Elipse 8"/>
+          <p:cNvPr id="665" name="Elipse 8"/>
           <p:cNvSpPr/>
           <p:nvPr/>
         </p:nvSpPr>
@@ -41310,7 +41242,7 @@
       </p:sp>
       <p:sp>
         <p:nvSpPr>
-          <p:cNvPr id="684" name="Conector recto 9"/>
+          <p:cNvPr id="666" name="Conector recto 9"/>
           <p:cNvSpPr/>
           <p:nvPr/>
         </p:nvSpPr>
@@ -41344,7 +41276,7 @@
       </p:sp>
       <p:sp>
         <p:nvSpPr>
-          <p:cNvPr id="685" name="Conector recto 10"/>
+          <p:cNvPr id="667" name="Conector recto 10"/>
           <p:cNvSpPr/>
           <p:nvPr/>
         </p:nvSpPr>
@@ -41378,7 +41310,7 @@
       </p:sp>
       <p:sp>
         <p:nvSpPr>
-          <p:cNvPr id="686" name="Conector recto 11"/>
+          <p:cNvPr id="668" name="Conector recto 11"/>
           <p:cNvSpPr/>
           <p:nvPr/>
         </p:nvSpPr>
@@ -41412,7 +41344,7 @@
       </p:sp>
       <p:sp>
         <p:nvSpPr>
-          <p:cNvPr id="687" name="Conector recto 12"/>
+          <p:cNvPr id="669" name="Conector recto 12"/>
           <p:cNvSpPr/>
           <p:nvPr/>
         </p:nvSpPr>
@@ -41446,7 +41378,7 @@
       </p:sp>
       <p:sp>
         <p:nvSpPr>
-          <p:cNvPr id="688" name="Conector recto 13"/>
+          <p:cNvPr id="670" name="Conector recto 13"/>
           <p:cNvSpPr/>
           <p:nvPr/>
         </p:nvSpPr>
@@ -41480,7 +41412,7 @@
       </p:sp>
       <p:sp>
         <p:nvSpPr>
-          <p:cNvPr id="689" name="Conector recto 14"/>
+          <p:cNvPr id="671" name="Conector recto 14"/>
           <p:cNvSpPr/>
           <p:nvPr/>
         </p:nvSpPr>
@@ -41514,7 +41446,7 @@
       </p:sp>
       <p:sp>
         <p:nvSpPr>
-          <p:cNvPr id="690" name="Conector recto 15"/>
+          <p:cNvPr id="672" name="Conector recto 15"/>
           <p:cNvSpPr/>
           <p:nvPr/>
         </p:nvSpPr>
@@ -41548,7 +41480,7 @@
       </p:sp>
       <p:sp>
         <p:nvSpPr>
-          <p:cNvPr id="691" name="Conector recto 16"/>
+          <p:cNvPr id="673" name="Conector recto 16"/>
           <p:cNvSpPr/>
           <p:nvPr/>
         </p:nvSpPr>
@@ -41582,7 +41514,7 @@
       </p:sp>
       <p:sp>
         <p:nvSpPr>
-          <p:cNvPr id="692" name="Conector recto 17"/>
+          <p:cNvPr id="674" name="Conector recto 17"/>
           <p:cNvSpPr/>
           <p:nvPr/>
         </p:nvSpPr>
@@ -41616,7 +41548,7 @@
       </p:sp>
       <p:sp>
         <p:nvSpPr>
-          <p:cNvPr id="693" name="CuadroTexto 24"/>
+          <p:cNvPr id="675" name="CuadroTexto 24"/>
           <p:cNvSpPr/>
           <p:nvPr/>
         </p:nvSpPr>
@@ -41664,7 +41596,7 @@
                 </a:solidFill>
                 <a:latin typeface="Trebuchet MS"/>
               </a:rPr>
-              <a:t>Actual Path: 3-&gt;2-&gt;0-&gt;1-&gt;5-&gt;4 </a:t>
+              <a:t>Actual Path: 3-&gt;2-&gt;0-&gt;1-&gt;5 </a:t>
             </a:r>
             <a:endParaRPr lang="en-US" sz="1800" b="0" strike="noStrike" spc="-1">
               <a:latin typeface="Arial"/>
@@ -41674,14 +41606,14 @@
       </p:sp>
       <p:sp>
         <p:nvSpPr>
-          <p:cNvPr id="694" name="Conector recto de flecha 28"/>
+          <p:cNvPr id="676" name="Conector recto de flecha 28"/>
           <p:cNvSpPr/>
           <p:nvPr/>
         </p:nvSpPr>
         <p:spPr>
-          <a:xfrm flipV="1">
-            <a:off x="3371760" y="4127400"/>
-            <a:ext cx="1323720" cy="609120"/>
+          <a:xfrm flipH="1">
+            <a:off x="3609360" y="4127400"/>
+            <a:ext cx="2904840" cy="609120"/>
           </a:xfrm>
           <a:custGeom>
             <a:avLst/>
@@ -41724,7 +41656,7 @@
       </p:sp>
       <p:sp>
         <p:nvSpPr>
-          <p:cNvPr id="695" name="CuadroTexto 30"/>
+          <p:cNvPr id="677" name="CuadroTexto 30"/>
           <p:cNvSpPr/>
           <p:nvPr/>
         </p:nvSpPr>
@@ -41807,6 +41739,893 @@
       </p:grpSpPr>
       <p:sp>
         <p:nvSpPr>
+          <p:cNvPr id="678" name="Elipse 3"/>
+          <p:cNvSpPr/>
+          <p:nvPr/>
+        </p:nvSpPr>
+        <p:spPr>
+          <a:xfrm>
+            <a:off x="6210360" y="3822840"/>
+            <a:ext cx="609120" cy="609120"/>
+          </a:xfrm>
+          <a:prstGeom prst="ellipse">
+            <a:avLst/>
+          </a:prstGeom>
+          <a:solidFill>
+            <a:srgbClr val="92D050"/>
+          </a:solidFill>
+          <a:ln cap="rnd">
+            <a:solidFill>
+              <a:srgbClr val="0B5292"/>
+            </a:solidFill>
+            <a:round/>
+          </a:ln>
+        </p:spPr>
+        <p:style>
+          <a:lnRef idx="2">
+            <a:schemeClr val="accent1">
+              <a:shade val="50000"/>
+            </a:schemeClr>
+          </a:lnRef>
+          <a:fillRef idx="1">
+            <a:schemeClr val="accent1"/>
+          </a:fillRef>
+          <a:effectRef idx="0">
+            <a:schemeClr val="accent1"/>
+          </a:effectRef>
+          <a:fontRef idx="minor"/>
+        </p:style>
+        <p:txBody>
+          <a:bodyPr lIns="90000" tIns="45000" rIns="90000" bIns="45000" anchor="ctr">
+            <a:noAutofit/>
+          </a:bodyPr>
+          <a:lstStyle/>
+          <a:p>
+            <a:pPr algn="ctr">
+              <a:lnSpc>
+                <a:spcPct val="100000"/>
+              </a:lnSpc>
+              <a:buNone/>
+            </a:pPr>
+            <a:r>
+              <a:rPr lang="en-US" sz="1800" b="0" strike="noStrike" spc="-1">
+                <a:solidFill>
+                  <a:srgbClr val="FFFFFF"/>
+                </a:solidFill>
+                <a:latin typeface="Trebuchet MS"/>
+              </a:rPr>
+              <a:t>5</a:t>
+            </a:r>
+            <a:endParaRPr lang="en-US" sz="1800" b="0" strike="noStrike" spc="-1">
+              <a:latin typeface="Arial"/>
+            </a:endParaRPr>
+          </a:p>
+        </p:txBody>
+      </p:sp>
+      <p:sp>
+        <p:nvSpPr>
+          <p:cNvPr id="679" name="Elipse 4"/>
+          <p:cNvSpPr/>
+          <p:nvPr/>
+        </p:nvSpPr>
+        <p:spPr>
+          <a:xfrm>
+            <a:off x="3000240" y="4432320"/>
+            <a:ext cx="609120" cy="609120"/>
+          </a:xfrm>
+          <a:prstGeom prst="ellipse">
+            <a:avLst/>
+          </a:prstGeom>
+          <a:solidFill>
+            <a:schemeClr val="accent5"/>
+          </a:solidFill>
+          <a:ln cap="rnd">
+            <a:solidFill>
+              <a:srgbClr val="0B5292"/>
+            </a:solidFill>
+            <a:round/>
+          </a:ln>
+        </p:spPr>
+        <p:style>
+          <a:lnRef idx="2">
+            <a:schemeClr val="accent1">
+              <a:shade val="50000"/>
+            </a:schemeClr>
+          </a:lnRef>
+          <a:fillRef idx="1">
+            <a:schemeClr val="accent1"/>
+          </a:fillRef>
+          <a:effectRef idx="0">
+            <a:schemeClr val="accent1"/>
+          </a:effectRef>
+          <a:fontRef idx="minor"/>
+        </p:style>
+        <p:txBody>
+          <a:bodyPr lIns="90000" tIns="45000" rIns="90000" bIns="45000" anchor="ctr">
+            <a:noAutofit/>
+          </a:bodyPr>
+          <a:lstStyle/>
+          <a:p>
+            <a:pPr algn="ctr">
+              <a:lnSpc>
+                <a:spcPct val="100000"/>
+              </a:lnSpc>
+              <a:buNone/>
+            </a:pPr>
+            <a:r>
+              <a:rPr lang="en-US" sz="1800" b="0" strike="noStrike" spc="-1">
+                <a:solidFill>
+                  <a:srgbClr val="FFFFFF"/>
+                </a:solidFill>
+                <a:latin typeface="Trebuchet MS"/>
+              </a:rPr>
+              <a:t>4</a:t>
+            </a:r>
+            <a:endParaRPr lang="en-US" sz="1800" b="0" strike="noStrike" spc="-1">
+              <a:latin typeface="Arial"/>
+            </a:endParaRPr>
+          </a:p>
+        </p:txBody>
+      </p:sp>
+      <p:sp>
+        <p:nvSpPr>
+          <p:cNvPr id="680" name="Elipse 5"/>
+          <p:cNvSpPr/>
+          <p:nvPr/>
+        </p:nvSpPr>
+        <p:spPr>
+          <a:xfrm>
+            <a:off x="2108520" y="1812960"/>
+            <a:ext cx="609120" cy="609120"/>
+          </a:xfrm>
+          <a:prstGeom prst="ellipse">
+            <a:avLst/>
+          </a:prstGeom>
+          <a:solidFill>
+            <a:srgbClr val="92D050"/>
+          </a:solidFill>
+          <a:ln cap="rnd">
+            <a:solidFill>
+              <a:srgbClr val="0B5292"/>
+            </a:solidFill>
+            <a:round/>
+          </a:ln>
+        </p:spPr>
+        <p:style>
+          <a:lnRef idx="2">
+            <a:schemeClr val="accent1">
+              <a:shade val="50000"/>
+            </a:schemeClr>
+          </a:lnRef>
+          <a:fillRef idx="1">
+            <a:schemeClr val="accent1"/>
+          </a:fillRef>
+          <a:effectRef idx="0">
+            <a:schemeClr val="accent1"/>
+          </a:effectRef>
+          <a:fontRef idx="minor"/>
+        </p:style>
+        <p:txBody>
+          <a:bodyPr lIns="90000" tIns="45000" rIns="90000" bIns="45000" anchor="ctr">
+            <a:noAutofit/>
+          </a:bodyPr>
+          <a:lstStyle/>
+          <a:p>
+            <a:pPr algn="ctr">
+              <a:lnSpc>
+                <a:spcPct val="100000"/>
+              </a:lnSpc>
+              <a:buNone/>
+            </a:pPr>
+            <a:r>
+              <a:rPr lang="en-US" sz="1800" b="0" strike="noStrike" spc="-1">
+                <a:solidFill>
+                  <a:srgbClr val="FFFFFF"/>
+                </a:solidFill>
+                <a:latin typeface="Trebuchet MS"/>
+              </a:rPr>
+              <a:t>3</a:t>
+            </a:r>
+            <a:endParaRPr lang="en-US" sz="1800" b="0" strike="noStrike" spc="-1">
+              <a:latin typeface="Arial"/>
+            </a:endParaRPr>
+          </a:p>
+        </p:txBody>
+      </p:sp>
+      <p:sp>
+        <p:nvSpPr>
+          <p:cNvPr id="681" name="Elipse 6"/>
+          <p:cNvSpPr/>
+          <p:nvPr/>
+        </p:nvSpPr>
+        <p:spPr>
+          <a:xfrm>
+            <a:off x="4695840" y="844560"/>
+            <a:ext cx="609120" cy="609120"/>
+          </a:xfrm>
+          <a:prstGeom prst="ellipse">
+            <a:avLst/>
+          </a:prstGeom>
+          <a:solidFill>
+            <a:srgbClr val="92D050"/>
+          </a:solidFill>
+          <a:ln cap="rnd">
+            <a:solidFill>
+              <a:srgbClr val="0B5292"/>
+            </a:solidFill>
+            <a:round/>
+          </a:ln>
+        </p:spPr>
+        <p:style>
+          <a:lnRef idx="2">
+            <a:schemeClr val="accent1">
+              <a:shade val="50000"/>
+            </a:schemeClr>
+          </a:lnRef>
+          <a:fillRef idx="1">
+            <a:schemeClr val="accent1"/>
+          </a:fillRef>
+          <a:effectRef idx="0">
+            <a:schemeClr val="accent1"/>
+          </a:effectRef>
+          <a:fontRef idx="minor"/>
+        </p:style>
+        <p:txBody>
+          <a:bodyPr lIns="90000" tIns="45000" rIns="90000" bIns="45000" anchor="ctr">
+            <a:noAutofit/>
+          </a:bodyPr>
+          <a:lstStyle/>
+          <a:p>
+            <a:pPr algn="ctr">
+              <a:lnSpc>
+                <a:spcPct val="100000"/>
+              </a:lnSpc>
+              <a:buNone/>
+            </a:pPr>
+            <a:r>
+              <a:rPr lang="en-US" sz="1800" b="0" strike="noStrike" spc="-1">
+                <a:solidFill>
+                  <a:srgbClr val="FFFFFF"/>
+                </a:solidFill>
+                <a:latin typeface="Trebuchet MS"/>
+              </a:rPr>
+              <a:t>2</a:t>
+            </a:r>
+            <a:endParaRPr lang="en-US" sz="1800" b="0" strike="noStrike" spc="-1">
+              <a:latin typeface="Arial"/>
+            </a:endParaRPr>
+          </a:p>
+        </p:txBody>
+      </p:sp>
+      <p:sp>
+        <p:nvSpPr>
+          <p:cNvPr id="682" name="Elipse 7"/>
+          <p:cNvSpPr/>
+          <p:nvPr/>
+        </p:nvSpPr>
+        <p:spPr>
+          <a:xfrm>
+            <a:off x="6819840" y="2117880"/>
+            <a:ext cx="609120" cy="609120"/>
+          </a:xfrm>
+          <a:prstGeom prst="ellipse">
+            <a:avLst/>
+          </a:prstGeom>
+          <a:solidFill>
+            <a:srgbClr val="92D050"/>
+          </a:solidFill>
+          <a:ln cap="rnd">
+            <a:solidFill>
+              <a:srgbClr val="0B5292"/>
+            </a:solidFill>
+            <a:round/>
+          </a:ln>
+        </p:spPr>
+        <p:style>
+          <a:lnRef idx="2">
+            <a:schemeClr val="accent1">
+              <a:shade val="50000"/>
+            </a:schemeClr>
+          </a:lnRef>
+          <a:fillRef idx="1">
+            <a:schemeClr val="accent1"/>
+          </a:fillRef>
+          <a:effectRef idx="0">
+            <a:schemeClr val="accent1"/>
+          </a:effectRef>
+          <a:fontRef idx="minor"/>
+        </p:style>
+        <p:txBody>
+          <a:bodyPr lIns="90000" tIns="45000" rIns="90000" bIns="45000" anchor="ctr">
+            <a:noAutofit/>
+          </a:bodyPr>
+          <a:lstStyle/>
+          <a:p>
+            <a:pPr algn="ctr">
+              <a:lnSpc>
+                <a:spcPct val="100000"/>
+              </a:lnSpc>
+              <a:buNone/>
+            </a:pPr>
+            <a:r>
+              <a:rPr lang="en-US" sz="1800" b="0" strike="noStrike" spc="-1">
+                <a:solidFill>
+                  <a:srgbClr val="FFFFFF"/>
+                </a:solidFill>
+                <a:latin typeface="Trebuchet MS"/>
+              </a:rPr>
+              <a:t>1</a:t>
+            </a:r>
+            <a:endParaRPr lang="en-US" sz="1800" b="0" strike="noStrike" spc="-1">
+              <a:latin typeface="Arial"/>
+            </a:endParaRPr>
+          </a:p>
+        </p:txBody>
+      </p:sp>
+      <p:sp>
+        <p:nvSpPr>
+          <p:cNvPr id="683" name="Elipse 8"/>
+          <p:cNvSpPr/>
+          <p:nvPr/>
+        </p:nvSpPr>
+        <p:spPr>
+          <a:xfrm>
+            <a:off x="4676760" y="2622600"/>
+            <a:ext cx="609120" cy="609120"/>
+          </a:xfrm>
+          <a:prstGeom prst="ellipse">
+            <a:avLst/>
+          </a:prstGeom>
+          <a:solidFill>
+            <a:srgbClr val="92D050"/>
+          </a:solidFill>
+          <a:ln cap="rnd">
+            <a:solidFill>
+              <a:srgbClr val="0B5292"/>
+            </a:solidFill>
+            <a:round/>
+          </a:ln>
+        </p:spPr>
+        <p:style>
+          <a:lnRef idx="2">
+            <a:schemeClr val="accent1">
+              <a:shade val="50000"/>
+            </a:schemeClr>
+          </a:lnRef>
+          <a:fillRef idx="1">
+            <a:schemeClr val="accent1"/>
+          </a:fillRef>
+          <a:effectRef idx="0">
+            <a:schemeClr val="accent1"/>
+          </a:effectRef>
+          <a:fontRef idx="minor"/>
+        </p:style>
+        <p:txBody>
+          <a:bodyPr lIns="90000" tIns="45000" rIns="90000" bIns="45000" anchor="ctr">
+            <a:noAutofit/>
+          </a:bodyPr>
+          <a:lstStyle/>
+          <a:p>
+            <a:pPr algn="ctr">
+              <a:lnSpc>
+                <a:spcPct val="100000"/>
+              </a:lnSpc>
+              <a:buNone/>
+            </a:pPr>
+            <a:r>
+              <a:rPr lang="en-US" sz="1800" b="0" strike="noStrike" spc="-1">
+                <a:solidFill>
+                  <a:srgbClr val="FFFFFF"/>
+                </a:solidFill>
+                <a:latin typeface="Trebuchet MS"/>
+              </a:rPr>
+              <a:t>0</a:t>
+            </a:r>
+            <a:endParaRPr lang="en-US" sz="1800" b="0" strike="noStrike" spc="-1">
+              <a:latin typeface="Arial"/>
+            </a:endParaRPr>
+          </a:p>
+        </p:txBody>
+      </p:sp>
+      <p:sp>
+        <p:nvSpPr>
+          <p:cNvPr id="684" name="Conector recto 9"/>
+          <p:cNvSpPr/>
+          <p:nvPr/>
+        </p:nvSpPr>
+        <p:spPr>
+          <a:xfrm flipH="1">
+            <a:off x="4981320" y="1454040"/>
+            <a:ext cx="19080" cy="1168200"/>
+          </a:xfrm>
+          <a:prstGeom prst="line">
+            <a:avLst/>
+          </a:prstGeom>
+          <a:ln w="31750" cap="rnd">
+            <a:solidFill>
+              <a:srgbClr val="0BD0D9"/>
+            </a:solidFill>
+            <a:round/>
+          </a:ln>
+        </p:spPr>
+        <p:style>
+          <a:lnRef idx="1">
+            <a:schemeClr val="accent1"/>
+          </a:lnRef>
+          <a:fillRef idx="0">
+            <a:schemeClr val="accent1"/>
+          </a:fillRef>
+          <a:effectRef idx="0">
+            <a:schemeClr val="accent1"/>
+          </a:effectRef>
+          <a:fontRef idx="minor"/>
+        </p:style>
+      </p:sp>
+      <p:sp>
+        <p:nvSpPr>
+          <p:cNvPr id="685" name="Conector recto 10"/>
+          <p:cNvSpPr/>
+          <p:nvPr/>
+        </p:nvSpPr>
+        <p:spPr>
+          <a:xfrm flipH="1">
+            <a:off x="5286240" y="2637720"/>
+            <a:ext cx="1622880" cy="289440"/>
+          </a:xfrm>
+          <a:prstGeom prst="line">
+            <a:avLst/>
+          </a:prstGeom>
+          <a:ln w="31750" cap="rnd">
+            <a:solidFill>
+              <a:srgbClr val="0BD0D9"/>
+            </a:solidFill>
+            <a:round/>
+          </a:ln>
+        </p:spPr>
+        <p:style>
+          <a:lnRef idx="1">
+            <a:schemeClr val="accent1"/>
+          </a:lnRef>
+          <a:fillRef idx="0">
+            <a:schemeClr val="accent1"/>
+          </a:fillRef>
+          <a:effectRef idx="0">
+            <a:schemeClr val="accent1"/>
+          </a:effectRef>
+          <a:fontRef idx="minor"/>
+        </p:style>
+      </p:sp>
+      <p:sp>
+        <p:nvSpPr>
+          <p:cNvPr id="686" name="Conector recto 11"/>
+          <p:cNvSpPr/>
+          <p:nvPr/>
+        </p:nvSpPr>
+        <p:spPr>
+          <a:xfrm>
+            <a:off x="2628720" y="2333160"/>
+            <a:ext cx="3581280" cy="1794240"/>
+          </a:xfrm>
+          <a:prstGeom prst="line">
+            <a:avLst/>
+          </a:prstGeom>
+          <a:ln w="31750" cap="rnd">
+            <a:solidFill>
+              <a:srgbClr val="0BD0D9"/>
+            </a:solidFill>
+            <a:round/>
+          </a:ln>
+        </p:spPr>
+        <p:style>
+          <a:lnRef idx="1">
+            <a:schemeClr val="accent1"/>
+          </a:lnRef>
+          <a:fillRef idx="0">
+            <a:schemeClr val="accent1"/>
+          </a:fillRef>
+          <a:effectRef idx="0">
+            <a:schemeClr val="accent1"/>
+          </a:effectRef>
+          <a:fontRef idx="minor"/>
+        </p:style>
+      </p:sp>
+      <p:sp>
+        <p:nvSpPr>
+          <p:cNvPr id="687" name="Conector recto 12"/>
+          <p:cNvSpPr/>
+          <p:nvPr/>
+        </p:nvSpPr>
+        <p:spPr>
+          <a:xfrm flipV="1">
+            <a:off x="3520440" y="3142800"/>
+            <a:ext cx="1245600" cy="1378440"/>
+          </a:xfrm>
+          <a:prstGeom prst="line">
+            <a:avLst/>
+          </a:prstGeom>
+          <a:ln w="31750" cap="rnd">
+            <a:solidFill>
+              <a:srgbClr val="0BD0D9"/>
+            </a:solidFill>
+            <a:round/>
+          </a:ln>
+        </p:spPr>
+        <p:style>
+          <a:lnRef idx="1">
+            <a:schemeClr val="accent1"/>
+          </a:lnRef>
+          <a:fillRef idx="0">
+            <a:schemeClr val="accent1"/>
+          </a:fillRef>
+          <a:effectRef idx="0">
+            <a:schemeClr val="accent1"/>
+          </a:effectRef>
+          <a:fontRef idx="minor"/>
+        </p:style>
+      </p:sp>
+      <p:sp>
+        <p:nvSpPr>
+          <p:cNvPr id="688" name="Conector recto 13"/>
+          <p:cNvSpPr/>
+          <p:nvPr/>
+        </p:nvSpPr>
+        <p:spPr>
+          <a:xfrm flipH="1">
+            <a:off x="3609720" y="4342680"/>
+            <a:ext cx="2689560" cy="394200"/>
+          </a:xfrm>
+          <a:prstGeom prst="line">
+            <a:avLst/>
+          </a:prstGeom>
+          <a:ln w="31750" cap="rnd">
+            <a:solidFill>
+              <a:srgbClr val="0BD0D9"/>
+            </a:solidFill>
+            <a:round/>
+          </a:ln>
+        </p:spPr>
+        <p:style>
+          <a:lnRef idx="1">
+            <a:schemeClr val="accent1"/>
+          </a:lnRef>
+          <a:fillRef idx="0">
+            <a:schemeClr val="accent1"/>
+          </a:fillRef>
+          <a:effectRef idx="0">
+            <a:schemeClr val="accent1"/>
+          </a:effectRef>
+          <a:fontRef idx="minor"/>
+        </p:style>
+      </p:sp>
+      <p:sp>
+        <p:nvSpPr>
+          <p:cNvPr id="689" name="Conector recto 14"/>
+          <p:cNvSpPr/>
+          <p:nvPr/>
+        </p:nvSpPr>
+        <p:spPr>
+          <a:xfrm flipH="1">
+            <a:off x="6730560" y="2727000"/>
+            <a:ext cx="393840" cy="1184760"/>
+          </a:xfrm>
+          <a:prstGeom prst="line">
+            <a:avLst/>
+          </a:prstGeom>
+          <a:ln w="31750" cap="rnd">
+            <a:solidFill>
+              <a:srgbClr val="0BD0D9"/>
+            </a:solidFill>
+            <a:round/>
+          </a:ln>
+        </p:spPr>
+        <p:style>
+          <a:lnRef idx="1">
+            <a:schemeClr val="accent1"/>
+          </a:lnRef>
+          <a:fillRef idx="0">
+            <a:schemeClr val="accent1"/>
+          </a:fillRef>
+          <a:effectRef idx="0">
+            <a:schemeClr val="accent1"/>
+          </a:effectRef>
+          <a:fontRef idx="minor"/>
+        </p:style>
+      </p:sp>
+      <p:sp>
+        <p:nvSpPr>
+          <p:cNvPr id="690" name="Conector recto 15"/>
+          <p:cNvSpPr/>
+          <p:nvPr/>
+        </p:nvSpPr>
+        <p:spPr>
+          <a:xfrm flipH="1" flipV="1">
+            <a:off x="5305320" y="1149120"/>
+            <a:ext cx="1603800" cy="1057680"/>
+          </a:xfrm>
+          <a:prstGeom prst="line">
+            <a:avLst/>
+          </a:prstGeom>
+          <a:ln w="31750" cap="rnd">
+            <a:solidFill>
+              <a:srgbClr val="0BD0D9"/>
+            </a:solidFill>
+            <a:round/>
+          </a:ln>
+        </p:spPr>
+        <p:style>
+          <a:lnRef idx="1">
+            <a:schemeClr val="accent1"/>
+          </a:lnRef>
+          <a:fillRef idx="0">
+            <a:schemeClr val="accent1"/>
+          </a:fillRef>
+          <a:effectRef idx="0">
+            <a:schemeClr val="accent1"/>
+          </a:effectRef>
+          <a:fontRef idx="minor"/>
+        </p:style>
+      </p:sp>
+      <p:sp>
+        <p:nvSpPr>
+          <p:cNvPr id="691" name="Conector recto 16"/>
+          <p:cNvSpPr/>
+          <p:nvPr/>
+        </p:nvSpPr>
+        <p:spPr>
+          <a:xfrm flipH="1">
+            <a:off x="2628720" y="1149120"/>
+            <a:ext cx="2066760" cy="752760"/>
+          </a:xfrm>
+          <a:prstGeom prst="line">
+            <a:avLst/>
+          </a:prstGeom>
+          <a:ln w="31750" cap="rnd">
+            <a:solidFill>
+              <a:srgbClr val="0BD0D9"/>
+            </a:solidFill>
+            <a:round/>
+          </a:ln>
+        </p:spPr>
+        <p:style>
+          <a:lnRef idx="1">
+            <a:schemeClr val="accent1"/>
+          </a:lnRef>
+          <a:fillRef idx="0">
+            <a:schemeClr val="accent1"/>
+          </a:fillRef>
+          <a:effectRef idx="0">
+            <a:schemeClr val="accent1"/>
+          </a:effectRef>
+          <a:fontRef idx="minor"/>
+        </p:style>
+      </p:sp>
+      <p:sp>
+        <p:nvSpPr>
+          <p:cNvPr id="692" name="Conector recto 17"/>
+          <p:cNvSpPr/>
+          <p:nvPr/>
+        </p:nvSpPr>
+        <p:spPr>
+          <a:xfrm>
+            <a:off x="2413440" y="2422440"/>
+            <a:ext cx="676080" cy="2098800"/>
+          </a:xfrm>
+          <a:prstGeom prst="line">
+            <a:avLst/>
+          </a:prstGeom>
+          <a:ln w="31750" cap="rnd">
+            <a:solidFill>
+              <a:srgbClr val="0BD0D9"/>
+            </a:solidFill>
+            <a:round/>
+          </a:ln>
+        </p:spPr>
+        <p:style>
+          <a:lnRef idx="1">
+            <a:schemeClr val="accent1"/>
+          </a:lnRef>
+          <a:fillRef idx="0">
+            <a:schemeClr val="accent1"/>
+          </a:fillRef>
+          <a:effectRef idx="0">
+            <a:schemeClr val="accent1"/>
+          </a:effectRef>
+          <a:fontRef idx="minor"/>
+        </p:style>
+      </p:sp>
+      <p:sp>
+        <p:nvSpPr>
+          <p:cNvPr id="693" name="CuadroTexto 24"/>
+          <p:cNvSpPr/>
+          <p:nvPr/>
+        </p:nvSpPr>
+        <p:spPr>
+          <a:xfrm>
+            <a:off x="571680" y="5686560"/>
+            <a:ext cx="4819320" cy="363960"/>
+          </a:xfrm>
+          <a:prstGeom prst="rect">
+            <a:avLst/>
+          </a:prstGeom>
+          <a:noFill/>
+          <a:ln w="0">
+            <a:noFill/>
+          </a:ln>
+        </p:spPr>
+        <p:style>
+          <a:lnRef idx="0">
+            <a:scrgbClr r="0" g="0" b="0"/>
+          </a:lnRef>
+          <a:fillRef idx="0">
+            <a:scrgbClr r="0" g="0" b="0"/>
+          </a:fillRef>
+          <a:effectRef idx="0">
+            <a:scrgbClr r="0" g="0" b="0"/>
+          </a:effectRef>
+          <a:fontRef idx="minor"/>
+        </p:style>
+        <p:txBody>
+          <a:bodyPr lIns="90000" tIns="45000" rIns="90000" bIns="45000" anchor="t">
+            <a:spAutoFit/>
+          </a:bodyPr>
+          <a:lstStyle/>
+          <a:p>
+            <a:pPr>
+              <a:lnSpc>
+                <a:spcPct val="100000"/>
+              </a:lnSpc>
+              <a:buNone/>
+            </a:pPr>
+            <a:r>
+              <a:rPr lang="en-US" sz="1800" b="0" strike="noStrike" spc="-1">
+                <a:solidFill>
+                  <a:srgbClr val="000000"/>
+                </a:solidFill>
+                <a:latin typeface="Trebuchet MS"/>
+              </a:rPr>
+              <a:t>Actual Path: 3-&gt;2-&gt;0-&gt;1-&gt;5-&gt;4 </a:t>
+            </a:r>
+            <a:endParaRPr lang="en-US" sz="1800" b="0" strike="noStrike" spc="-1">
+              <a:latin typeface="Arial"/>
+            </a:endParaRPr>
+          </a:p>
+        </p:txBody>
+      </p:sp>
+      <p:sp>
+        <p:nvSpPr>
+          <p:cNvPr id="694" name="Conector recto de flecha 28"/>
+          <p:cNvSpPr/>
+          <p:nvPr/>
+        </p:nvSpPr>
+        <p:spPr>
+          <a:xfrm flipV="1">
+            <a:off x="3371760" y="4127400"/>
+            <a:ext cx="1323720" cy="609120"/>
+          </a:xfrm>
+          <a:custGeom>
+            <a:avLst/>
+            <a:gdLst/>
+            <a:ahLst/>
+            <a:cxnLst/>
+            <a:rect l="l" t="t" r="r" b="b"/>
+            <a:pathLst>
+              <a:path w="21600" h="21600">
+                <a:moveTo>
+                  <a:pt x="0" y="0"/>
+                </a:moveTo>
+                <a:lnTo>
+                  <a:pt x="21600" y="21600"/>
+                </a:lnTo>
+              </a:path>
+            </a:pathLst>
+          </a:custGeom>
+          <a:noFill/>
+          <a:ln w="28575" cap="rnd">
+            <a:solidFill>
+              <a:srgbClr val="FF0000"/>
+            </a:solidFill>
+            <a:round/>
+            <a:tailEnd type="triangle" w="med" len="med"/>
+          </a:ln>
+        </p:spPr>
+        <p:style>
+          <a:lnRef idx="1">
+            <a:schemeClr val="accent1"/>
+          </a:lnRef>
+          <a:fillRef idx="0">
+            <a:schemeClr val="accent1"/>
+          </a:fillRef>
+          <a:effectRef idx="0">
+            <a:schemeClr val="accent1"/>
+          </a:effectRef>
+          <a:fontRef idx="minor"/>
+        </p:style>
+      </p:sp>
+      <p:sp>
+        <p:nvSpPr>
+          <p:cNvPr id="695" name="CuadroTexto 30"/>
+          <p:cNvSpPr/>
+          <p:nvPr/>
+        </p:nvSpPr>
+        <p:spPr>
+          <a:xfrm>
+            <a:off x="6367320" y="3945600"/>
+            <a:ext cx="244440" cy="363960"/>
+          </a:xfrm>
+          <a:prstGeom prst="rect">
+            <a:avLst/>
+          </a:prstGeom>
+          <a:noFill/>
+          <a:ln w="0">
+            <a:noFill/>
+          </a:ln>
+        </p:spPr>
+        <p:style>
+          <a:lnRef idx="0">
+            <a:scrgbClr r="0" g="0" b="0"/>
+          </a:lnRef>
+          <a:fillRef idx="0">
+            <a:scrgbClr r="0" g="0" b="0"/>
+          </a:fillRef>
+          <a:effectRef idx="0">
+            <a:scrgbClr r="0" g="0" b="0"/>
+          </a:effectRef>
+          <a:fontRef idx="minor"/>
+        </p:style>
+        <p:txBody>
+          <a:bodyPr lIns="90000" tIns="45000" rIns="90000" bIns="45000" anchor="t">
+            <a:spAutoFit/>
+          </a:bodyPr>
+          <a:lstStyle/>
+          <a:p>
+            <a:pPr>
+              <a:lnSpc>
+                <a:spcPct val="100000"/>
+              </a:lnSpc>
+              <a:buNone/>
+            </a:pPr>
+            <a:r>
+              <a:rPr lang="en-US" sz="1800" b="1" strike="noStrike" spc="-1">
+                <a:solidFill>
+                  <a:srgbClr val="FFFFFF"/>
+                </a:solidFill>
+                <a:latin typeface="Trebuchet MS"/>
+              </a:rPr>
+              <a:t>5</a:t>
+            </a:r>
+            <a:endParaRPr lang="en-US" sz="1800" b="0" strike="noStrike" spc="-1">
+              <a:latin typeface="Arial"/>
+            </a:endParaRPr>
+          </a:p>
+        </p:txBody>
+      </p:sp>
+    </p:spTree>
+  </p:cSld>
+  <p:clrMapOvr>
+    <a:masterClrMapping/>
+  </p:clrMapOvr>
+</p:sld>
+</file>
+
+<file path=ppt/slides/slide28.xml><?xml version="1.0" encoding="utf-8"?>
+<p:sld xmlns:a="http://schemas.openxmlformats.org/drawingml/2006/main" xmlns:r="http://schemas.openxmlformats.org/officeDocument/2006/relationships" xmlns:p="http://schemas.openxmlformats.org/presentationml/2006/main">
+  <p:cSld>
+    <p:spTree>
+      <p:nvGrpSpPr>
+        <p:cNvPr id="1" name=""/>
+        <p:cNvGrpSpPr/>
+        <p:nvPr/>
+      </p:nvGrpSpPr>
+      <p:grpSpPr>
+        <a:xfrm>
+          <a:off x="0" y="0"/>
+          <a:ext cx="0" cy="0"/>
+          <a:chOff x="0" y="0"/>
+          <a:chExt cx="0" cy="0"/>
+        </a:xfrm>
+      </p:grpSpPr>
+      <p:sp>
+        <p:nvSpPr>
           <p:cNvPr id="696" name="PlaceHolder 1"/>
           <p:cNvSpPr>
             <a:spLocks noGrp="1"/>
@@ -41971,7 +42790,7 @@
 </p:sld>
 </file>
 
-<file path=ppt/slides/slide28.xml><?xml version="1.0" encoding="utf-8"?>
+<file path=ppt/slides/slide29.xml><?xml version="1.0" encoding="utf-8"?>
 <p:sld xmlns:a="http://schemas.openxmlformats.org/drawingml/2006/main" xmlns:r="http://schemas.openxmlformats.org/officeDocument/2006/relationships" xmlns:p="http://schemas.openxmlformats.org/presentationml/2006/main">
   <p:cSld>
     <p:spTree>
@@ -43918,7 +44737,123 @@
 </p:sld>
 </file>
 
-<file path=ppt/slides/slide29.xml><?xml version="1.0" encoding="utf-8"?>
+<file path=ppt/slides/slide3.xml><?xml version="1.0" encoding="utf-8"?>
+<p:sld xmlns:a="http://schemas.openxmlformats.org/drawingml/2006/main" xmlns:r="http://schemas.openxmlformats.org/officeDocument/2006/relationships" xmlns:p="http://schemas.openxmlformats.org/presentationml/2006/main">
+  <p:cSld>
+    <p:spTree>
+      <p:nvGrpSpPr>
+        <p:cNvPr id="1" name=""/>
+        <p:cNvGrpSpPr/>
+        <p:nvPr/>
+      </p:nvGrpSpPr>
+      <p:grpSpPr>
+        <a:xfrm>
+          <a:off x="0" y="0"/>
+          <a:ext cx="0" cy="0"/>
+          <a:chOff x="0" y="0"/>
+          <a:chExt cx="0" cy="0"/>
+        </a:xfrm>
+      </p:grpSpPr>
+      <p:sp>
+        <p:nvSpPr>
+          <p:cNvPr id="379" name="PlaceHolder 1"/>
+          <p:cNvSpPr>
+            <a:spLocks noGrp="1"/>
+          </p:cNvSpPr>
+          <p:nvPr>
+            <p:ph type="title"/>
+          </p:nvPr>
+        </p:nvSpPr>
+        <p:spPr>
+          <a:xfrm>
+            <a:off x="677160" y="609480"/>
+            <a:ext cx="8596440" cy="1320480"/>
+          </a:xfrm>
+          <a:prstGeom prst="rect">
+            <a:avLst/>
+          </a:prstGeom>
+          <a:noFill/>
+          <a:ln w="0">
+            <a:noFill/>
+          </a:ln>
+        </p:spPr>
+        <p:txBody>
+          <a:bodyPr anchor="t">
+            <a:noAutofit/>
+          </a:bodyPr>
+          <a:lstStyle/>
+          <a:p>
+            <a:pPr>
+              <a:lnSpc>
+                <a:spcPct val="100000"/>
+              </a:lnSpc>
+              <a:buNone/>
+            </a:pPr>
+            <a:r>
+              <a:rPr lang="en-US" sz="3600" b="0" strike="noStrike" spc="-1">
+                <a:solidFill>
+                  <a:srgbClr val="0F6FC6"/>
+                </a:solidFill>
+                <a:latin typeface="Trebuchet MS"/>
+              </a:rPr>
+              <a:t>Introduction</a:t>
+            </a:r>
+            <a:endParaRPr lang="en-US" sz="3600" b="0" strike="noStrike" spc="-1">
+              <a:solidFill>
+                <a:srgbClr val="000000"/>
+              </a:solidFill>
+              <a:latin typeface="Trebuchet MS"/>
+            </a:endParaRPr>
+          </a:p>
+        </p:txBody>
+      </p:sp>
+      <p:sp>
+        <p:nvSpPr>
+          <p:cNvPr id="380" name="PlaceHolder 2"/>
+          <p:cNvSpPr>
+            <a:spLocks noGrp="1"/>
+          </p:cNvSpPr>
+          <p:nvPr>
+            <p:ph/>
+          </p:nvPr>
+        </p:nvSpPr>
+        <p:spPr>
+          <a:xfrm>
+            <a:off x="677160" y="2160720"/>
+            <a:ext cx="8596440" cy="3880440"/>
+          </a:xfrm>
+          <a:prstGeom prst="rect">
+            <a:avLst/>
+          </a:prstGeom>
+          <a:noFill/>
+          <a:ln w="0">
+            <a:noFill/>
+          </a:ln>
+        </p:spPr>
+        <p:txBody>
+          <a:bodyPr anchor="t">
+            <a:noAutofit/>
+          </a:bodyPr>
+          <a:lstStyle/>
+          <a:p>
+            <a:endParaRPr lang="en-US" sz="1800" b="0" strike="noStrike" spc="-1">
+              <a:solidFill>
+                <a:srgbClr val="404040"/>
+              </a:solidFill>
+              <a:latin typeface="Trebuchet MS"/>
+            </a:endParaRPr>
+          </a:p>
+        </p:txBody>
+      </p:sp>
+    </p:spTree>
+  </p:cSld>
+  <p:clrMapOvr>
+    <a:masterClrMapping/>
+  </p:clrMapOvr>
+</p:sld>
+</file>
+
+<file path=ppt/slides/slide30.xml><?xml version="1.0" encoding="utf-8"?>
 <p:sld xmlns:a="http://schemas.openxmlformats.org/drawingml/2006/main" xmlns:r="http://schemas.openxmlformats.org/officeDocument/2006/relationships" xmlns:p="http://schemas.openxmlformats.org/presentationml/2006/main">
   <p:cSld>
     <p:spTree>
@@ -46252,122 +47187,6 @@
 </p:sld>
 </file>
 
-<file path=ppt/slides/slide3.xml><?xml version="1.0" encoding="utf-8"?>
-<p:sld xmlns:a="http://schemas.openxmlformats.org/drawingml/2006/main" xmlns:r="http://schemas.openxmlformats.org/officeDocument/2006/relationships" xmlns:p="http://schemas.openxmlformats.org/presentationml/2006/main">
-  <p:cSld>
-    <p:spTree>
-      <p:nvGrpSpPr>
-        <p:cNvPr id="1" name=""/>
-        <p:cNvGrpSpPr/>
-        <p:nvPr/>
-      </p:nvGrpSpPr>
-      <p:grpSpPr>
-        <a:xfrm>
-          <a:off x="0" y="0"/>
-          <a:ext cx="0" cy="0"/>
-          <a:chOff x="0" y="0"/>
-          <a:chExt cx="0" cy="0"/>
-        </a:xfrm>
-      </p:grpSpPr>
-      <p:sp>
-        <p:nvSpPr>
-          <p:cNvPr id="379" name="PlaceHolder 1"/>
-          <p:cNvSpPr>
-            <a:spLocks noGrp="1"/>
-          </p:cNvSpPr>
-          <p:nvPr>
-            <p:ph type="title"/>
-          </p:nvPr>
-        </p:nvSpPr>
-        <p:spPr>
-          <a:xfrm>
-            <a:off x="677160" y="609480"/>
-            <a:ext cx="8596440" cy="1320480"/>
-          </a:xfrm>
-          <a:prstGeom prst="rect">
-            <a:avLst/>
-          </a:prstGeom>
-          <a:noFill/>
-          <a:ln w="0">
-            <a:noFill/>
-          </a:ln>
-        </p:spPr>
-        <p:txBody>
-          <a:bodyPr anchor="t">
-            <a:noAutofit/>
-          </a:bodyPr>
-          <a:lstStyle/>
-          <a:p>
-            <a:pPr>
-              <a:lnSpc>
-                <a:spcPct val="100000"/>
-              </a:lnSpc>
-              <a:buNone/>
-            </a:pPr>
-            <a:r>
-              <a:rPr lang="en-US" sz="3600" b="0" strike="noStrike" spc="-1">
-                <a:solidFill>
-                  <a:srgbClr val="0F6FC6"/>
-                </a:solidFill>
-                <a:latin typeface="Trebuchet MS"/>
-              </a:rPr>
-              <a:t>Introduction</a:t>
-            </a:r>
-            <a:endParaRPr lang="en-US" sz="3600" b="0" strike="noStrike" spc="-1">
-              <a:solidFill>
-                <a:srgbClr val="000000"/>
-              </a:solidFill>
-              <a:latin typeface="Trebuchet MS"/>
-            </a:endParaRPr>
-          </a:p>
-        </p:txBody>
-      </p:sp>
-      <p:sp>
-        <p:nvSpPr>
-          <p:cNvPr id="380" name="PlaceHolder 2"/>
-          <p:cNvSpPr>
-            <a:spLocks noGrp="1"/>
-          </p:cNvSpPr>
-          <p:nvPr>
-            <p:ph/>
-          </p:nvPr>
-        </p:nvSpPr>
-        <p:spPr>
-          <a:xfrm>
-            <a:off x="677160" y="2160720"/>
-            <a:ext cx="8596440" cy="3880440"/>
-          </a:xfrm>
-          <a:prstGeom prst="rect">
-            <a:avLst/>
-          </a:prstGeom>
-          <a:noFill/>
-          <a:ln w="0">
-            <a:noFill/>
-          </a:ln>
-        </p:spPr>
-        <p:txBody>
-          <a:bodyPr anchor="t">
-            <a:noAutofit/>
-          </a:bodyPr>
-          <a:lstStyle/>
-          <a:p>
-            <a:endParaRPr lang="en-US" sz="1800" b="0" strike="noStrike" spc="-1">
-              <a:solidFill>
-                <a:srgbClr val="404040"/>
-              </a:solidFill>
-              <a:latin typeface="Trebuchet MS"/>
-            </a:endParaRPr>
-          </a:p>
-        </p:txBody>
-      </p:sp>
-    </p:spTree>
-  </p:cSld>
-  <p:clrMapOvr>
-    <a:masterClrMapping/>
-  </p:clrMapOvr>
-</p:sld>
-</file>
-
 <file path=ppt/slides/slide4.xml><?xml version="1.0" encoding="utf-8"?>
 <p:sld xmlns:a="http://schemas.openxmlformats.org/drawingml/2006/main" xmlns:r="http://schemas.openxmlformats.org/officeDocument/2006/relationships" xmlns:p="http://schemas.openxmlformats.org/presentationml/2006/main">
   <p:cSld>
@@ -46479,7 +47298,7 @@
               <a:buChar char=""/>
             </a:pPr>
             <a:r>
-              <a:rPr lang="en-US" sz="1800" b="0" strike="noStrike" spc="-1">
+              <a:rPr lang="en-US" sz="1800" b="0" strike="noStrike" spc="-1" dirty="0">
                 <a:solidFill>
                   <a:srgbClr val="404040"/>
                 </a:solidFill>
@@ -46501,7 +47320,7 @@
               <a:buChar char=""/>
             </a:pPr>
             <a:r>
-              <a:rPr lang="en-US" sz="1800" b="0" strike="noStrike" spc="-1">
+              <a:rPr lang="en-US" sz="1800" b="0" strike="noStrike" spc="-1" dirty="0">
                 <a:solidFill>
                   <a:srgbClr val="404040"/>
                 </a:solidFill>
@@ -46523,7 +47342,7 @@
               <a:buChar char=""/>
             </a:pPr>
             <a:r>
-              <a:rPr lang="en-US" sz="1800" b="0" strike="noStrike" spc="-1">
+              <a:rPr lang="en-US" sz="1800" b="0" strike="noStrike" spc="-1" dirty="0">
                 <a:solidFill>
                   <a:srgbClr val="404040"/>
                 </a:solidFill>
@@ -46545,7 +47364,7 @@
               <a:buChar char=""/>
             </a:pPr>
             <a:r>
-              <a:rPr lang="en-US" sz="1800" b="0" strike="noStrike" spc="-1">
+              <a:rPr lang="en-US" sz="1800" b="0" strike="noStrike" spc="-1" dirty="0">
                 <a:solidFill>
                   <a:srgbClr val="404040"/>
                 </a:solidFill>

--- a/docs/Project 2.pptx
+++ b/docs/Project 2.pptx
@@ -48270,7 +48270,7 @@
           <p:nvPr>
             <p:extLst>
               <p:ext uri="{D42A27DB-BD31-4B8C-83A1-F6EECF244321}">
-                <p14:modId xmlns:p14="http://schemas.microsoft.com/office/powerpoint/2010/main" val="904405107"/>
+                <p14:modId xmlns:p14="http://schemas.microsoft.com/office/powerpoint/2010/main" val="948573753"/>
               </p:ext>
             </p:extLst>
           </p:nvPr>
@@ -48284,21 +48284,21 @@
             <a:tbl>
               <a:tblPr/>
               <a:tblGrid>
-                <a:gridCol w="3208647">
+                <a:gridCol w="2970968">
                   <a:extLst>
                     <a:ext uri="{9D8B030D-6E8A-4147-A177-3AD203B41FA5}">
                       <a16:colId xmlns:a16="http://schemas.microsoft.com/office/drawing/2014/main" val="20000"/>
                     </a:ext>
                   </a:extLst>
                 </a:gridCol>
-                <a:gridCol w="1424513">
+                <a:gridCol w="1347019">
                   <a:extLst>
                     <a:ext uri="{9D8B030D-6E8A-4147-A177-3AD203B41FA5}">
                       <a16:colId xmlns:a16="http://schemas.microsoft.com/office/drawing/2014/main" val="20001"/>
                     </a:ext>
                   </a:extLst>
                 </a:gridCol>
-                <a:gridCol w="1867879">
+                <a:gridCol w="2183052">
                   <a:extLst>
                     <a:ext uri="{9D8B030D-6E8A-4147-A177-3AD203B41FA5}">
                       <a16:colId xmlns:a16="http://schemas.microsoft.com/office/drawing/2014/main" val="20002"/>
@@ -48905,27 +48905,22 @@
                     <a:p>
                       <a:r>
                         <a:rPr lang="es-CO" dirty="0"/>
-                        <a:t>1,20 times </a:t>
+                        <a:t>TODO times </a:t>
                       </a:r>
                       <a:r>
                         <a:rPr lang="es-CO" dirty="0" err="1"/>
-                        <a:t>the</a:t>
+                        <a:t>worse</a:t>
                       </a:r>
+                      <a:endParaRPr lang="es-CO" dirty="0"/>
+                    </a:p>
+                    <a:p>
                       <a:r>
                         <a:rPr lang="es-CO" dirty="0"/>
-                        <a:t> </a:t>
+                        <a:t>TODO times </a:t>
                       </a:r>
                       <a:r>
                         <a:rPr lang="es-CO" dirty="0" err="1"/>
-                        <a:t>optimal</a:t>
-                      </a:r>
-                      <a:r>
-                        <a:rPr lang="es-CO" dirty="0"/>
-                        <a:t> 24.2 times </a:t>
-                      </a:r>
-                      <a:r>
-                        <a:rPr lang="es-CO" dirty="0" err="1"/>
-                        <a:t>faster</a:t>
+                        <a:t>slower</a:t>
                       </a:r>
                       <a:endParaRPr lang="es-CO" dirty="0"/>
                     </a:p>
@@ -49092,14 +49087,14 @@
           <p:nvPr>
             <p:extLst>
               <p:ext uri="{D42A27DB-BD31-4B8C-83A1-F6EECF244321}">
-                <p14:modId xmlns:p14="http://schemas.microsoft.com/office/powerpoint/2010/main" val="184714061"/>
+                <p14:modId xmlns:p14="http://schemas.microsoft.com/office/powerpoint/2010/main" val="1551051545"/>
               </p:ext>
             </p:extLst>
           </p:nvPr>
         </p:nvGraphicFramePr>
         <p:xfrm>
           <a:off x="676800" y="3063544"/>
-          <a:ext cx="9234116" cy="1381680"/>
+          <a:ext cx="9234116" cy="1112400"/>
         </p:xfrm>
         <a:graphic>
           <a:graphicData uri="http://schemas.openxmlformats.org/drawingml/2006/table">
@@ -49120,14 +49115,14 @@
                     </a:ext>
                   </a:extLst>
                 </a:gridCol>
-                <a:gridCol w="924449">
+                <a:gridCol w="2085483">
                   <a:extLst>
                     <a:ext uri="{9D8B030D-6E8A-4147-A177-3AD203B41FA5}">
                       <a16:colId xmlns:a16="http://schemas.microsoft.com/office/drawing/2014/main" val="20002"/>
                     </a:ext>
                   </a:extLst>
                 </a:gridCol>
-                <a:gridCol w="3973060">
+                <a:gridCol w="2812026">
                   <a:extLst>
                     <a:ext uri="{9D8B030D-6E8A-4147-A177-3AD203B41FA5}">
                       <a16:colId xmlns:a16="http://schemas.microsoft.com/office/drawing/2014/main" val="421448820"/>
@@ -49435,7 +49430,7 @@
                     <a:p>
                       <a:r>
                         <a:rPr lang="es-CO" dirty="0"/>
-                        <a:t>71881</a:t>
+                        <a:t>6572</a:t>
                       </a:r>
                     </a:p>
                   </a:txBody>
@@ -49476,7 +49471,7 @@
                     <a:p>
                       <a:r>
                         <a:rPr lang="es-CO" dirty="0"/>
-                        <a:t>341</a:t>
+                        <a:t>1.872e+06</a:t>
                       </a:r>
                     </a:p>
                   </a:txBody>
@@ -49629,7 +49624,7 @@
                     <a:p>
                       <a:r>
                         <a:rPr lang="es-CO" dirty="0"/>
-                        <a:t>49</a:t>
+                        <a:t>n/a</a:t>
                       </a:r>
                     </a:p>
                   </a:txBody>
@@ -49678,7 +49673,7 @@
                     <a:p>
                       <a:r>
                         <a:rPr lang="es-CO" dirty="0"/>
-                        <a:t>472.7</a:t>
+                        <a:t>n/a</a:t>
                       </a:r>
                     </a:p>
                   </a:txBody>
@@ -49727,35 +49722,8 @@
                     <a:p>
                       <a:r>
                         <a:rPr lang="es-CO" dirty="0"/>
-                        <a:t>1,38 times </a:t>
+                        <a:t>n/a</a:t>
                       </a:r>
-                      <a:r>
-                        <a:rPr lang="es-CO" dirty="0" err="1"/>
-                        <a:t>the</a:t>
-                      </a:r>
-                      <a:r>
-                        <a:rPr lang="es-CO" dirty="0"/>
-                        <a:t> </a:t>
-                      </a:r>
-                      <a:r>
-                        <a:rPr lang="es-CO" dirty="0" err="1"/>
-                        <a:t>optimal</a:t>
-                      </a:r>
-                      <a:r>
-                        <a:rPr lang="es-CO" dirty="0"/>
-                        <a:t> </a:t>
-                      </a:r>
-                    </a:p>
-                    <a:p>
-                      <a:r>
-                        <a:rPr lang="es-CO" dirty="0"/>
-                        <a:t>1466,9 times </a:t>
-                      </a:r>
-                      <a:r>
-                        <a:rPr lang="es-CO" dirty="0" err="1"/>
-                        <a:t>faster</a:t>
-                      </a:r>
-                      <a:endParaRPr lang="es-CO" dirty="0"/>
                     </a:p>
                   </a:txBody>
                   <a:tcPr>
@@ -49815,7 +49783,7 @@
           <p:nvPr>
             <p:extLst>
               <p:ext uri="{D42A27DB-BD31-4B8C-83A1-F6EECF244321}">
-                <p14:modId xmlns:p14="http://schemas.microsoft.com/office/powerpoint/2010/main" val="4043872397"/>
+                <p14:modId xmlns:p14="http://schemas.microsoft.com/office/powerpoint/2010/main" val="2738874816"/>
               </p:ext>
             </p:extLst>
           </p:nvPr>
@@ -49843,14 +49811,14 @@
                     </a:ext>
                   </a:extLst>
                 </a:gridCol>
-                <a:gridCol w="924449">
+                <a:gridCol w="1937999">
                   <a:extLst>
                     <a:ext uri="{9D8B030D-6E8A-4147-A177-3AD203B41FA5}">
                       <a16:colId xmlns:a16="http://schemas.microsoft.com/office/drawing/2014/main" val="20002"/>
                     </a:ext>
                   </a:extLst>
                 </a:gridCol>
-                <a:gridCol w="4012389">
+                <a:gridCol w="2998839">
                   <a:extLst>
                     <a:ext uri="{9D8B030D-6E8A-4147-A177-3AD203B41FA5}">
                       <a16:colId xmlns:a16="http://schemas.microsoft.com/office/drawing/2014/main" val="421448820"/>
@@ -50158,7 +50126,7 @@
                     <a:p>
                       <a:r>
                         <a:rPr lang="es-CO" dirty="0"/>
-                        <a:t>1</a:t>
+                        <a:t>26412</a:t>
                       </a:r>
                     </a:p>
                   </a:txBody>
@@ -50199,7 +50167,7 @@
                     <a:p>
                       <a:r>
                         <a:rPr lang="es-CO" dirty="0"/>
-                        <a:t>2600</a:t>
+                        <a:t>2.90688e+06</a:t>
                       </a:r>
                     </a:p>
                   </a:txBody>
@@ -50352,7 +50320,7 @@
                     <a:p>
                       <a:r>
                         <a:rPr lang="es-CO" dirty="0"/>
-                        <a:t>12</a:t>
+                        <a:t>139899</a:t>
                       </a:r>
                     </a:p>
                   </a:txBody>
@@ -50401,7 +50369,7 @@
                     <a:p>
                       <a:r>
                         <a:rPr lang="es-CO" dirty="0"/>
-                        <a:t>3100</a:t>
+                        <a:t>1.12882e+08</a:t>
                       </a:r>
                     </a:p>
                   </a:txBody>
@@ -50450,26 +50418,18 @@
                     <a:p>
                       <a:r>
                         <a:rPr lang="es-CO" dirty="0"/>
-                        <a:t>1,19 times </a:t>
+                        <a:t>TODO times </a:t>
                       </a:r>
                       <a:r>
                         <a:rPr lang="es-CO" dirty="0" err="1"/>
-                        <a:t>the</a:t>
-                      </a:r>
-                      <a:r>
-                        <a:rPr lang="es-CO" dirty="0"/>
-                        <a:t> </a:t>
-                      </a:r>
-                      <a:r>
-                        <a:rPr lang="es-CO" dirty="0" err="1"/>
-                        <a:t>optimal</a:t>
+                        <a:t>worse</a:t>
                       </a:r>
                       <a:endParaRPr lang="es-CO" dirty="0"/>
                     </a:p>
                     <a:p>
                       <a:r>
-                        <a:rPr lang="es-CO" dirty="0"/>
-                        <a:t>12 times </a:t>
+                        <a:rPr lang="es-CO"/>
+                        <a:t>TODO times </a:t>
                       </a:r>
                       <a:r>
                         <a:rPr lang="es-CO" dirty="0" err="1"/>
